--- a/BuildingSocialWebApps.pptx
+++ b/BuildingSocialWebApps.pptx
@@ -6,10 +6,10 @@
     <p:sldMasterId id="2147483779" r:id="rId5"/>
   </p:sldMasterIdLst>
   <p:notesMasterIdLst>
-    <p:notesMasterId r:id="rId22"/>
+    <p:notesMasterId r:id="rId25"/>
   </p:notesMasterIdLst>
   <p:handoutMasterIdLst>
-    <p:handoutMasterId r:id="rId23"/>
+    <p:handoutMasterId r:id="rId26"/>
   </p:handoutMasterIdLst>
   <p:sldIdLst>
     <p:sldId id="296" r:id="rId6"/>
@@ -18,21 +18,24 @@
     <p:sldId id="311" r:id="rId9"/>
     <p:sldId id="302" r:id="rId10"/>
     <p:sldId id="315" r:id="rId11"/>
-    <p:sldId id="305" r:id="rId12"/>
-    <p:sldId id="313" r:id="rId13"/>
-    <p:sldId id="306" r:id="rId14"/>
-    <p:sldId id="307" r:id="rId15"/>
-    <p:sldId id="317" r:id="rId16"/>
-    <p:sldId id="308" r:id="rId17"/>
-    <p:sldId id="309" r:id="rId18"/>
-    <p:sldId id="310" r:id="rId19"/>
-    <p:sldId id="314" r:id="rId20"/>
-    <p:sldId id="292" r:id="rId21"/>
+    <p:sldId id="318" r:id="rId12"/>
+    <p:sldId id="305" r:id="rId13"/>
+    <p:sldId id="313" r:id="rId14"/>
+    <p:sldId id="306" r:id="rId15"/>
+    <p:sldId id="307" r:id="rId16"/>
+    <p:sldId id="317" r:id="rId17"/>
+    <p:sldId id="308" r:id="rId18"/>
+    <p:sldId id="309" r:id="rId19"/>
+    <p:sldId id="310" r:id="rId20"/>
+    <p:sldId id="319" r:id="rId21"/>
+    <p:sldId id="320" r:id="rId22"/>
+    <p:sldId id="314" r:id="rId23"/>
+    <p:sldId id="292" r:id="rId24"/>
   </p:sldIdLst>
   <p:sldSz cx="12188825" cy="6858000"/>
   <p:notesSz cx="6858000" cy="9296400"/>
   <p:custDataLst>
-    <p:tags r:id="rId24"/>
+    <p:tags r:id="rId27"/>
   </p:custDataLst>
   <p:defaultTextStyle>
     <a:defPPr>
@@ -140,6 +143,7 @@
             <p14:sldId id="311"/>
             <p14:sldId id="302"/>
             <p14:sldId id="315"/>
+            <p14:sldId id="318"/>
             <p14:sldId id="305"/>
             <p14:sldId id="313"/>
             <p14:sldId id="306"/>
@@ -148,6 +152,8 @@
             <p14:sldId id="308"/>
             <p14:sldId id="309"/>
             <p14:sldId id="310"/>
+            <p14:sldId id="319"/>
+            <p14:sldId id="320"/>
             <p14:sldId id="314"/>
             <p14:sldId id="292"/>
           </p14:sldIdLst>
@@ -1170,6 +1176,13 @@
         </dgm:presLayoutVars>
       </dgm:prSet>
       <dgm:spPr/>
+      <dgm:t>
+        <a:bodyPr/>
+        <a:lstStyle/>
+        <a:p>
+          <a:endParaRPr lang="en-US"/>
+        </a:p>
+      </dgm:t>
     </dgm:pt>
     <dgm:pt modelId="{6F5A64AC-776C-48AE-B17F-D5E5FFE9A60C}" type="pres">
       <dgm:prSet presAssocID="{855D6EFC-2080-4B5F-82EC-D59F39DFAD85}" presName="diamond" presStyleLbl="bgShp" presStyleIdx="0" presStyleCnt="1"/>
@@ -1184,6 +1197,13 @@
         </dgm:presLayoutVars>
       </dgm:prSet>
       <dgm:spPr/>
+      <dgm:t>
+        <a:bodyPr/>
+        <a:lstStyle/>
+        <a:p>
+          <a:endParaRPr lang="en-US"/>
+        </a:p>
+      </dgm:t>
     </dgm:pt>
     <dgm:pt modelId="{F5D71313-15B3-426D-A23A-FE2A6E3E945B}" type="pres">
       <dgm:prSet presAssocID="{855D6EFC-2080-4B5F-82EC-D59F39DFAD85}" presName="quad2" presStyleLbl="node1" presStyleIdx="1" presStyleCnt="4">
@@ -1194,6 +1214,13 @@
         </dgm:presLayoutVars>
       </dgm:prSet>
       <dgm:spPr/>
+      <dgm:t>
+        <a:bodyPr/>
+        <a:lstStyle/>
+        <a:p>
+          <a:endParaRPr lang="en-US"/>
+        </a:p>
+      </dgm:t>
     </dgm:pt>
     <dgm:pt modelId="{8C62473A-AAD8-4F17-8C01-8B8C743428AD}" type="pres">
       <dgm:prSet presAssocID="{855D6EFC-2080-4B5F-82EC-D59F39DFAD85}" presName="quad3" presStyleLbl="node1" presStyleIdx="2" presStyleCnt="4">
@@ -1204,6 +1231,13 @@
         </dgm:presLayoutVars>
       </dgm:prSet>
       <dgm:spPr/>
+      <dgm:t>
+        <a:bodyPr/>
+        <a:lstStyle/>
+        <a:p>
+          <a:endParaRPr lang="en-US"/>
+        </a:p>
+      </dgm:t>
     </dgm:pt>
     <dgm:pt modelId="{20877FC0-6897-422E-AB2D-CC6CF4267D7C}" type="pres">
       <dgm:prSet presAssocID="{855D6EFC-2080-4B5F-82EC-D59F39DFAD85}" presName="quad4" presStyleLbl="node1" presStyleIdx="3" presStyleCnt="4">
@@ -1214,6 +1248,13 @@
         </dgm:presLayoutVars>
       </dgm:prSet>
       <dgm:spPr/>
+      <dgm:t>
+        <a:bodyPr/>
+        <a:lstStyle/>
+        <a:p>
+          <a:endParaRPr lang="en-US"/>
+        </a:p>
+      </dgm:t>
     </dgm:pt>
   </dgm:ptLst>
   <dgm:cxnLst>
@@ -2947,7 +2988,7 @@
               <a:rPr lang="en-US" smtClean="0">
                 <a:latin typeface="Segoe UI" pitchFamily="34" charset="0"/>
               </a:rPr>
-              <a:t>12/3/2012</a:t>
+              <a:t>12/7/2012</a:t>
             </a:fld>
             <a:endParaRPr lang="en-US" dirty="0">
               <a:latin typeface="Segoe UI" pitchFamily="34" charset="0"/>
@@ -3129,7 +3170,7 @@
             <a:fld id="{CAE3F082-F902-42D8-A765-720E172C3194}" type="datetimeFigureOut">
               <a:rPr lang="en-US" smtClean="0"/>
               <a:pPr/>
-              <a:t>12/3/2012</a:t>
+              <a:t>12/7/2012</a:t>
             </a:fld>
             <a:endParaRPr lang="en-US" dirty="0"/>
           </a:p>
@@ -3746,7 +3787,7 @@
             <a:fld id="{82AABF77-E2E4-44CA-BA5C-65E132CF08D8}" type="slidenum">
               <a:rPr lang="en-US" smtClean="0"/>
               <a:pPr/>
-              <a:t>10</a:t>
+              <a:t>11</a:t>
             </a:fld>
             <a:endParaRPr lang="en-US" dirty="0"/>
           </a:p>
@@ -3872,7 +3913,7 @@
             <a:fld id="{82AABF77-E2E4-44CA-BA5C-65E132CF08D8}" type="slidenum">
               <a:rPr lang="en-US" smtClean="0"/>
               <a:pPr/>
-              <a:t>11</a:t>
+              <a:t>12</a:t>
             </a:fld>
             <a:endParaRPr lang="en-US" dirty="0"/>
           </a:p>
@@ -9321,7 +9362,7 @@
           <a:p>
             <a:fld id="{3C05B25D-F090-4D40-A1CE-42B188CFF7D8}" type="datetimeFigureOut">
               <a:rPr lang="en-US" smtClean="0"/>
-              <a:t>12/3/2012</a:t>
+              <a:t>12/7/2012</a:t>
             </a:fld>
             <a:endParaRPr lang="en-US"/>
           </a:p>
@@ -15889,10 +15930,27 @@
                   </a:gradFill>
                   <a:latin typeface="Segoe UI Light" pitchFamily="34" charset="0"/>
                 </a:rPr>
-                <a:t>Follow @</a:t>
+                <a:t>Follow </a:t>
               </a:r>
               <a:r>
-                <a:rPr lang="en-US" sz="2600" spc="-100" dirty="0" err="1">
+                <a:rPr lang="en-US" sz="2600" spc="-100" dirty="0" smtClean="0">
+                  <a:gradFill>
+                    <a:gsLst>
+                      <a:gs pos="0">
+                        <a:srgbClr val="595959"/>
+                      </a:gs>
+                      <a:gs pos="86000">
+                        <a:srgbClr val="595959"/>
+                      </a:gs>
+                    </a:gsLst>
+                    <a:lin ang="5400000" scaled="0"/>
+                  </a:gradFill>
+                  <a:latin typeface="Segoe UI Light" pitchFamily="34" charset="0"/>
+                </a:rPr>
+                <a:t>@</a:t>
+              </a:r>
+              <a:r>
+                <a:rPr lang="en-US" sz="2600" spc="-100" dirty="0" err="1" smtClean="0">
                   <a:gradFill>
                     <a:gsLst>
                       <a:gs pos="0">
@@ -15942,23 +16000,6 @@
                 </a:rPr>
               </a:br>
               <a:r>
-                <a:rPr lang="en-US" sz="2600" spc="-100" dirty="0" err="1">
-                  <a:gradFill>
-                    <a:gsLst>
-                      <a:gs pos="0">
-                        <a:srgbClr val="595959"/>
-                      </a:gs>
-                      <a:gs pos="86000">
-                        <a:srgbClr val="595959"/>
-                      </a:gs>
-                    </a:gsLst>
-                    <a:lin ang="5400000" scaled="0"/>
-                  </a:gradFill>
-                  <a:latin typeface="Segoe UI Light" pitchFamily="34" charset="0"/>
-                </a:rPr>
-                <a:t>Hashtag</a:t>
-              </a:r>
-              <a:r>
                 <a:rPr lang="en-US" sz="2600" spc="-100" dirty="0">
                   <a:gradFill>
                     <a:gsLst>
@@ -15973,7 +16014,7 @@
                   </a:gradFill>
                   <a:latin typeface="Segoe UI Light" pitchFamily="34" charset="0"/>
                 </a:rPr>
-                <a:t> </a:t>
+                <a:t>Hashtag </a:t>
               </a:r>
               <a:r>
                 <a:rPr lang="en-US" sz="2600" spc="-100" dirty="0" smtClean="0">
@@ -15993,7 +16034,7 @@
                 <a:t>#</a:t>
               </a:r>
               <a:r>
-                <a:rPr lang="en-US" sz="2600" spc="-100" smtClean="0">
+                <a:rPr lang="en-US" sz="2600" spc="-100" dirty="0" err="1" smtClean="0">
                   <a:gradFill>
                     <a:gsLst>
                       <a:gs pos="0">
@@ -16007,7 +16048,7 @@
                   </a:gradFill>
                   <a:latin typeface="Segoe UI Light" pitchFamily="34" charset="0"/>
                 </a:rPr>
-                <a:t>devamps</a:t>
+                <a:t>webcamps</a:t>
               </a:r>
               <a:endParaRPr lang="en-US" sz="2600" spc="-100" dirty="0">
                 <a:gradFill>
@@ -16035,7 +16076,7 @@
                 <a:buSzPct val="80000"/>
               </a:pPr>
               <a:r>
-                <a:rPr lang="en-US" sz="2600" spc="-100" dirty="0">
+                <a:rPr lang="en-US" sz="2600" spc="-100" dirty="0" smtClean="0">
                   <a:gradFill>
                     <a:gsLst>
                       <a:gs pos="0">
@@ -16049,8 +16090,56 @@
                   </a:gradFill>
                   <a:latin typeface="Segoe UI Light" pitchFamily="34" charset="0"/>
                 </a:rPr>
-                <a:t>SPEAKER NAME/HANDLE HERE</a:t>
+                <a:t>SPEAKERNAME </a:t>
               </a:r>
+              <a:r>
+                <a:rPr lang="en-US" sz="2600" spc="-100" smtClean="0">
+                  <a:gradFill>
+                    <a:gsLst>
+                      <a:gs pos="0">
+                        <a:srgbClr val="595959"/>
+                      </a:gs>
+                      <a:gs pos="86000">
+                        <a:srgbClr val="595959"/>
+                      </a:gs>
+                    </a:gsLst>
+                    <a:lin ang="5400000" scaled="0"/>
+                  </a:gradFill>
+                  <a:latin typeface="Segoe UI Light" pitchFamily="34" charset="0"/>
+                </a:rPr>
+                <a:t>/ </a:t>
+              </a:r>
+              <a:r>
+                <a:rPr lang="en-US" sz="2600" spc="-100" smtClean="0">
+                  <a:gradFill>
+                    <a:gsLst>
+                      <a:gs pos="0">
+                        <a:srgbClr val="595959"/>
+                      </a:gs>
+                      <a:gs pos="86000">
+                        <a:srgbClr val="595959"/>
+                      </a:gs>
+                    </a:gsLst>
+                    <a:lin ang="5400000" scaled="0"/>
+                  </a:gradFill>
+                  <a:latin typeface="Segoe UI Light" pitchFamily="34" charset="0"/>
+                </a:rPr>
+                <a:t>@HANDLE</a:t>
+              </a:r>
+              <a:endParaRPr lang="en-US" sz="2600" spc="-100" dirty="0">
+                <a:gradFill>
+                  <a:gsLst>
+                    <a:gs pos="0">
+                      <a:srgbClr val="595959"/>
+                    </a:gs>
+                    <a:gs pos="86000">
+                      <a:srgbClr val="595959"/>
+                    </a:gs>
+                  </a:gsLst>
+                  <a:lin ang="5400000" scaled="0"/>
+                </a:gradFill>
+                <a:latin typeface="Segoe UI Light" pitchFamily="34" charset="0"/>
+              </a:endParaRPr>
             </a:p>
           </p:txBody>
         </p:sp>
@@ -17814,7 +17903,7 @@
           <a:p>
             <a:r>
               <a:rPr lang="en-US" dirty="0" smtClean="0"/>
-              <a:t>Facebook Graph API</a:t>
+              <a:t>Open Graph</a:t>
             </a:r>
             <a:endParaRPr lang="en-US" dirty="0"/>
           </a:p>
@@ -17822,993 +17911,317 @@
       </p:sp>
       <p:sp>
         <p:nvSpPr>
-          <p:cNvPr id="26" name="Content Placeholder 25"/>
-          <p:cNvSpPr>
-            <a:spLocks noGrp="1"/>
-          </p:cNvSpPr>
-          <p:nvPr>
-            <p:ph type="body" sz="quarter" idx="10"/>
-          </p:nvPr>
+          <p:cNvPr id="6" name="Freeform 5"/>
+          <p:cNvSpPr/>
+          <p:nvPr/>
         </p:nvSpPr>
         <p:spPr>
           <a:xfrm>
-            <a:off x="519113" y="1447799"/>
-            <a:ext cx="5360988" cy="946413"/>
+            <a:off x="519112" y="2465388"/>
+            <a:ext cx="3344703" cy="2000250"/>
           </a:xfrm>
+          <a:custGeom>
+            <a:avLst/>
+            <a:gdLst>
+              <a:gd name="connsiteX0" fmla="*/ 0 w 3344703"/>
+              <a:gd name="connsiteY0" fmla="*/ 0 h 2000250"/>
+              <a:gd name="connsiteX1" fmla="*/ 3344703 w 3344703"/>
+              <a:gd name="connsiteY1" fmla="*/ 0 h 2000250"/>
+              <a:gd name="connsiteX2" fmla="*/ 3344703 w 3344703"/>
+              <a:gd name="connsiteY2" fmla="*/ 2000250 h 2000250"/>
+              <a:gd name="connsiteX3" fmla="*/ 0 w 3344703"/>
+              <a:gd name="connsiteY3" fmla="*/ 2000250 h 2000250"/>
+              <a:gd name="connsiteX4" fmla="*/ 0 w 3344703"/>
+              <a:gd name="connsiteY4" fmla="*/ 0 h 2000250"/>
+            </a:gdLst>
+            <a:ahLst/>
+            <a:cxnLst>
+              <a:cxn ang="0">
+                <a:pos x="connsiteX0" y="connsiteY0"/>
+              </a:cxn>
+              <a:cxn ang="0">
+                <a:pos x="connsiteX1" y="connsiteY1"/>
+              </a:cxn>
+              <a:cxn ang="0">
+                <a:pos x="connsiteX2" y="connsiteY2"/>
+              </a:cxn>
+              <a:cxn ang="0">
+                <a:pos x="connsiteX3" y="connsiteY3"/>
+              </a:cxn>
+              <a:cxn ang="0">
+                <a:pos x="connsiteX4" y="connsiteY4"/>
+              </a:cxn>
+            </a:cxnLst>
+            <a:rect l="l" t="t" r="r" b="b"/>
+            <a:pathLst>
+              <a:path w="3344703" h="2000250">
+                <a:moveTo>
+                  <a:pt x="0" y="0"/>
+                </a:moveTo>
+                <a:lnTo>
+                  <a:pt x="3344703" y="0"/>
+                </a:lnTo>
+                <a:lnTo>
+                  <a:pt x="3344703" y="2000250"/>
+                </a:lnTo>
+                <a:lnTo>
+                  <a:pt x="0" y="2000250"/>
+                </a:lnTo>
+                <a:lnTo>
+                  <a:pt x="0" y="0"/>
+                </a:lnTo>
+                <a:close/>
+              </a:path>
+            </a:pathLst>
+          </a:custGeom>
+          <a:solidFill>
+            <a:schemeClr val="tx2"/>
+          </a:solidFill>
         </p:spPr>
+        <p:style>
+          <a:lnRef idx="2">
+            <a:schemeClr val="lt1">
+              <a:hueOff val="0"/>
+              <a:satOff val="0"/>
+              <a:lumOff val="0"/>
+              <a:alphaOff val="0"/>
+            </a:schemeClr>
+          </a:lnRef>
+          <a:fillRef idx="1">
+            <a:scrgbClr r="0" g="0" b="0"/>
+          </a:fillRef>
+          <a:effectRef idx="0">
+            <a:schemeClr val="accent2">
+              <a:shade val="80000"/>
+              <a:hueOff val="0"/>
+              <a:satOff val="0"/>
+              <a:lumOff val="0"/>
+              <a:alphaOff val="0"/>
+            </a:schemeClr>
+          </a:effectRef>
+          <a:fontRef idx="minor">
+            <a:schemeClr val="lt1"/>
+          </a:fontRef>
+        </p:style>
         <p:txBody>
-          <a:bodyPr/>
+          <a:bodyPr spcFirstLastPara="0" vert="horz" wrap="square" lIns="133350" tIns="133350" rIns="133350" bIns="133350" numCol="1" spcCol="1270" anchor="ctr" anchorCtr="0">
+            <a:noAutofit/>
+          </a:bodyPr>
           <a:lstStyle/>
           <a:p>
-            <a:r>
-              <a:rPr lang="en-US" dirty="0" smtClean="0"/>
-              <a:t>Network of User, Actions, and Objects</a:t>
-            </a:r>
-          </a:p>
-          <a:p>
-            <a:r>
-              <a:rPr lang="en-US" dirty="0" smtClean="0"/>
-              <a:t>REST API</a:t>
-            </a:r>
-          </a:p>
-          <a:p>
-            <a:r>
-              <a:rPr lang="en-US" dirty="0" smtClean="0"/>
-              <a:t>JSON Format</a:t>
-            </a:r>
-          </a:p>
-          <a:p>
-            <a:r>
-              <a:rPr lang="en-US" dirty="0" smtClean="0"/>
-              <a:t>Deep integration with Facebook</a:t>
-            </a:r>
-          </a:p>
-          <a:p>
-            <a:endParaRPr lang="en-US" dirty="0"/>
+            <a:pPr lvl="0" algn="ctr" defTabSz="1555750">
+              <a:lnSpc>
+                <a:spcPct val="90000"/>
+              </a:lnSpc>
+              <a:spcBef>
+                <a:spcPct val="0"/>
+              </a:spcBef>
+              <a:spcAft>
+                <a:spcPct val="35000"/>
+              </a:spcAft>
+            </a:pPr>
+            <a:r>
+              <a:rPr lang="en-US" sz="3500" kern="1200" dirty="0" smtClean="0"/>
+              <a:t>User</a:t>
+            </a:r>
+            <a:endParaRPr lang="en-US" sz="3500" kern="1200" dirty="0"/>
           </a:p>
         </p:txBody>
       </p:sp>
       <p:sp>
         <p:nvSpPr>
-          <p:cNvPr id="28" name="Rectangle 27"/>
+          <p:cNvPr id="7" name="Right Arrow 6"/>
           <p:cNvSpPr/>
           <p:nvPr/>
         </p:nvSpPr>
         <p:spPr>
           <a:xfrm>
-            <a:off x="6586106" y="1348800"/>
-            <a:ext cx="6092825" cy="5509200"/>
+            <a:off x="4421266" y="2443251"/>
+            <a:ext cx="3344703" cy="2003336"/>
           </a:xfrm>
-          <a:prstGeom prst="rect">
+          <a:prstGeom prst="rightArrow">
             <a:avLst/>
           </a:prstGeom>
         </p:spPr>
+        <p:style>
+          <a:lnRef idx="2">
+            <a:schemeClr val="lt1">
+              <a:hueOff val="0"/>
+              <a:satOff val="0"/>
+              <a:lumOff val="0"/>
+              <a:alphaOff val="0"/>
+            </a:schemeClr>
+          </a:lnRef>
+          <a:fillRef idx="1">
+            <a:schemeClr val="accent2">
+              <a:shade val="80000"/>
+              <a:hueOff val="285527"/>
+              <a:satOff val="-9433"/>
+              <a:lumOff val="17283"/>
+              <a:alphaOff val="0"/>
+            </a:schemeClr>
+          </a:fillRef>
+          <a:effectRef idx="0">
+            <a:schemeClr val="accent2">
+              <a:shade val="80000"/>
+              <a:hueOff val="285527"/>
+              <a:satOff val="-9433"/>
+              <a:lumOff val="17283"/>
+              <a:alphaOff val="0"/>
+            </a:schemeClr>
+          </a:effectRef>
+          <a:fontRef idx="minor">
+            <a:schemeClr val="lt1"/>
+          </a:fontRef>
+        </p:style>
         <p:txBody>
-          <a:bodyPr>
-            <a:spAutoFit/>
+          <a:bodyPr spcFirstLastPara="0" vert="horz" wrap="square" lIns="133350" tIns="133350" rIns="133350" bIns="133350" numCol="1" spcCol="1270" anchor="ctr" anchorCtr="0">
+            <a:noAutofit/>
           </a:bodyPr>
           <a:lstStyle/>
           <a:p>
-            <a:r>
-              <a:rPr lang="en-US" sz="1600" dirty="0">
-                <a:solidFill>
-                  <a:srgbClr val="333333"/>
-                </a:solidFill>
-                <a:latin typeface="Consolas" panose="020B0609020204030204" pitchFamily="49" charset="0"/>
-                <a:cs typeface="Consolas" panose="020B0609020204030204" pitchFamily="49" charset="0"/>
-              </a:rPr>
-              <a:t>{</a:t>
-            </a:r>
-            <a:r>
-              <a:rPr lang="en-US" sz="1600" dirty="0">
-                <a:latin typeface="Consolas" panose="020B0609020204030204" pitchFamily="49" charset="0"/>
-                <a:cs typeface="Consolas" panose="020B0609020204030204" pitchFamily="49" charset="0"/>
-              </a:rPr>
-              <a:t/>
-            </a:r>
-            <a:br>
-              <a:rPr lang="en-US" sz="1600" dirty="0">
-                <a:latin typeface="Consolas" panose="020B0609020204030204" pitchFamily="49" charset="0"/>
-                <a:cs typeface="Consolas" panose="020B0609020204030204" pitchFamily="49" charset="0"/>
-              </a:rPr>
-            </a:br>
-            <a:r>
-              <a:rPr lang="en-US" sz="1600" dirty="0">
-                <a:solidFill>
-                  <a:srgbClr val="333333"/>
-                </a:solidFill>
-                <a:latin typeface="Consolas" panose="020B0609020204030204" pitchFamily="49" charset="0"/>
-                <a:cs typeface="Consolas" panose="020B0609020204030204" pitchFamily="49" charset="0"/>
-              </a:rPr>
-              <a:t>  "id": </a:t>
-            </a:r>
-            <a:r>
-              <a:rPr lang="en-US" sz="1600" dirty="0">
-                <a:solidFill>
-                  <a:srgbClr val="008000"/>
-                </a:solidFill>
-                <a:latin typeface="Consolas" panose="020B0609020204030204" pitchFamily="49" charset="0"/>
-                <a:cs typeface="Consolas" panose="020B0609020204030204" pitchFamily="49" charset="0"/>
-              </a:rPr>
-              <a:t>"</a:t>
-            </a:r>
-            <a:r>
-              <a:rPr lang="en-US" sz="1600" dirty="0">
-                <a:solidFill>
-                  <a:srgbClr val="3B5998"/>
-                </a:solidFill>
-                <a:latin typeface="Consolas" panose="020B0609020204030204" pitchFamily="49" charset="0"/>
-                <a:cs typeface="Consolas" panose="020B0609020204030204" pitchFamily="49" charset="0"/>
-                <a:hlinkClick r:id="rId3"/>
-              </a:rPr>
-              <a:t>14812017</a:t>
-            </a:r>
-            <a:r>
-              <a:rPr lang="en-US" sz="1600" dirty="0">
-                <a:solidFill>
-                  <a:srgbClr val="008000"/>
-                </a:solidFill>
-                <a:latin typeface="Consolas" panose="020B0609020204030204" pitchFamily="49" charset="0"/>
-                <a:cs typeface="Consolas" panose="020B0609020204030204" pitchFamily="49" charset="0"/>
-              </a:rPr>
-              <a:t>"</a:t>
-            </a:r>
-            <a:r>
-              <a:rPr lang="en-US" sz="1600" dirty="0">
-                <a:solidFill>
-                  <a:srgbClr val="333333"/>
-                </a:solidFill>
-                <a:latin typeface="Consolas" panose="020B0609020204030204" pitchFamily="49" charset="0"/>
-                <a:cs typeface="Consolas" panose="020B0609020204030204" pitchFamily="49" charset="0"/>
-              </a:rPr>
-              <a:t>, </a:t>
-            </a:r>
-            <a:r>
-              <a:rPr lang="en-US" sz="1600" dirty="0">
-                <a:latin typeface="Consolas" panose="020B0609020204030204" pitchFamily="49" charset="0"/>
-                <a:cs typeface="Consolas" panose="020B0609020204030204" pitchFamily="49" charset="0"/>
-              </a:rPr>
-              <a:t/>
-            </a:r>
-            <a:br>
-              <a:rPr lang="en-US" sz="1600" dirty="0">
-                <a:latin typeface="Consolas" panose="020B0609020204030204" pitchFamily="49" charset="0"/>
-                <a:cs typeface="Consolas" panose="020B0609020204030204" pitchFamily="49" charset="0"/>
-              </a:rPr>
-            </a:br>
-            <a:r>
-              <a:rPr lang="en-US" sz="1600" dirty="0">
-                <a:solidFill>
-                  <a:srgbClr val="333333"/>
-                </a:solidFill>
-                <a:latin typeface="Consolas" panose="020B0609020204030204" pitchFamily="49" charset="0"/>
-                <a:cs typeface="Consolas" panose="020B0609020204030204" pitchFamily="49" charset="0"/>
-              </a:rPr>
-              <a:t>  "name": </a:t>
-            </a:r>
-            <a:r>
-              <a:rPr lang="en-US" sz="1600" dirty="0">
-                <a:solidFill>
-                  <a:srgbClr val="008000"/>
-                </a:solidFill>
-                <a:latin typeface="Consolas" panose="020B0609020204030204" pitchFamily="49" charset="0"/>
-                <a:cs typeface="Consolas" panose="020B0609020204030204" pitchFamily="49" charset="0"/>
-              </a:rPr>
-              <a:t>"Nathan Totten"</a:t>
-            </a:r>
-            <a:r>
-              <a:rPr lang="en-US" sz="1600" dirty="0">
-                <a:solidFill>
-                  <a:srgbClr val="333333"/>
-                </a:solidFill>
-                <a:latin typeface="Consolas" panose="020B0609020204030204" pitchFamily="49" charset="0"/>
-                <a:cs typeface="Consolas" panose="020B0609020204030204" pitchFamily="49" charset="0"/>
-              </a:rPr>
-              <a:t>, </a:t>
-            </a:r>
-            <a:r>
-              <a:rPr lang="en-US" sz="1600" dirty="0">
-                <a:latin typeface="Consolas" panose="020B0609020204030204" pitchFamily="49" charset="0"/>
-                <a:cs typeface="Consolas" panose="020B0609020204030204" pitchFamily="49" charset="0"/>
-              </a:rPr>
-              <a:t/>
-            </a:r>
-            <a:br>
-              <a:rPr lang="en-US" sz="1600" dirty="0">
-                <a:latin typeface="Consolas" panose="020B0609020204030204" pitchFamily="49" charset="0"/>
-                <a:cs typeface="Consolas" panose="020B0609020204030204" pitchFamily="49" charset="0"/>
-              </a:rPr>
-            </a:br>
-            <a:r>
-              <a:rPr lang="en-US" sz="1600" dirty="0">
-                <a:solidFill>
-                  <a:srgbClr val="333333"/>
-                </a:solidFill>
-                <a:latin typeface="Consolas" panose="020B0609020204030204" pitchFamily="49" charset="0"/>
-                <a:cs typeface="Consolas" panose="020B0609020204030204" pitchFamily="49" charset="0"/>
-              </a:rPr>
-              <a:t>  "</a:t>
-            </a:r>
-            <a:r>
-              <a:rPr lang="en-US" sz="1600" dirty="0" err="1">
-                <a:solidFill>
-                  <a:srgbClr val="333333"/>
-                </a:solidFill>
-                <a:latin typeface="Consolas" panose="020B0609020204030204" pitchFamily="49" charset="0"/>
-                <a:cs typeface="Consolas" panose="020B0609020204030204" pitchFamily="49" charset="0"/>
-              </a:rPr>
-              <a:t>first_name</a:t>
-            </a:r>
-            <a:r>
-              <a:rPr lang="en-US" sz="1600" dirty="0">
-                <a:solidFill>
-                  <a:srgbClr val="333333"/>
-                </a:solidFill>
-                <a:latin typeface="Consolas" panose="020B0609020204030204" pitchFamily="49" charset="0"/>
-                <a:cs typeface="Consolas" panose="020B0609020204030204" pitchFamily="49" charset="0"/>
-              </a:rPr>
-              <a:t>": </a:t>
-            </a:r>
-            <a:r>
-              <a:rPr lang="en-US" sz="1600" dirty="0">
-                <a:solidFill>
-                  <a:srgbClr val="008000"/>
-                </a:solidFill>
-                <a:latin typeface="Consolas" panose="020B0609020204030204" pitchFamily="49" charset="0"/>
-                <a:cs typeface="Consolas" panose="020B0609020204030204" pitchFamily="49" charset="0"/>
-              </a:rPr>
-              <a:t>"Nathan"</a:t>
-            </a:r>
-            <a:r>
-              <a:rPr lang="en-US" sz="1600" dirty="0">
-                <a:solidFill>
-                  <a:srgbClr val="333333"/>
-                </a:solidFill>
-                <a:latin typeface="Consolas" panose="020B0609020204030204" pitchFamily="49" charset="0"/>
-                <a:cs typeface="Consolas" panose="020B0609020204030204" pitchFamily="49" charset="0"/>
-              </a:rPr>
-              <a:t>, </a:t>
-            </a:r>
-            <a:r>
-              <a:rPr lang="en-US" sz="1600" dirty="0">
-                <a:latin typeface="Consolas" panose="020B0609020204030204" pitchFamily="49" charset="0"/>
-                <a:cs typeface="Consolas" panose="020B0609020204030204" pitchFamily="49" charset="0"/>
-              </a:rPr>
-              <a:t/>
-            </a:r>
-            <a:br>
-              <a:rPr lang="en-US" sz="1600" dirty="0">
-                <a:latin typeface="Consolas" panose="020B0609020204030204" pitchFamily="49" charset="0"/>
-                <a:cs typeface="Consolas" panose="020B0609020204030204" pitchFamily="49" charset="0"/>
-              </a:rPr>
-            </a:br>
-            <a:r>
-              <a:rPr lang="en-US" sz="1600" dirty="0">
-                <a:solidFill>
-                  <a:srgbClr val="333333"/>
-                </a:solidFill>
-                <a:latin typeface="Consolas" panose="020B0609020204030204" pitchFamily="49" charset="0"/>
-                <a:cs typeface="Consolas" panose="020B0609020204030204" pitchFamily="49" charset="0"/>
-              </a:rPr>
-              <a:t>  "</a:t>
-            </a:r>
-            <a:r>
-              <a:rPr lang="en-US" sz="1600" dirty="0" err="1">
-                <a:solidFill>
-                  <a:srgbClr val="333333"/>
-                </a:solidFill>
-                <a:latin typeface="Consolas" panose="020B0609020204030204" pitchFamily="49" charset="0"/>
-                <a:cs typeface="Consolas" panose="020B0609020204030204" pitchFamily="49" charset="0"/>
-              </a:rPr>
-              <a:t>last_name</a:t>
-            </a:r>
-            <a:r>
-              <a:rPr lang="en-US" sz="1600" dirty="0">
-                <a:solidFill>
-                  <a:srgbClr val="333333"/>
-                </a:solidFill>
-                <a:latin typeface="Consolas" panose="020B0609020204030204" pitchFamily="49" charset="0"/>
-                <a:cs typeface="Consolas" panose="020B0609020204030204" pitchFamily="49" charset="0"/>
-              </a:rPr>
-              <a:t>": </a:t>
-            </a:r>
-            <a:r>
-              <a:rPr lang="en-US" sz="1600" dirty="0">
-                <a:solidFill>
-                  <a:srgbClr val="008000"/>
-                </a:solidFill>
-                <a:latin typeface="Consolas" panose="020B0609020204030204" pitchFamily="49" charset="0"/>
-                <a:cs typeface="Consolas" panose="020B0609020204030204" pitchFamily="49" charset="0"/>
-              </a:rPr>
-              <a:t>"Totten"</a:t>
-            </a:r>
-            <a:r>
-              <a:rPr lang="en-US" sz="1600" dirty="0">
-                <a:solidFill>
-                  <a:srgbClr val="333333"/>
-                </a:solidFill>
-                <a:latin typeface="Consolas" panose="020B0609020204030204" pitchFamily="49" charset="0"/>
-                <a:cs typeface="Consolas" panose="020B0609020204030204" pitchFamily="49" charset="0"/>
-              </a:rPr>
-              <a:t>, </a:t>
-            </a:r>
-            <a:r>
-              <a:rPr lang="en-US" sz="1600" dirty="0">
-                <a:latin typeface="Consolas" panose="020B0609020204030204" pitchFamily="49" charset="0"/>
-                <a:cs typeface="Consolas" panose="020B0609020204030204" pitchFamily="49" charset="0"/>
-              </a:rPr>
-              <a:t/>
-            </a:r>
-            <a:br>
-              <a:rPr lang="en-US" sz="1600" dirty="0">
-                <a:latin typeface="Consolas" panose="020B0609020204030204" pitchFamily="49" charset="0"/>
-                <a:cs typeface="Consolas" panose="020B0609020204030204" pitchFamily="49" charset="0"/>
-              </a:rPr>
-            </a:br>
-            <a:r>
-              <a:rPr lang="en-US" sz="1600" dirty="0">
-                <a:solidFill>
-                  <a:srgbClr val="333333"/>
-                </a:solidFill>
-                <a:latin typeface="Consolas" panose="020B0609020204030204" pitchFamily="49" charset="0"/>
-                <a:cs typeface="Consolas" panose="020B0609020204030204" pitchFamily="49" charset="0"/>
-              </a:rPr>
-              <a:t>  "link": </a:t>
-            </a:r>
-            <a:r>
-              <a:rPr lang="en-US" sz="1600" dirty="0">
-                <a:solidFill>
-                  <a:srgbClr val="008000"/>
-                </a:solidFill>
-                <a:latin typeface="Consolas" panose="020B0609020204030204" pitchFamily="49" charset="0"/>
-                <a:cs typeface="Consolas" panose="020B0609020204030204" pitchFamily="49" charset="0"/>
-              </a:rPr>
-              <a:t>"</a:t>
-            </a:r>
-            <a:r>
-              <a:rPr lang="en-US" sz="1600" dirty="0">
-                <a:solidFill>
-                  <a:srgbClr val="3B5998"/>
-                </a:solidFill>
-                <a:latin typeface="Consolas" panose="020B0609020204030204" pitchFamily="49" charset="0"/>
-                <a:cs typeface="Consolas" panose="020B0609020204030204" pitchFamily="49" charset="0"/>
-                <a:hlinkClick r:id="rId4"/>
-              </a:rPr>
-              <a:t>https://www.facebook.com/totten</a:t>
-            </a:r>
-            <a:r>
-              <a:rPr lang="en-US" sz="1600" dirty="0">
-                <a:solidFill>
-                  <a:srgbClr val="008000"/>
-                </a:solidFill>
-                <a:latin typeface="Consolas" panose="020B0609020204030204" pitchFamily="49" charset="0"/>
-                <a:cs typeface="Consolas" panose="020B0609020204030204" pitchFamily="49" charset="0"/>
-              </a:rPr>
-              <a:t>"</a:t>
-            </a:r>
-            <a:r>
-              <a:rPr lang="en-US" sz="1600" dirty="0">
-                <a:solidFill>
-                  <a:srgbClr val="333333"/>
-                </a:solidFill>
-                <a:latin typeface="Consolas" panose="020B0609020204030204" pitchFamily="49" charset="0"/>
-                <a:cs typeface="Consolas" panose="020B0609020204030204" pitchFamily="49" charset="0"/>
-              </a:rPr>
-              <a:t>, </a:t>
-            </a:r>
-            <a:r>
-              <a:rPr lang="en-US" sz="1600" dirty="0">
-                <a:latin typeface="Consolas" panose="020B0609020204030204" pitchFamily="49" charset="0"/>
-                <a:cs typeface="Consolas" panose="020B0609020204030204" pitchFamily="49" charset="0"/>
-              </a:rPr>
-              <a:t/>
-            </a:r>
-            <a:br>
-              <a:rPr lang="en-US" sz="1600" dirty="0">
-                <a:latin typeface="Consolas" panose="020B0609020204030204" pitchFamily="49" charset="0"/>
-                <a:cs typeface="Consolas" panose="020B0609020204030204" pitchFamily="49" charset="0"/>
-              </a:rPr>
-            </a:br>
-            <a:r>
-              <a:rPr lang="en-US" sz="1600" dirty="0">
-                <a:solidFill>
-                  <a:srgbClr val="333333"/>
-                </a:solidFill>
-                <a:latin typeface="Consolas" panose="020B0609020204030204" pitchFamily="49" charset="0"/>
-                <a:cs typeface="Consolas" panose="020B0609020204030204" pitchFamily="49" charset="0"/>
-              </a:rPr>
-              <a:t>  "username": </a:t>
-            </a:r>
-            <a:r>
-              <a:rPr lang="en-US" sz="1600" dirty="0">
-                <a:solidFill>
-                  <a:srgbClr val="008000"/>
-                </a:solidFill>
-                <a:latin typeface="Consolas" panose="020B0609020204030204" pitchFamily="49" charset="0"/>
-                <a:cs typeface="Consolas" panose="020B0609020204030204" pitchFamily="49" charset="0"/>
-              </a:rPr>
-              <a:t>"</a:t>
-            </a:r>
-            <a:r>
-              <a:rPr lang="en-US" sz="1600" dirty="0" err="1">
-                <a:solidFill>
-                  <a:srgbClr val="3B5998"/>
-                </a:solidFill>
-                <a:latin typeface="Consolas" panose="020B0609020204030204" pitchFamily="49" charset="0"/>
-                <a:cs typeface="Consolas" panose="020B0609020204030204" pitchFamily="49" charset="0"/>
-                <a:hlinkClick r:id="rId5"/>
-              </a:rPr>
-              <a:t>totten</a:t>
-            </a:r>
-            <a:r>
-              <a:rPr lang="en-US" sz="1600" dirty="0">
-                <a:solidFill>
-                  <a:srgbClr val="008000"/>
-                </a:solidFill>
-                <a:latin typeface="Consolas" panose="020B0609020204030204" pitchFamily="49" charset="0"/>
-                <a:cs typeface="Consolas" panose="020B0609020204030204" pitchFamily="49" charset="0"/>
-              </a:rPr>
-              <a:t>"</a:t>
-            </a:r>
-            <a:r>
-              <a:rPr lang="en-US" sz="1600" dirty="0">
-                <a:solidFill>
-                  <a:srgbClr val="333333"/>
-                </a:solidFill>
-                <a:latin typeface="Consolas" panose="020B0609020204030204" pitchFamily="49" charset="0"/>
-                <a:cs typeface="Consolas" panose="020B0609020204030204" pitchFamily="49" charset="0"/>
-              </a:rPr>
-              <a:t>, </a:t>
-            </a:r>
-            <a:r>
-              <a:rPr lang="en-US" sz="1600" dirty="0">
-                <a:latin typeface="Consolas" panose="020B0609020204030204" pitchFamily="49" charset="0"/>
-                <a:cs typeface="Consolas" panose="020B0609020204030204" pitchFamily="49" charset="0"/>
-              </a:rPr>
-              <a:t/>
-            </a:r>
-            <a:br>
-              <a:rPr lang="en-US" sz="1600" dirty="0">
-                <a:latin typeface="Consolas" panose="020B0609020204030204" pitchFamily="49" charset="0"/>
-                <a:cs typeface="Consolas" panose="020B0609020204030204" pitchFamily="49" charset="0"/>
-              </a:rPr>
-            </a:br>
-            <a:r>
-              <a:rPr lang="en-US" sz="1600" dirty="0">
-                <a:solidFill>
-                  <a:srgbClr val="333333"/>
-                </a:solidFill>
-                <a:latin typeface="Consolas" panose="020B0609020204030204" pitchFamily="49" charset="0"/>
-                <a:cs typeface="Consolas" panose="020B0609020204030204" pitchFamily="49" charset="0"/>
-              </a:rPr>
-              <a:t>  "hometown": {</a:t>
-            </a:r>
-            <a:r>
-              <a:rPr lang="en-US" sz="1600" dirty="0">
-                <a:latin typeface="Consolas" panose="020B0609020204030204" pitchFamily="49" charset="0"/>
-                <a:cs typeface="Consolas" panose="020B0609020204030204" pitchFamily="49" charset="0"/>
-              </a:rPr>
-              <a:t/>
-            </a:r>
-            <a:br>
-              <a:rPr lang="en-US" sz="1600" dirty="0">
-                <a:latin typeface="Consolas" panose="020B0609020204030204" pitchFamily="49" charset="0"/>
-                <a:cs typeface="Consolas" panose="020B0609020204030204" pitchFamily="49" charset="0"/>
-              </a:rPr>
-            </a:br>
-            <a:r>
-              <a:rPr lang="en-US" sz="1600" dirty="0">
-                <a:solidFill>
-                  <a:srgbClr val="333333"/>
-                </a:solidFill>
-                <a:latin typeface="Consolas" panose="020B0609020204030204" pitchFamily="49" charset="0"/>
-                <a:cs typeface="Consolas" panose="020B0609020204030204" pitchFamily="49" charset="0"/>
-              </a:rPr>
-              <a:t>    "id": </a:t>
-            </a:r>
-            <a:r>
-              <a:rPr lang="en-US" sz="1600" dirty="0">
-                <a:solidFill>
-                  <a:srgbClr val="008000"/>
-                </a:solidFill>
-                <a:latin typeface="Consolas" panose="020B0609020204030204" pitchFamily="49" charset="0"/>
-                <a:cs typeface="Consolas" panose="020B0609020204030204" pitchFamily="49" charset="0"/>
-              </a:rPr>
-              <a:t>"</a:t>
-            </a:r>
-            <a:r>
-              <a:rPr lang="en-US" sz="1600" dirty="0">
-                <a:solidFill>
-                  <a:srgbClr val="3B5998"/>
-                </a:solidFill>
-                <a:latin typeface="Consolas" panose="020B0609020204030204" pitchFamily="49" charset="0"/>
-                <a:cs typeface="Consolas" panose="020B0609020204030204" pitchFamily="49" charset="0"/>
-                <a:hlinkClick r:id="rId6"/>
-              </a:rPr>
-              <a:t>108059045881132</a:t>
-            </a:r>
-            <a:r>
-              <a:rPr lang="en-US" sz="1600" dirty="0">
-                <a:solidFill>
-                  <a:srgbClr val="008000"/>
-                </a:solidFill>
-                <a:latin typeface="Consolas" panose="020B0609020204030204" pitchFamily="49" charset="0"/>
-                <a:cs typeface="Consolas" panose="020B0609020204030204" pitchFamily="49" charset="0"/>
-              </a:rPr>
-              <a:t>"</a:t>
-            </a:r>
-            <a:r>
-              <a:rPr lang="en-US" sz="1600" dirty="0">
-                <a:solidFill>
-                  <a:srgbClr val="333333"/>
-                </a:solidFill>
-                <a:latin typeface="Consolas" panose="020B0609020204030204" pitchFamily="49" charset="0"/>
-                <a:cs typeface="Consolas" panose="020B0609020204030204" pitchFamily="49" charset="0"/>
-              </a:rPr>
-              <a:t>, </a:t>
-            </a:r>
-            <a:r>
-              <a:rPr lang="en-US" sz="1600" dirty="0">
-                <a:latin typeface="Consolas" panose="020B0609020204030204" pitchFamily="49" charset="0"/>
-                <a:cs typeface="Consolas" panose="020B0609020204030204" pitchFamily="49" charset="0"/>
-              </a:rPr>
-              <a:t/>
-            </a:r>
-            <a:br>
-              <a:rPr lang="en-US" sz="1600" dirty="0">
-                <a:latin typeface="Consolas" panose="020B0609020204030204" pitchFamily="49" charset="0"/>
-                <a:cs typeface="Consolas" panose="020B0609020204030204" pitchFamily="49" charset="0"/>
-              </a:rPr>
-            </a:br>
-            <a:r>
-              <a:rPr lang="en-US" sz="1600" dirty="0">
-                <a:solidFill>
-                  <a:srgbClr val="333333"/>
-                </a:solidFill>
-                <a:latin typeface="Consolas" panose="020B0609020204030204" pitchFamily="49" charset="0"/>
-                <a:cs typeface="Consolas" panose="020B0609020204030204" pitchFamily="49" charset="0"/>
-              </a:rPr>
-              <a:t>    "name": </a:t>
-            </a:r>
-            <a:r>
-              <a:rPr lang="en-US" sz="1600" dirty="0">
-                <a:solidFill>
-                  <a:srgbClr val="008000"/>
-                </a:solidFill>
-                <a:latin typeface="Consolas" panose="020B0609020204030204" pitchFamily="49" charset="0"/>
-                <a:cs typeface="Consolas" panose="020B0609020204030204" pitchFamily="49" charset="0"/>
-              </a:rPr>
-              <a:t>"Urbandale, Iowa"</a:t>
-            </a:r>
-            <a:r>
-              <a:rPr lang="en-US" sz="1600" dirty="0">
-                <a:latin typeface="Consolas" panose="020B0609020204030204" pitchFamily="49" charset="0"/>
-                <a:cs typeface="Consolas" panose="020B0609020204030204" pitchFamily="49" charset="0"/>
-              </a:rPr>
-              <a:t/>
-            </a:r>
-            <a:br>
-              <a:rPr lang="en-US" sz="1600" dirty="0">
-                <a:latin typeface="Consolas" panose="020B0609020204030204" pitchFamily="49" charset="0"/>
-                <a:cs typeface="Consolas" panose="020B0609020204030204" pitchFamily="49" charset="0"/>
-              </a:rPr>
-            </a:br>
-            <a:r>
-              <a:rPr lang="en-US" sz="1600" dirty="0">
-                <a:solidFill>
-                  <a:srgbClr val="333333"/>
-                </a:solidFill>
-                <a:latin typeface="Consolas" panose="020B0609020204030204" pitchFamily="49" charset="0"/>
-                <a:cs typeface="Consolas" panose="020B0609020204030204" pitchFamily="49" charset="0"/>
-              </a:rPr>
-              <a:t>  }, </a:t>
-            </a:r>
-            <a:r>
-              <a:rPr lang="en-US" sz="1600" dirty="0">
-                <a:latin typeface="Consolas" panose="020B0609020204030204" pitchFamily="49" charset="0"/>
-                <a:cs typeface="Consolas" panose="020B0609020204030204" pitchFamily="49" charset="0"/>
-              </a:rPr>
-              <a:t/>
-            </a:r>
-            <a:br>
-              <a:rPr lang="en-US" sz="1600" dirty="0">
-                <a:latin typeface="Consolas" panose="020B0609020204030204" pitchFamily="49" charset="0"/>
-                <a:cs typeface="Consolas" panose="020B0609020204030204" pitchFamily="49" charset="0"/>
-              </a:rPr>
-            </a:br>
-            <a:r>
-              <a:rPr lang="en-US" sz="1600" dirty="0">
-                <a:solidFill>
-                  <a:srgbClr val="333333"/>
-                </a:solidFill>
-                <a:latin typeface="Consolas" panose="020B0609020204030204" pitchFamily="49" charset="0"/>
-                <a:cs typeface="Consolas" panose="020B0609020204030204" pitchFamily="49" charset="0"/>
-              </a:rPr>
-              <a:t>  "location": {</a:t>
-            </a:r>
-            <a:r>
-              <a:rPr lang="en-US" sz="1600" dirty="0">
-                <a:latin typeface="Consolas" panose="020B0609020204030204" pitchFamily="49" charset="0"/>
-                <a:cs typeface="Consolas" panose="020B0609020204030204" pitchFamily="49" charset="0"/>
-              </a:rPr>
-              <a:t/>
-            </a:r>
-            <a:br>
-              <a:rPr lang="en-US" sz="1600" dirty="0">
-                <a:latin typeface="Consolas" panose="020B0609020204030204" pitchFamily="49" charset="0"/>
-                <a:cs typeface="Consolas" panose="020B0609020204030204" pitchFamily="49" charset="0"/>
-              </a:rPr>
-            </a:br>
-            <a:r>
-              <a:rPr lang="en-US" sz="1600" dirty="0">
-                <a:solidFill>
-                  <a:srgbClr val="333333"/>
-                </a:solidFill>
-                <a:latin typeface="Consolas" panose="020B0609020204030204" pitchFamily="49" charset="0"/>
-                <a:cs typeface="Consolas" panose="020B0609020204030204" pitchFamily="49" charset="0"/>
-              </a:rPr>
-              <a:t>    "id": </a:t>
-            </a:r>
-            <a:r>
-              <a:rPr lang="en-US" sz="1600" dirty="0">
-                <a:solidFill>
-                  <a:srgbClr val="008000"/>
-                </a:solidFill>
-                <a:latin typeface="Consolas" panose="020B0609020204030204" pitchFamily="49" charset="0"/>
-                <a:cs typeface="Consolas" panose="020B0609020204030204" pitchFamily="49" charset="0"/>
-              </a:rPr>
-              <a:t>"</a:t>
-            </a:r>
-            <a:r>
-              <a:rPr lang="en-US" sz="1600" dirty="0">
-                <a:solidFill>
-                  <a:srgbClr val="3B5998"/>
-                </a:solidFill>
-                <a:latin typeface="Consolas" panose="020B0609020204030204" pitchFamily="49" charset="0"/>
-                <a:cs typeface="Consolas" panose="020B0609020204030204" pitchFamily="49" charset="0"/>
-                <a:hlinkClick r:id="rId7"/>
-              </a:rPr>
-              <a:t>111723635511834</a:t>
-            </a:r>
-            <a:r>
-              <a:rPr lang="en-US" sz="1600" dirty="0">
-                <a:solidFill>
-                  <a:srgbClr val="008000"/>
-                </a:solidFill>
-                <a:latin typeface="Consolas" panose="020B0609020204030204" pitchFamily="49" charset="0"/>
-                <a:cs typeface="Consolas" panose="020B0609020204030204" pitchFamily="49" charset="0"/>
-              </a:rPr>
-              <a:t>"</a:t>
-            </a:r>
-            <a:r>
-              <a:rPr lang="en-US" sz="1600" dirty="0">
-                <a:solidFill>
-                  <a:srgbClr val="333333"/>
-                </a:solidFill>
-                <a:latin typeface="Consolas" panose="020B0609020204030204" pitchFamily="49" charset="0"/>
-                <a:cs typeface="Consolas" panose="020B0609020204030204" pitchFamily="49" charset="0"/>
-              </a:rPr>
-              <a:t>, </a:t>
-            </a:r>
-            <a:r>
-              <a:rPr lang="en-US" sz="1600" dirty="0">
-                <a:latin typeface="Consolas" panose="020B0609020204030204" pitchFamily="49" charset="0"/>
-                <a:cs typeface="Consolas" panose="020B0609020204030204" pitchFamily="49" charset="0"/>
-              </a:rPr>
-              <a:t/>
-            </a:r>
-            <a:br>
-              <a:rPr lang="en-US" sz="1600" dirty="0">
-                <a:latin typeface="Consolas" panose="020B0609020204030204" pitchFamily="49" charset="0"/>
-                <a:cs typeface="Consolas" panose="020B0609020204030204" pitchFamily="49" charset="0"/>
-              </a:rPr>
-            </a:br>
-            <a:r>
-              <a:rPr lang="en-US" sz="1600" dirty="0">
-                <a:solidFill>
-                  <a:srgbClr val="333333"/>
-                </a:solidFill>
-                <a:latin typeface="Consolas" panose="020B0609020204030204" pitchFamily="49" charset="0"/>
-                <a:cs typeface="Consolas" panose="020B0609020204030204" pitchFamily="49" charset="0"/>
-              </a:rPr>
-              <a:t>    "name": </a:t>
-            </a:r>
-            <a:r>
-              <a:rPr lang="en-US" sz="1600" dirty="0" smtClean="0">
-                <a:solidFill>
-                  <a:srgbClr val="008000"/>
-                </a:solidFill>
-                <a:latin typeface="Consolas" panose="020B0609020204030204" pitchFamily="49" charset="0"/>
-                <a:cs typeface="Consolas" panose="020B0609020204030204" pitchFamily="49" charset="0"/>
-              </a:rPr>
-              <a:t>"Bellevue, </a:t>
-            </a:r>
-            <a:r>
-              <a:rPr lang="en-US" sz="1600" dirty="0">
-                <a:solidFill>
-                  <a:srgbClr val="008000"/>
-                </a:solidFill>
-                <a:latin typeface="Consolas" panose="020B0609020204030204" pitchFamily="49" charset="0"/>
-                <a:cs typeface="Consolas" panose="020B0609020204030204" pitchFamily="49" charset="0"/>
-              </a:rPr>
-              <a:t>Washington"</a:t>
-            </a:r>
-            <a:r>
-              <a:rPr lang="en-US" sz="1600" dirty="0">
-                <a:latin typeface="Consolas" panose="020B0609020204030204" pitchFamily="49" charset="0"/>
-                <a:cs typeface="Consolas" panose="020B0609020204030204" pitchFamily="49" charset="0"/>
-              </a:rPr>
-              <a:t/>
-            </a:r>
-            <a:br>
-              <a:rPr lang="en-US" sz="1600" dirty="0">
-                <a:latin typeface="Consolas" panose="020B0609020204030204" pitchFamily="49" charset="0"/>
-                <a:cs typeface="Consolas" panose="020B0609020204030204" pitchFamily="49" charset="0"/>
-              </a:rPr>
-            </a:br>
-            <a:r>
-              <a:rPr lang="en-US" sz="1600" dirty="0">
-                <a:solidFill>
-                  <a:srgbClr val="333333"/>
-                </a:solidFill>
-                <a:latin typeface="Consolas" panose="020B0609020204030204" pitchFamily="49" charset="0"/>
-                <a:cs typeface="Consolas" panose="020B0609020204030204" pitchFamily="49" charset="0"/>
-              </a:rPr>
-              <a:t>  }, </a:t>
-            </a:r>
-            <a:r>
-              <a:rPr lang="en-US" sz="1600" dirty="0">
-                <a:latin typeface="Consolas" panose="020B0609020204030204" pitchFamily="49" charset="0"/>
-                <a:cs typeface="Consolas" panose="020B0609020204030204" pitchFamily="49" charset="0"/>
-              </a:rPr>
-              <a:t/>
-            </a:r>
-            <a:br>
-              <a:rPr lang="en-US" sz="1600" dirty="0">
-                <a:latin typeface="Consolas" panose="020B0609020204030204" pitchFamily="49" charset="0"/>
-                <a:cs typeface="Consolas" panose="020B0609020204030204" pitchFamily="49" charset="0"/>
-              </a:rPr>
-            </a:br>
-            <a:r>
-              <a:rPr lang="en-US" sz="1600" dirty="0">
-                <a:solidFill>
-                  <a:srgbClr val="333333"/>
-                </a:solidFill>
-                <a:latin typeface="Consolas" panose="020B0609020204030204" pitchFamily="49" charset="0"/>
-                <a:cs typeface="Consolas" panose="020B0609020204030204" pitchFamily="49" charset="0"/>
-              </a:rPr>
-              <a:t>  "bio": </a:t>
-            </a:r>
-            <a:r>
-              <a:rPr lang="en-US" sz="1600" dirty="0">
-                <a:solidFill>
-                  <a:srgbClr val="008000"/>
-                </a:solidFill>
-                <a:latin typeface="Consolas" panose="020B0609020204030204" pitchFamily="49" charset="0"/>
-                <a:cs typeface="Consolas" panose="020B0609020204030204" pitchFamily="49" charset="0"/>
-              </a:rPr>
-              <a:t>"Technical Evangelist at </a:t>
-            </a:r>
-            <a:r>
-              <a:rPr lang="en-US" sz="1600" dirty="0" smtClean="0">
-                <a:solidFill>
-                  <a:srgbClr val="008000"/>
-                </a:solidFill>
-                <a:latin typeface="Consolas" panose="020B0609020204030204" pitchFamily="49" charset="0"/>
-                <a:cs typeface="Consolas" panose="020B0609020204030204" pitchFamily="49" charset="0"/>
-              </a:rPr>
-              <a:t>Microsoft"</a:t>
-            </a:r>
-            <a:r>
-              <a:rPr lang="en-US" sz="1600" dirty="0" smtClean="0">
-                <a:solidFill>
-                  <a:srgbClr val="333333"/>
-                </a:solidFill>
-                <a:latin typeface="Consolas" panose="020B0609020204030204" pitchFamily="49" charset="0"/>
-                <a:cs typeface="Consolas" panose="020B0609020204030204" pitchFamily="49" charset="0"/>
-              </a:rPr>
-              <a:t>, </a:t>
-            </a:r>
-            <a:r>
-              <a:rPr lang="en-US" sz="1600" dirty="0">
-                <a:latin typeface="Consolas" panose="020B0609020204030204" pitchFamily="49" charset="0"/>
-                <a:cs typeface="Consolas" panose="020B0609020204030204" pitchFamily="49" charset="0"/>
-              </a:rPr>
-              <a:t/>
-            </a:r>
-            <a:br>
-              <a:rPr lang="en-US" sz="1600" dirty="0">
-                <a:latin typeface="Consolas" panose="020B0609020204030204" pitchFamily="49" charset="0"/>
-                <a:cs typeface="Consolas" panose="020B0609020204030204" pitchFamily="49" charset="0"/>
-              </a:rPr>
-            </a:br>
-            <a:r>
-              <a:rPr lang="en-US" sz="1600" dirty="0">
-                <a:solidFill>
-                  <a:srgbClr val="333333"/>
-                </a:solidFill>
-                <a:latin typeface="Consolas" panose="020B0609020204030204" pitchFamily="49" charset="0"/>
-                <a:cs typeface="Consolas" panose="020B0609020204030204" pitchFamily="49" charset="0"/>
-              </a:rPr>
-              <a:t>  "work": [</a:t>
-            </a:r>
-            <a:r>
-              <a:rPr lang="en-US" sz="1600" dirty="0">
-                <a:latin typeface="Consolas" panose="020B0609020204030204" pitchFamily="49" charset="0"/>
-                <a:cs typeface="Consolas" panose="020B0609020204030204" pitchFamily="49" charset="0"/>
-              </a:rPr>
-              <a:t/>
-            </a:r>
-            <a:br>
-              <a:rPr lang="en-US" sz="1600" dirty="0">
-                <a:latin typeface="Consolas" panose="020B0609020204030204" pitchFamily="49" charset="0"/>
-                <a:cs typeface="Consolas" panose="020B0609020204030204" pitchFamily="49" charset="0"/>
-              </a:rPr>
-            </a:br>
-            <a:r>
-              <a:rPr lang="en-US" sz="1600" dirty="0">
-                <a:solidFill>
-                  <a:srgbClr val="333333"/>
-                </a:solidFill>
-                <a:latin typeface="Consolas" panose="020B0609020204030204" pitchFamily="49" charset="0"/>
-                <a:cs typeface="Consolas" panose="020B0609020204030204" pitchFamily="49" charset="0"/>
-              </a:rPr>
-              <a:t>    {</a:t>
-            </a:r>
-            <a:r>
-              <a:rPr lang="en-US" sz="1600" dirty="0">
-                <a:latin typeface="Consolas" panose="020B0609020204030204" pitchFamily="49" charset="0"/>
-                <a:cs typeface="Consolas" panose="020B0609020204030204" pitchFamily="49" charset="0"/>
-              </a:rPr>
-              <a:t/>
-            </a:r>
-            <a:br>
-              <a:rPr lang="en-US" sz="1600" dirty="0">
-                <a:latin typeface="Consolas" panose="020B0609020204030204" pitchFamily="49" charset="0"/>
-                <a:cs typeface="Consolas" panose="020B0609020204030204" pitchFamily="49" charset="0"/>
-              </a:rPr>
-            </a:br>
-            <a:r>
-              <a:rPr lang="en-US" sz="1600" dirty="0">
-                <a:solidFill>
-                  <a:srgbClr val="333333"/>
-                </a:solidFill>
-                <a:latin typeface="Consolas" panose="020B0609020204030204" pitchFamily="49" charset="0"/>
-                <a:cs typeface="Consolas" panose="020B0609020204030204" pitchFamily="49" charset="0"/>
-              </a:rPr>
-              <a:t>      "employer": {</a:t>
-            </a:r>
-            <a:r>
-              <a:rPr lang="en-US" sz="1600" dirty="0">
-                <a:latin typeface="Consolas" panose="020B0609020204030204" pitchFamily="49" charset="0"/>
-                <a:cs typeface="Consolas" panose="020B0609020204030204" pitchFamily="49" charset="0"/>
-              </a:rPr>
-              <a:t/>
-            </a:r>
-            <a:br>
-              <a:rPr lang="en-US" sz="1600" dirty="0">
-                <a:latin typeface="Consolas" panose="020B0609020204030204" pitchFamily="49" charset="0"/>
-                <a:cs typeface="Consolas" panose="020B0609020204030204" pitchFamily="49" charset="0"/>
-              </a:rPr>
-            </a:br>
-            <a:r>
-              <a:rPr lang="en-US" sz="1600" dirty="0">
-                <a:solidFill>
-                  <a:srgbClr val="333333"/>
-                </a:solidFill>
-                <a:latin typeface="Consolas" panose="020B0609020204030204" pitchFamily="49" charset="0"/>
-                <a:cs typeface="Consolas" panose="020B0609020204030204" pitchFamily="49" charset="0"/>
-              </a:rPr>
-              <a:t>        "id": </a:t>
-            </a:r>
-            <a:r>
-              <a:rPr lang="en-US" sz="1600" dirty="0">
-                <a:solidFill>
-                  <a:srgbClr val="008000"/>
-                </a:solidFill>
-                <a:latin typeface="Consolas" panose="020B0609020204030204" pitchFamily="49" charset="0"/>
-                <a:cs typeface="Consolas" panose="020B0609020204030204" pitchFamily="49" charset="0"/>
-              </a:rPr>
-              <a:t>"</a:t>
-            </a:r>
-            <a:r>
-              <a:rPr lang="en-US" sz="1600" dirty="0">
-                <a:solidFill>
-                  <a:srgbClr val="3B5998"/>
-                </a:solidFill>
-                <a:latin typeface="Consolas" panose="020B0609020204030204" pitchFamily="49" charset="0"/>
-                <a:cs typeface="Consolas" panose="020B0609020204030204" pitchFamily="49" charset="0"/>
-                <a:hlinkClick r:id="rId8"/>
-              </a:rPr>
-              <a:t>20528438720</a:t>
-            </a:r>
-            <a:r>
-              <a:rPr lang="en-US" sz="1600" dirty="0">
-                <a:solidFill>
-                  <a:srgbClr val="008000"/>
-                </a:solidFill>
-                <a:latin typeface="Consolas" panose="020B0609020204030204" pitchFamily="49" charset="0"/>
-                <a:cs typeface="Consolas" panose="020B0609020204030204" pitchFamily="49" charset="0"/>
-              </a:rPr>
-              <a:t>"</a:t>
-            </a:r>
-            <a:r>
-              <a:rPr lang="en-US" sz="1600" dirty="0">
-                <a:solidFill>
-                  <a:srgbClr val="333333"/>
-                </a:solidFill>
-                <a:latin typeface="Consolas" panose="020B0609020204030204" pitchFamily="49" charset="0"/>
-                <a:cs typeface="Consolas" panose="020B0609020204030204" pitchFamily="49" charset="0"/>
-              </a:rPr>
-              <a:t>, </a:t>
-            </a:r>
-            <a:r>
-              <a:rPr lang="en-US" sz="1600" dirty="0">
-                <a:latin typeface="Consolas" panose="020B0609020204030204" pitchFamily="49" charset="0"/>
-                <a:cs typeface="Consolas" panose="020B0609020204030204" pitchFamily="49" charset="0"/>
-              </a:rPr>
-              <a:t/>
-            </a:r>
-            <a:br>
-              <a:rPr lang="en-US" sz="1600" dirty="0">
-                <a:latin typeface="Consolas" panose="020B0609020204030204" pitchFamily="49" charset="0"/>
-                <a:cs typeface="Consolas" panose="020B0609020204030204" pitchFamily="49" charset="0"/>
-              </a:rPr>
-            </a:br>
-            <a:r>
-              <a:rPr lang="en-US" sz="1600" dirty="0">
-                <a:solidFill>
-                  <a:srgbClr val="333333"/>
-                </a:solidFill>
-                <a:latin typeface="Consolas" panose="020B0609020204030204" pitchFamily="49" charset="0"/>
-                <a:cs typeface="Consolas" panose="020B0609020204030204" pitchFamily="49" charset="0"/>
-              </a:rPr>
-              <a:t>        "name": </a:t>
-            </a:r>
-            <a:r>
-              <a:rPr lang="en-US" sz="1600" dirty="0">
-                <a:solidFill>
-                  <a:srgbClr val="008000"/>
-                </a:solidFill>
-                <a:latin typeface="Consolas" panose="020B0609020204030204" pitchFamily="49" charset="0"/>
-                <a:cs typeface="Consolas" panose="020B0609020204030204" pitchFamily="49" charset="0"/>
-              </a:rPr>
-              <a:t>"Microsoft"</a:t>
-            </a:r>
-            <a:r>
-              <a:rPr lang="en-US" sz="1600" dirty="0">
-                <a:latin typeface="Consolas" panose="020B0609020204030204" pitchFamily="49" charset="0"/>
-                <a:cs typeface="Consolas" panose="020B0609020204030204" pitchFamily="49" charset="0"/>
-              </a:rPr>
-              <a:t/>
-            </a:r>
-            <a:br>
-              <a:rPr lang="en-US" sz="1600" dirty="0">
-                <a:latin typeface="Consolas" panose="020B0609020204030204" pitchFamily="49" charset="0"/>
-                <a:cs typeface="Consolas" panose="020B0609020204030204" pitchFamily="49" charset="0"/>
-              </a:rPr>
-            </a:br>
-            <a:r>
-              <a:rPr lang="en-US" sz="1600" dirty="0">
-                <a:solidFill>
-                  <a:srgbClr val="333333"/>
-                </a:solidFill>
-                <a:latin typeface="Consolas" panose="020B0609020204030204" pitchFamily="49" charset="0"/>
-                <a:cs typeface="Consolas" panose="020B0609020204030204" pitchFamily="49" charset="0"/>
-              </a:rPr>
-              <a:t>      }, </a:t>
-            </a:r>
-            <a:endParaRPr lang="en-US" sz="1600" dirty="0">
-              <a:latin typeface="Consolas" panose="020B0609020204030204" pitchFamily="49" charset="0"/>
-              <a:cs typeface="Consolas" panose="020B0609020204030204" pitchFamily="49" charset="0"/>
-            </a:endParaRPr>
+            <a:pPr lvl="0" algn="ctr" defTabSz="1555750">
+              <a:lnSpc>
+                <a:spcPct val="90000"/>
+              </a:lnSpc>
+              <a:spcBef>
+                <a:spcPct val="0"/>
+              </a:spcBef>
+              <a:spcAft>
+                <a:spcPct val="35000"/>
+              </a:spcAft>
+            </a:pPr>
+            <a:r>
+              <a:rPr lang="en-US" sz="3500" kern="1200" dirty="0" smtClean="0"/>
+              <a:t>Action</a:t>
+            </a:r>
+            <a:endParaRPr lang="en-US" sz="3500" kern="1200" dirty="0"/>
+          </a:p>
+        </p:txBody>
+      </p:sp>
+      <p:sp>
+        <p:nvSpPr>
+          <p:cNvPr id="8" name="Freeform 7"/>
+          <p:cNvSpPr/>
+          <p:nvPr/>
+        </p:nvSpPr>
+        <p:spPr>
+          <a:xfrm>
+            <a:off x="8323421" y="2484438"/>
+            <a:ext cx="3344703" cy="1962149"/>
+          </a:xfrm>
+          <a:custGeom>
+            <a:avLst/>
+            <a:gdLst>
+              <a:gd name="connsiteX0" fmla="*/ 0 w 3344703"/>
+              <a:gd name="connsiteY0" fmla="*/ 0 h 1962149"/>
+              <a:gd name="connsiteX1" fmla="*/ 3344703 w 3344703"/>
+              <a:gd name="connsiteY1" fmla="*/ 0 h 1962149"/>
+              <a:gd name="connsiteX2" fmla="*/ 3344703 w 3344703"/>
+              <a:gd name="connsiteY2" fmla="*/ 1962149 h 1962149"/>
+              <a:gd name="connsiteX3" fmla="*/ 0 w 3344703"/>
+              <a:gd name="connsiteY3" fmla="*/ 1962149 h 1962149"/>
+              <a:gd name="connsiteX4" fmla="*/ 0 w 3344703"/>
+              <a:gd name="connsiteY4" fmla="*/ 0 h 1962149"/>
+            </a:gdLst>
+            <a:ahLst/>
+            <a:cxnLst>
+              <a:cxn ang="0">
+                <a:pos x="connsiteX0" y="connsiteY0"/>
+              </a:cxn>
+              <a:cxn ang="0">
+                <a:pos x="connsiteX1" y="connsiteY1"/>
+              </a:cxn>
+              <a:cxn ang="0">
+                <a:pos x="connsiteX2" y="connsiteY2"/>
+              </a:cxn>
+              <a:cxn ang="0">
+                <a:pos x="connsiteX3" y="connsiteY3"/>
+              </a:cxn>
+              <a:cxn ang="0">
+                <a:pos x="connsiteX4" y="connsiteY4"/>
+              </a:cxn>
+            </a:cxnLst>
+            <a:rect l="l" t="t" r="r" b="b"/>
+            <a:pathLst>
+              <a:path w="3344703" h="1962149">
+                <a:moveTo>
+                  <a:pt x="0" y="0"/>
+                </a:moveTo>
+                <a:lnTo>
+                  <a:pt x="3344703" y="0"/>
+                </a:lnTo>
+                <a:lnTo>
+                  <a:pt x="3344703" y="1962149"/>
+                </a:lnTo>
+                <a:lnTo>
+                  <a:pt x="0" y="1962149"/>
+                </a:lnTo>
+                <a:lnTo>
+                  <a:pt x="0" y="0"/>
+                </a:lnTo>
+                <a:close/>
+              </a:path>
+            </a:pathLst>
+          </a:custGeom>
+          <a:solidFill>
+            <a:schemeClr val="accent4"/>
+          </a:solidFill>
+        </p:spPr>
+        <p:style>
+          <a:lnRef idx="2">
+            <a:schemeClr val="lt1">
+              <a:hueOff val="0"/>
+              <a:satOff val="0"/>
+              <a:lumOff val="0"/>
+              <a:alphaOff val="0"/>
+            </a:schemeClr>
+          </a:lnRef>
+          <a:fillRef idx="1">
+            <a:scrgbClr r="0" g="0" b="0"/>
+          </a:fillRef>
+          <a:effectRef idx="0">
+            <a:schemeClr val="accent2">
+              <a:shade val="80000"/>
+              <a:hueOff val="571054"/>
+              <a:satOff val="-18867"/>
+              <a:lumOff val="34566"/>
+              <a:alphaOff val="0"/>
+            </a:schemeClr>
+          </a:effectRef>
+          <a:fontRef idx="minor">
+            <a:schemeClr val="lt1"/>
+          </a:fontRef>
+        </p:style>
+        <p:txBody>
+          <a:bodyPr spcFirstLastPara="0" vert="horz" wrap="square" lIns="133350" tIns="133350" rIns="133350" bIns="133350" numCol="1" spcCol="1270" anchor="ctr" anchorCtr="0">
+            <a:noAutofit/>
+          </a:bodyPr>
+          <a:lstStyle/>
+          <a:p>
+            <a:pPr lvl="0" algn="ctr" defTabSz="1555750">
+              <a:lnSpc>
+                <a:spcPct val="90000"/>
+              </a:lnSpc>
+              <a:spcBef>
+                <a:spcPct val="0"/>
+              </a:spcBef>
+              <a:spcAft>
+                <a:spcPct val="35000"/>
+              </a:spcAft>
+            </a:pPr>
+            <a:r>
+              <a:rPr lang="en-US" sz="3500" kern="1200" dirty="0" smtClean="0"/>
+              <a:t>Object</a:t>
+            </a:r>
+            <a:endParaRPr lang="en-US" sz="3500" kern="1200" dirty="0"/>
           </a:p>
         </p:txBody>
       </p:sp>
     </p:spTree>
     <p:extLst>
       <p:ext uri="{BB962C8B-B14F-4D97-AF65-F5344CB8AC3E}">
-        <p14:creationId xmlns:p14="http://schemas.microsoft.com/office/powerpoint/2010/main" val="2929996954"/>
+        <p14:creationId xmlns:p14="http://schemas.microsoft.com/office/powerpoint/2010/main" val="1861639563"/>
       </p:ext>
     </p:extLst>
   </p:cSld>
@@ -18847,12 +18260,12 @@
       </p:grpSpPr>
       <p:sp>
         <p:nvSpPr>
-          <p:cNvPr id="4" name="Title 3"/>
+          <p:cNvPr id="2" name="Title 1"/>
           <p:cNvSpPr>
             <a:spLocks noGrp="1"/>
           </p:cNvSpPr>
           <p:nvPr>
-            <p:ph type="ctrTitle"/>
+            <p:ph type="title"/>
           </p:nvPr>
         </p:nvSpPr>
         <p:spPr/>
@@ -18862,7 +18275,7 @@
           <a:p>
             <a:r>
               <a:rPr lang="en-US" dirty="0" smtClean="0"/>
-              <a:t>demo</a:t>
+              <a:t>Facebook Graph API</a:t>
             </a:r>
             <a:endParaRPr lang="en-US" dirty="0"/>
           </a:p>
@@ -18870,7 +18283,7 @@
       </p:sp>
       <p:sp>
         <p:nvSpPr>
-          <p:cNvPr id="6" name="Text Placeholder 5"/>
+          <p:cNvPr id="26" name="Content Placeholder 25"/>
           <p:cNvSpPr>
             <a:spLocks noGrp="1"/>
           </p:cNvSpPr>
@@ -18878,23 +18291,985 @@
             <p:ph type="body" sz="quarter" idx="10"/>
           </p:nvPr>
         </p:nvSpPr>
-        <p:spPr/>
+        <p:spPr>
+          <a:xfrm>
+            <a:off x="519113" y="1447799"/>
+            <a:ext cx="5360988" cy="946413"/>
+          </a:xfrm>
+        </p:spPr>
         <p:txBody>
           <a:bodyPr/>
           <a:lstStyle/>
           <a:p>
             <a:r>
               <a:rPr lang="en-US" dirty="0" smtClean="0"/>
-              <a:t>Facebook Graph API</a:t>
-            </a:r>
+              <a:t>Network of User, Actions, and Objects</a:t>
+            </a:r>
+          </a:p>
+          <a:p>
+            <a:r>
+              <a:rPr lang="en-US" dirty="0" smtClean="0"/>
+              <a:t>REST API</a:t>
+            </a:r>
+          </a:p>
+          <a:p>
+            <a:r>
+              <a:rPr lang="en-US" dirty="0" smtClean="0"/>
+              <a:t>JSON Format</a:t>
+            </a:r>
+          </a:p>
+          <a:p>
+            <a:r>
+              <a:rPr lang="en-US" dirty="0" smtClean="0"/>
+              <a:t>Deep integration with Facebook</a:t>
+            </a:r>
+          </a:p>
+          <a:p>
             <a:endParaRPr lang="en-US" dirty="0"/>
+          </a:p>
+        </p:txBody>
+      </p:sp>
+      <p:sp>
+        <p:nvSpPr>
+          <p:cNvPr id="28" name="Rectangle 27"/>
+          <p:cNvSpPr/>
+          <p:nvPr/>
+        </p:nvSpPr>
+        <p:spPr>
+          <a:xfrm>
+            <a:off x="6586106" y="1348800"/>
+            <a:ext cx="6092825" cy="5509200"/>
+          </a:xfrm>
+          <a:prstGeom prst="rect">
+            <a:avLst/>
+          </a:prstGeom>
+        </p:spPr>
+        <p:txBody>
+          <a:bodyPr>
+            <a:spAutoFit/>
+          </a:bodyPr>
+          <a:lstStyle/>
+          <a:p>
+            <a:r>
+              <a:rPr lang="en-US" sz="1600" dirty="0">
+                <a:solidFill>
+                  <a:srgbClr val="333333"/>
+                </a:solidFill>
+                <a:latin typeface="Consolas" panose="020B0609020204030204" pitchFamily="49" charset="0"/>
+                <a:cs typeface="Consolas" panose="020B0609020204030204" pitchFamily="49" charset="0"/>
+              </a:rPr>
+              <a:t>{</a:t>
+            </a:r>
+            <a:r>
+              <a:rPr lang="en-US" sz="1600" dirty="0">
+                <a:latin typeface="Consolas" panose="020B0609020204030204" pitchFamily="49" charset="0"/>
+                <a:cs typeface="Consolas" panose="020B0609020204030204" pitchFamily="49" charset="0"/>
+              </a:rPr>
+              <a:t/>
+            </a:r>
+            <a:br>
+              <a:rPr lang="en-US" sz="1600" dirty="0">
+                <a:latin typeface="Consolas" panose="020B0609020204030204" pitchFamily="49" charset="0"/>
+                <a:cs typeface="Consolas" panose="020B0609020204030204" pitchFamily="49" charset="0"/>
+              </a:rPr>
+            </a:br>
+            <a:r>
+              <a:rPr lang="en-US" sz="1600" dirty="0">
+                <a:solidFill>
+                  <a:srgbClr val="333333"/>
+                </a:solidFill>
+                <a:latin typeface="Consolas" panose="020B0609020204030204" pitchFamily="49" charset="0"/>
+                <a:cs typeface="Consolas" panose="020B0609020204030204" pitchFamily="49" charset="0"/>
+              </a:rPr>
+              <a:t>  "id": </a:t>
+            </a:r>
+            <a:r>
+              <a:rPr lang="en-US" sz="1600" dirty="0">
+                <a:solidFill>
+                  <a:srgbClr val="008000"/>
+                </a:solidFill>
+                <a:latin typeface="Consolas" panose="020B0609020204030204" pitchFamily="49" charset="0"/>
+                <a:cs typeface="Consolas" panose="020B0609020204030204" pitchFamily="49" charset="0"/>
+              </a:rPr>
+              <a:t>"</a:t>
+            </a:r>
+            <a:r>
+              <a:rPr lang="en-US" sz="1600" dirty="0">
+                <a:solidFill>
+                  <a:srgbClr val="3B5998"/>
+                </a:solidFill>
+                <a:latin typeface="Consolas" panose="020B0609020204030204" pitchFamily="49" charset="0"/>
+                <a:cs typeface="Consolas" panose="020B0609020204030204" pitchFamily="49" charset="0"/>
+                <a:hlinkClick r:id="rId3"/>
+              </a:rPr>
+              <a:t>14812017</a:t>
+            </a:r>
+            <a:r>
+              <a:rPr lang="en-US" sz="1600" dirty="0">
+                <a:solidFill>
+                  <a:srgbClr val="008000"/>
+                </a:solidFill>
+                <a:latin typeface="Consolas" panose="020B0609020204030204" pitchFamily="49" charset="0"/>
+                <a:cs typeface="Consolas" panose="020B0609020204030204" pitchFamily="49" charset="0"/>
+              </a:rPr>
+              <a:t>"</a:t>
+            </a:r>
+            <a:r>
+              <a:rPr lang="en-US" sz="1600" dirty="0">
+                <a:solidFill>
+                  <a:srgbClr val="333333"/>
+                </a:solidFill>
+                <a:latin typeface="Consolas" panose="020B0609020204030204" pitchFamily="49" charset="0"/>
+                <a:cs typeface="Consolas" panose="020B0609020204030204" pitchFamily="49" charset="0"/>
+              </a:rPr>
+              <a:t>, </a:t>
+            </a:r>
+            <a:r>
+              <a:rPr lang="en-US" sz="1600" dirty="0">
+                <a:latin typeface="Consolas" panose="020B0609020204030204" pitchFamily="49" charset="0"/>
+                <a:cs typeface="Consolas" panose="020B0609020204030204" pitchFamily="49" charset="0"/>
+              </a:rPr>
+              <a:t/>
+            </a:r>
+            <a:br>
+              <a:rPr lang="en-US" sz="1600" dirty="0">
+                <a:latin typeface="Consolas" panose="020B0609020204030204" pitchFamily="49" charset="0"/>
+                <a:cs typeface="Consolas" panose="020B0609020204030204" pitchFamily="49" charset="0"/>
+              </a:rPr>
+            </a:br>
+            <a:r>
+              <a:rPr lang="en-US" sz="1600" dirty="0">
+                <a:solidFill>
+                  <a:srgbClr val="333333"/>
+                </a:solidFill>
+                <a:latin typeface="Consolas" panose="020B0609020204030204" pitchFamily="49" charset="0"/>
+                <a:cs typeface="Consolas" panose="020B0609020204030204" pitchFamily="49" charset="0"/>
+              </a:rPr>
+              <a:t>  "name": </a:t>
+            </a:r>
+            <a:r>
+              <a:rPr lang="en-US" sz="1600" dirty="0">
+                <a:solidFill>
+                  <a:srgbClr val="008000"/>
+                </a:solidFill>
+                <a:latin typeface="Consolas" panose="020B0609020204030204" pitchFamily="49" charset="0"/>
+                <a:cs typeface="Consolas" panose="020B0609020204030204" pitchFamily="49" charset="0"/>
+              </a:rPr>
+              <a:t>"Nathan Totten"</a:t>
+            </a:r>
+            <a:r>
+              <a:rPr lang="en-US" sz="1600" dirty="0">
+                <a:solidFill>
+                  <a:srgbClr val="333333"/>
+                </a:solidFill>
+                <a:latin typeface="Consolas" panose="020B0609020204030204" pitchFamily="49" charset="0"/>
+                <a:cs typeface="Consolas" panose="020B0609020204030204" pitchFamily="49" charset="0"/>
+              </a:rPr>
+              <a:t>, </a:t>
+            </a:r>
+            <a:r>
+              <a:rPr lang="en-US" sz="1600" dirty="0">
+                <a:latin typeface="Consolas" panose="020B0609020204030204" pitchFamily="49" charset="0"/>
+                <a:cs typeface="Consolas" panose="020B0609020204030204" pitchFamily="49" charset="0"/>
+              </a:rPr>
+              <a:t/>
+            </a:r>
+            <a:br>
+              <a:rPr lang="en-US" sz="1600" dirty="0">
+                <a:latin typeface="Consolas" panose="020B0609020204030204" pitchFamily="49" charset="0"/>
+                <a:cs typeface="Consolas" panose="020B0609020204030204" pitchFamily="49" charset="0"/>
+              </a:rPr>
+            </a:br>
+            <a:r>
+              <a:rPr lang="en-US" sz="1600" dirty="0">
+                <a:solidFill>
+                  <a:srgbClr val="333333"/>
+                </a:solidFill>
+                <a:latin typeface="Consolas" panose="020B0609020204030204" pitchFamily="49" charset="0"/>
+                <a:cs typeface="Consolas" panose="020B0609020204030204" pitchFamily="49" charset="0"/>
+              </a:rPr>
+              <a:t>  "</a:t>
+            </a:r>
+            <a:r>
+              <a:rPr lang="en-US" sz="1600" dirty="0" err="1">
+                <a:solidFill>
+                  <a:srgbClr val="333333"/>
+                </a:solidFill>
+                <a:latin typeface="Consolas" panose="020B0609020204030204" pitchFamily="49" charset="0"/>
+                <a:cs typeface="Consolas" panose="020B0609020204030204" pitchFamily="49" charset="0"/>
+              </a:rPr>
+              <a:t>first_name</a:t>
+            </a:r>
+            <a:r>
+              <a:rPr lang="en-US" sz="1600" dirty="0">
+                <a:solidFill>
+                  <a:srgbClr val="333333"/>
+                </a:solidFill>
+                <a:latin typeface="Consolas" panose="020B0609020204030204" pitchFamily="49" charset="0"/>
+                <a:cs typeface="Consolas" panose="020B0609020204030204" pitchFamily="49" charset="0"/>
+              </a:rPr>
+              <a:t>": </a:t>
+            </a:r>
+            <a:r>
+              <a:rPr lang="en-US" sz="1600" dirty="0">
+                <a:solidFill>
+                  <a:srgbClr val="008000"/>
+                </a:solidFill>
+                <a:latin typeface="Consolas" panose="020B0609020204030204" pitchFamily="49" charset="0"/>
+                <a:cs typeface="Consolas" panose="020B0609020204030204" pitchFamily="49" charset="0"/>
+              </a:rPr>
+              <a:t>"Nathan"</a:t>
+            </a:r>
+            <a:r>
+              <a:rPr lang="en-US" sz="1600" dirty="0">
+                <a:solidFill>
+                  <a:srgbClr val="333333"/>
+                </a:solidFill>
+                <a:latin typeface="Consolas" panose="020B0609020204030204" pitchFamily="49" charset="0"/>
+                <a:cs typeface="Consolas" panose="020B0609020204030204" pitchFamily="49" charset="0"/>
+              </a:rPr>
+              <a:t>, </a:t>
+            </a:r>
+            <a:r>
+              <a:rPr lang="en-US" sz="1600" dirty="0">
+                <a:latin typeface="Consolas" panose="020B0609020204030204" pitchFamily="49" charset="0"/>
+                <a:cs typeface="Consolas" panose="020B0609020204030204" pitchFamily="49" charset="0"/>
+              </a:rPr>
+              <a:t/>
+            </a:r>
+            <a:br>
+              <a:rPr lang="en-US" sz="1600" dirty="0">
+                <a:latin typeface="Consolas" panose="020B0609020204030204" pitchFamily="49" charset="0"/>
+                <a:cs typeface="Consolas" panose="020B0609020204030204" pitchFamily="49" charset="0"/>
+              </a:rPr>
+            </a:br>
+            <a:r>
+              <a:rPr lang="en-US" sz="1600" dirty="0">
+                <a:solidFill>
+                  <a:srgbClr val="333333"/>
+                </a:solidFill>
+                <a:latin typeface="Consolas" panose="020B0609020204030204" pitchFamily="49" charset="0"/>
+                <a:cs typeface="Consolas" panose="020B0609020204030204" pitchFamily="49" charset="0"/>
+              </a:rPr>
+              <a:t>  "</a:t>
+            </a:r>
+            <a:r>
+              <a:rPr lang="en-US" sz="1600" dirty="0" err="1">
+                <a:solidFill>
+                  <a:srgbClr val="333333"/>
+                </a:solidFill>
+                <a:latin typeface="Consolas" panose="020B0609020204030204" pitchFamily="49" charset="0"/>
+                <a:cs typeface="Consolas" panose="020B0609020204030204" pitchFamily="49" charset="0"/>
+              </a:rPr>
+              <a:t>last_name</a:t>
+            </a:r>
+            <a:r>
+              <a:rPr lang="en-US" sz="1600" dirty="0">
+                <a:solidFill>
+                  <a:srgbClr val="333333"/>
+                </a:solidFill>
+                <a:latin typeface="Consolas" panose="020B0609020204030204" pitchFamily="49" charset="0"/>
+                <a:cs typeface="Consolas" panose="020B0609020204030204" pitchFamily="49" charset="0"/>
+              </a:rPr>
+              <a:t>": </a:t>
+            </a:r>
+            <a:r>
+              <a:rPr lang="en-US" sz="1600" dirty="0">
+                <a:solidFill>
+                  <a:srgbClr val="008000"/>
+                </a:solidFill>
+                <a:latin typeface="Consolas" panose="020B0609020204030204" pitchFamily="49" charset="0"/>
+                <a:cs typeface="Consolas" panose="020B0609020204030204" pitchFamily="49" charset="0"/>
+              </a:rPr>
+              <a:t>"Totten"</a:t>
+            </a:r>
+            <a:r>
+              <a:rPr lang="en-US" sz="1600" dirty="0">
+                <a:solidFill>
+                  <a:srgbClr val="333333"/>
+                </a:solidFill>
+                <a:latin typeface="Consolas" panose="020B0609020204030204" pitchFamily="49" charset="0"/>
+                <a:cs typeface="Consolas" panose="020B0609020204030204" pitchFamily="49" charset="0"/>
+              </a:rPr>
+              <a:t>, </a:t>
+            </a:r>
+            <a:r>
+              <a:rPr lang="en-US" sz="1600" dirty="0">
+                <a:latin typeface="Consolas" panose="020B0609020204030204" pitchFamily="49" charset="0"/>
+                <a:cs typeface="Consolas" panose="020B0609020204030204" pitchFamily="49" charset="0"/>
+              </a:rPr>
+              <a:t/>
+            </a:r>
+            <a:br>
+              <a:rPr lang="en-US" sz="1600" dirty="0">
+                <a:latin typeface="Consolas" panose="020B0609020204030204" pitchFamily="49" charset="0"/>
+                <a:cs typeface="Consolas" panose="020B0609020204030204" pitchFamily="49" charset="0"/>
+              </a:rPr>
+            </a:br>
+            <a:r>
+              <a:rPr lang="en-US" sz="1600" dirty="0">
+                <a:solidFill>
+                  <a:srgbClr val="333333"/>
+                </a:solidFill>
+                <a:latin typeface="Consolas" panose="020B0609020204030204" pitchFamily="49" charset="0"/>
+                <a:cs typeface="Consolas" panose="020B0609020204030204" pitchFamily="49" charset="0"/>
+              </a:rPr>
+              <a:t>  "link": </a:t>
+            </a:r>
+            <a:r>
+              <a:rPr lang="en-US" sz="1600" dirty="0">
+                <a:solidFill>
+                  <a:srgbClr val="008000"/>
+                </a:solidFill>
+                <a:latin typeface="Consolas" panose="020B0609020204030204" pitchFamily="49" charset="0"/>
+                <a:cs typeface="Consolas" panose="020B0609020204030204" pitchFamily="49" charset="0"/>
+              </a:rPr>
+              <a:t>"</a:t>
+            </a:r>
+            <a:r>
+              <a:rPr lang="en-US" sz="1600" dirty="0">
+                <a:solidFill>
+                  <a:srgbClr val="3B5998"/>
+                </a:solidFill>
+                <a:latin typeface="Consolas" panose="020B0609020204030204" pitchFamily="49" charset="0"/>
+                <a:cs typeface="Consolas" panose="020B0609020204030204" pitchFamily="49" charset="0"/>
+                <a:hlinkClick r:id="rId4"/>
+              </a:rPr>
+              <a:t>https://www.facebook.com/totten</a:t>
+            </a:r>
+            <a:r>
+              <a:rPr lang="en-US" sz="1600" dirty="0">
+                <a:solidFill>
+                  <a:srgbClr val="008000"/>
+                </a:solidFill>
+                <a:latin typeface="Consolas" panose="020B0609020204030204" pitchFamily="49" charset="0"/>
+                <a:cs typeface="Consolas" panose="020B0609020204030204" pitchFamily="49" charset="0"/>
+              </a:rPr>
+              <a:t>"</a:t>
+            </a:r>
+            <a:r>
+              <a:rPr lang="en-US" sz="1600" dirty="0">
+                <a:solidFill>
+                  <a:srgbClr val="333333"/>
+                </a:solidFill>
+                <a:latin typeface="Consolas" panose="020B0609020204030204" pitchFamily="49" charset="0"/>
+                <a:cs typeface="Consolas" panose="020B0609020204030204" pitchFamily="49" charset="0"/>
+              </a:rPr>
+              <a:t>, </a:t>
+            </a:r>
+            <a:r>
+              <a:rPr lang="en-US" sz="1600" dirty="0">
+                <a:latin typeface="Consolas" panose="020B0609020204030204" pitchFamily="49" charset="0"/>
+                <a:cs typeface="Consolas" panose="020B0609020204030204" pitchFamily="49" charset="0"/>
+              </a:rPr>
+              <a:t/>
+            </a:r>
+            <a:br>
+              <a:rPr lang="en-US" sz="1600" dirty="0">
+                <a:latin typeface="Consolas" panose="020B0609020204030204" pitchFamily="49" charset="0"/>
+                <a:cs typeface="Consolas" panose="020B0609020204030204" pitchFamily="49" charset="0"/>
+              </a:rPr>
+            </a:br>
+            <a:r>
+              <a:rPr lang="en-US" sz="1600" dirty="0">
+                <a:solidFill>
+                  <a:srgbClr val="333333"/>
+                </a:solidFill>
+                <a:latin typeface="Consolas" panose="020B0609020204030204" pitchFamily="49" charset="0"/>
+                <a:cs typeface="Consolas" panose="020B0609020204030204" pitchFamily="49" charset="0"/>
+              </a:rPr>
+              <a:t>  "username": </a:t>
+            </a:r>
+            <a:r>
+              <a:rPr lang="en-US" sz="1600" dirty="0">
+                <a:solidFill>
+                  <a:srgbClr val="008000"/>
+                </a:solidFill>
+                <a:latin typeface="Consolas" panose="020B0609020204030204" pitchFamily="49" charset="0"/>
+                <a:cs typeface="Consolas" panose="020B0609020204030204" pitchFamily="49" charset="0"/>
+              </a:rPr>
+              <a:t>"</a:t>
+            </a:r>
+            <a:r>
+              <a:rPr lang="en-US" sz="1600" dirty="0" err="1">
+                <a:solidFill>
+                  <a:srgbClr val="3B5998"/>
+                </a:solidFill>
+                <a:latin typeface="Consolas" panose="020B0609020204030204" pitchFamily="49" charset="0"/>
+                <a:cs typeface="Consolas" panose="020B0609020204030204" pitchFamily="49" charset="0"/>
+                <a:hlinkClick r:id="rId5"/>
+              </a:rPr>
+              <a:t>totten</a:t>
+            </a:r>
+            <a:r>
+              <a:rPr lang="en-US" sz="1600" dirty="0">
+                <a:solidFill>
+                  <a:srgbClr val="008000"/>
+                </a:solidFill>
+                <a:latin typeface="Consolas" panose="020B0609020204030204" pitchFamily="49" charset="0"/>
+                <a:cs typeface="Consolas" panose="020B0609020204030204" pitchFamily="49" charset="0"/>
+              </a:rPr>
+              <a:t>"</a:t>
+            </a:r>
+            <a:r>
+              <a:rPr lang="en-US" sz="1600" dirty="0">
+                <a:solidFill>
+                  <a:srgbClr val="333333"/>
+                </a:solidFill>
+                <a:latin typeface="Consolas" panose="020B0609020204030204" pitchFamily="49" charset="0"/>
+                <a:cs typeface="Consolas" panose="020B0609020204030204" pitchFamily="49" charset="0"/>
+              </a:rPr>
+              <a:t>, </a:t>
+            </a:r>
+            <a:r>
+              <a:rPr lang="en-US" sz="1600" dirty="0">
+                <a:latin typeface="Consolas" panose="020B0609020204030204" pitchFamily="49" charset="0"/>
+                <a:cs typeface="Consolas" panose="020B0609020204030204" pitchFamily="49" charset="0"/>
+              </a:rPr>
+              <a:t/>
+            </a:r>
+            <a:br>
+              <a:rPr lang="en-US" sz="1600" dirty="0">
+                <a:latin typeface="Consolas" panose="020B0609020204030204" pitchFamily="49" charset="0"/>
+                <a:cs typeface="Consolas" panose="020B0609020204030204" pitchFamily="49" charset="0"/>
+              </a:rPr>
+            </a:br>
+            <a:r>
+              <a:rPr lang="en-US" sz="1600" dirty="0">
+                <a:solidFill>
+                  <a:srgbClr val="333333"/>
+                </a:solidFill>
+                <a:latin typeface="Consolas" panose="020B0609020204030204" pitchFamily="49" charset="0"/>
+                <a:cs typeface="Consolas" panose="020B0609020204030204" pitchFamily="49" charset="0"/>
+              </a:rPr>
+              <a:t>  "hometown": {</a:t>
+            </a:r>
+            <a:r>
+              <a:rPr lang="en-US" sz="1600" dirty="0">
+                <a:latin typeface="Consolas" panose="020B0609020204030204" pitchFamily="49" charset="0"/>
+                <a:cs typeface="Consolas" panose="020B0609020204030204" pitchFamily="49" charset="0"/>
+              </a:rPr>
+              <a:t/>
+            </a:r>
+            <a:br>
+              <a:rPr lang="en-US" sz="1600" dirty="0">
+                <a:latin typeface="Consolas" panose="020B0609020204030204" pitchFamily="49" charset="0"/>
+                <a:cs typeface="Consolas" panose="020B0609020204030204" pitchFamily="49" charset="0"/>
+              </a:rPr>
+            </a:br>
+            <a:r>
+              <a:rPr lang="en-US" sz="1600" dirty="0">
+                <a:solidFill>
+                  <a:srgbClr val="333333"/>
+                </a:solidFill>
+                <a:latin typeface="Consolas" panose="020B0609020204030204" pitchFamily="49" charset="0"/>
+                <a:cs typeface="Consolas" panose="020B0609020204030204" pitchFamily="49" charset="0"/>
+              </a:rPr>
+              <a:t>    "id": </a:t>
+            </a:r>
+            <a:r>
+              <a:rPr lang="en-US" sz="1600" dirty="0">
+                <a:solidFill>
+                  <a:srgbClr val="008000"/>
+                </a:solidFill>
+                <a:latin typeface="Consolas" panose="020B0609020204030204" pitchFamily="49" charset="0"/>
+                <a:cs typeface="Consolas" panose="020B0609020204030204" pitchFamily="49" charset="0"/>
+              </a:rPr>
+              <a:t>"</a:t>
+            </a:r>
+            <a:r>
+              <a:rPr lang="en-US" sz="1600" dirty="0">
+                <a:solidFill>
+                  <a:srgbClr val="3B5998"/>
+                </a:solidFill>
+                <a:latin typeface="Consolas" panose="020B0609020204030204" pitchFamily="49" charset="0"/>
+                <a:cs typeface="Consolas" panose="020B0609020204030204" pitchFamily="49" charset="0"/>
+                <a:hlinkClick r:id="rId6"/>
+              </a:rPr>
+              <a:t>108059045881132</a:t>
+            </a:r>
+            <a:r>
+              <a:rPr lang="en-US" sz="1600" dirty="0">
+                <a:solidFill>
+                  <a:srgbClr val="008000"/>
+                </a:solidFill>
+                <a:latin typeface="Consolas" panose="020B0609020204030204" pitchFamily="49" charset="0"/>
+                <a:cs typeface="Consolas" panose="020B0609020204030204" pitchFamily="49" charset="0"/>
+              </a:rPr>
+              <a:t>"</a:t>
+            </a:r>
+            <a:r>
+              <a:rPr lang="en-US" sz="1600" dirty="0">
+                <a:solidFill>
+                  <a:srgbClr val="333333"/>
+                </a:solidFill>
+                <a:latin typeface="Consolas" panose="020B0609020204030204" pitchFamily="49" charset="0"/>
+                <a:cs typeface="Consolas" panose="020B0609020204030204" pitchFamily="49" charset="0"/>
+              </a:rPr>
+              <a:t>, </a:t>
+            </a:r>
+            <a:r>
+              <a:rPr lang="en-US" sz="1600" dirty="0">
+                <a:latin typeface="Consolas" panose="020B0609020204030204" pitchFamily="49" charset="0"/>
+                <a:cs typeface="Consolas" panose="020B0609020204030204" pitchFamily="49" charset="0"/>
+              </a:rPr>
+              <a:t/>
+            </a:r>
+            <a:br>
+              <a:rPr lang="en-US" sz="1600" dirty="0">
+                <a:latin typeface="Consolas" panose="020B0609020204030204" pitchFamily="49" charset="0"/>
+                <a:cs typeface="Consolas" panose="020B0609020204030204" pitchFamily="49" charset="0"/>
+              </a:rPr>
+            </a:br>
+            <a:r>
+              <a:rPr lang="en-US" sz="1600" dirty="0">
+                <a:solidFill>
+                  <a:srgbClr val="333333"/>
+                </a:solidFill>
+                <a:latin typeface="Consolas" panose="020B0609020204030204" pitchFamily="49" charset="0"/>
+                <a:cs typeface="Consolas" panose="020B0609020204030204" pitchFamily="49" charset="0"/>
+              </a:rPr>
+              <a:t>    "name": </a:t>
+            </a:r>
+            <a:r>
+              <a:rPr lang="en-US" sz="1600" dirty="0">
+                <a:solidFill>
+                  <a:srgbClr val="008000"/>
+                </a:solidFill>
+                <a:latin typeface="Consolas" panose="020B0609020204030204" pitchFamily="49" charset="0"/>
+                <a:cs typeface="Consolas" panose="020B0609020204030204" pitchFamily="49" charset="0"/>
+              </a:rPr>
+              <a:t>"Urbandale, Iowa"</a:t>
+            </a:r>
+            <a:r>
+              <a:rPr lang="en-US" sz="1600" dirty="0">
+                <a:latin typeface="Consolas" panose="020B0609020204030204" pitchFamily="49" charset="0"/>
+                <a:cs typeface="Consolas" panose="020B0609020204030204" pitchFamily="49" charset="0"/>
+              </a:rPr>
+              <a:t/>
+            </a:r>
+            <a:br>
+              <a:rPr lang="en-US" sz="1600" dirty="0">
+                <a:latin typeface="Consolas" panose="020B0609020204030204" pitchFamily="49" charset="0"/>
+                <a:cs typeface="Consolas" panose="020B0609020204030204" pitchFamily="49" charset="0"/>
+              </a:rPr>
+            </a:br>
+            <a:r>
+              <a:rPr lang="en-US" sz="1600" dirty="0">
+                <a:solidFill>
+                  <a:srgbClr val="333333"/>
+                </a:solidFill>
+                <a:latin typeface="Consolas" panose="020B0609020204030204" pitchFamily="49" charset="0"/>
+                <a:cs typeface="Consolas" panose="020B0609020204030204" pitchFamily="49" charset="0"/>
+              </a:rPr>
+              <a:t>  }, </a:t>
+            </a:r>
+            <a:r>
+              <a:rPr lang="en-US" sz="1600" dirty="0">
+                <a:latin typeface="Consolas" panose="020B0609020204030204" pitchFamily="49" charset="0"/>
+                <a:cs typeface="Consolas" panose="020B0609020204030204" pitchFamily="49" charset="0"/>
+              </a:rPr>
+              <a:t/>
+            </a:r>
+            <a:br>
+              <a:rPr lang="en-US" sz="1600" dirty="0">
+                <a:latin typeface="Consolas" panose="020B0609020204030204" pitchFamily="49" charset="0"/>
+                <a:cs typeface="Consolas" panose="020B0609020204030204" pitchFamily="49" charset="0"/>
+              </a:rPr>
+            </a:br>
+            <a:r>
+              <a:rPr lang="en-US" sz="1600" dirty="0">
+                <a:solidFill>
+                  <a:srgbClr val="333333"/>
+                </a:solidFill>
+                <a:latin typeface="Consolas" panose="020B0609020204030204" pitchFamily="49" charset="0"/>
+                <a:cs typeface="Consolas" panose="020B0609020204030204" pitchFamily="49" charset="0"/>
+              </a:rPr>
+              <a:t>  "location": {</a:t>
+            </a:r>
+            <a:r>
+              <a:rPr lang="en-US" sz="1600" dirty="0">
+                <a:latin typeface="Consolas" panose="020B0609020204030204" pitchFamily="49" charset="0"/>
+                <a:cs typeface="Consolas" panose="020B0609020204030204" pitchFamily="49" charset="0"/>
+              </a:rPr>
+              <a:t/>
+            </a:r>
+            <a:br>
+              <a:rPr lang="en-US" sz="1600" dirty="0">
+                <a:latin typeface="Consolas" panose="020B0609020204030204" pitchFamily="49" charset="0"/>
+                <a:cs typeface="Consolas" panose="020B0609020204030204" pitchFamily="49" charset="0"/>
+              </a:rPr>
+            </a:br>
+            <a:r>
+              <a:rPr lang="en-US" sz="1600" dirty="0">
+                <a:solidFill>
+                  <a:srgbClr val="333333"/>
+                </a:solidFill>
+                <a:latin typeface="Consolas" panose="020B0609020204030204" pitchFamily="49" charset="0"/>
+                <a:cs typeface="Consolas" panose="020B0609020204030204" pitchFamily="49" charset="0"/>
+              </a:rPr>
+              <a:t>    "id": </a:t>
+            </a:r>
+            <a:r>
+              <a:rPr lang="en-US" sz="1600" dirty="0">
+                <a:solidFill>
+                  <a:srgbClr val="008000"/>
+                </a:solidFill>
+                <a:latin typeface="Consolas" panose="020B0609020204030204" pitchFamily="49" charset="0"/>
+                <a:cs typeface="Consolas" panose="020B0609020204030204" pitchFamily="49" charset="0"/>
+              </a:rPr>
+              <a:t>"</a:t>
+            </a:r>
+            <a:r>
+              <a:rPr lang="en-US" sz="1600" dirty="0">
+                <a:solidFill>
+                  <a:srgbClr val="3B5998"/>
+                </a:solidFill>
+                <a:latin typeface="Consolas" panose="020B0609020204030204" pitchFamily="49" charset="0"/>
+                <a:cs typeface="Consolas" panose="020B0609020204030204" pitchFamily="49" charset="0"/>
+                <a:hlinkClick r:id="rId7"/>
+              </a:rPr>
+              <a:t>111723635511834</a:t>
+            </a:r>
+            <a:r>
+              <a:rPr lang="en-US" sz="1600" dirty="0">
+                <a:solidFill>
+                  <a:srgbClr val="008000"/>
+                </a:solidFill>
+                <a:latin typeface="Consolas" panose="020B0609020204030204" pitchFamily="49" charset="0"/>
+                <a:cs typeface="Consolas" panose="020B0609020204030204" pitchFamily="49" charset="0"/>
+              </a:rPr>
+              <a:t>"</a:t>
+            </a:r>
+            <a:r>
+              <a:rPr lang="en-US" sz="1600" dirty="0">
+                <a:solidFill>
+                  <a:srgbClr val="333333"/>
+                </a:solidFill>
+                <a:latin typeface="Consolas" panose="020B0609020204030204" pitchFamily="49" charset="0"/>
+                <a:cs typeface="Consolas" panose="020B0609020204030204" pitchFamily="49" charset="0"/>
+              </a:rPr>
+              <a:t>, </a:t>
+            </a:r>
+            <a:r>
+              <a:rPr lang="en-US" sz="1600" dirty="0">
+                <a:latin typeface="Consolas" panose="020B0609020204030204" pitchFamily="49" charset="0"/>
+                <a:cs typeface="Consolas" panose="020B0609020204030204" pitchFamily="49" charset="0"/>
+              </a:rPr>
+              <a:t/>
+            </a:r>
+            <a:br>
+              <a:rPr lang="en-US" sz="1600" dirty="0">
+                <a:latin typeface="Consolas" panose="020B0609020204030204" pitchFamily="49" charset="0"/>
+                <a:cs typeface="Consolas" panose="020B0609020204030204" pitchFamily="49" charset="0"/>
+              </a:rPr>
+            </a:br>
+            <a:r>
+              <a:rPr lang="en-US" sz="1600" dirty="0">
+                <a:solidFill>
+                  <a:srgbClr val="333333"/>
+                </a:solidFill>
+                <a:latin typeface="Consolas" panose="020B0609020204030204" pitchFamily="49" charset="0"/>
+                <a:cs typeface="Consolas" panose="020B0609020204030204" pitchFamily="49" charset="0"/>
+              </a:rPr>
+              <a:t>    "name": </a:t>
+            </a:r>
+            <a:r>
+              <a:rPr lang="en-US" sz="1600" dirty="0" smtClean="0">
+                <a:solidFill>
+                  <a:srgbClr val="008000"/>
+                </a:solidFill>
+                <a:latin typeface="Consolas" panose="020B0609020204030204" pitchFamily="49" charset="0"/>
+                <a:cs typeface="Consolas" panose="020B0609020204030204" pitchFamily="49" charset="0"/>
+              </a:rPr>
+              <a:t>"Bellevue, </a:t>
+            </a:r>
+            <a:r>
+              <a:rPr lang="en-US" sz="1600" dirty="0">
+                <a:solidFill>
+                  <a:srgbClr val="008000"/>
+                </a:solidFill>
+                <a:latin typeface="Consolas" panose="020B0609020204030204" pitchFamily="49" charset="0"/>
+                <a:cs typeface="Consolas" panose="020B0609020204030204" pitchFamily="49" charset="0"/>
+              </a:rPr>
+              <a:t>Washington"</a:t>
+            </a:r>
+            <a:r>
+              <a:rPr lang="en-US" sz="1600" dirty="0">
+                <a:latin typeface="Consolas" panose="020B0609020204030204" pitchFamily="49" charset="0"/>
+                <a:cs typeface="Consolas" panose="020B0609020204030204" pitchFamily="49" charset="0"/>
+              </a:rPr>
+              <a:t/>
+            </a:r>
+            <a:br>
+              <a:rPr lang="en-US" sz="1600" dirty="0">
+                <a:latin typeface="Consolas" panose="020B0609020204030204" pitchFamily="49" charset="0"/>
+                <a:cs typeface="Consolas" panose="020B0609020204030204" pitchFamily="49" charset="0"/>
+              </a:rPr>
+            </a:br>
+            <a:r>
+              <a:rPr lang="en-US" sz="1600" dirty="0">
+                <a:solidFill>
+                  <a:srgbClr val="333333"/>
+                </a:solidFill>
+                <a:latin typeface="Consolas" panose="020B0609020204030204" pitchFamily="49" charset="0"/>
+                <a:cs typeface="Consolas" panose="020B0609020204030204" pitchFamily="49" charset="0"/>
+              </a:rPr>
+              <a:t>  }, </a:t>
+            </a:r>
+            <a:r>
+              <a:rPr lang="en-US" sz="1600" dirty="0">
+                <a:latin typeface="Consolas" panose="020B0609020204030204" pitchFamily="49" charset="0"/>
+                <a:cs typeface="Consolas" panose="020B0609020204030204" pitchFamily="49" charset="0"/>
+              </a:rPr>
+              <a:t/>
+            </a:r>
+            <a:br>
+              <a:rPr lang="en-US" sz="1600" dirty="0">
+                <a:latin typeface="Consolas" panose="020B0609020204030204" pitchFamily="49" charset="0"/>
+                <a:cs typeface="Consolas" panose="020B0609020204030204" pitchFamily="49" charset="0"/>
+              </a:rPr>
+            </a:br>
+            <a:r>
+              <a:rPr lang="en-US" sz="1600" dirty="0">
+                <a:solidFill>
+                  <a:srgbClr val="333333"/>
+                </a:solidFill>
+                <a:latin typeface="Consolas" panose="020B0609020204030204" pitchFamily="49" charset="0"/>
+                <a:cs typeface="Consolas" panose="020B0609020204030204" pitchFamily="49" charset="0"/>
+              </a:rPr>
+              <a:t>  "bio": </a:t>
+            </a:r>
+            <a:r>
+              <a:rPr lang="en-US" sz="1600" dirty="0">
+                <a:solidFill>
+                  <a:srgbClr val="008000"/>
+                </a:solidFill>
+                <a:latin typeface="Consolas" panose="020B0609020204030204" pitchFamily="49" charset="0"/>
+                <a:cs typeface="Consolas" panose="020B0609020204030204" pitchFamily="49" charset="0"/>
+              </a:rPr>
+              <a:t>"Technical Evangelist at </a:t>
+            </a:r>
+            <a:r>
+              <a:rPr lang="en-US" sz="1600" dirty="0" smtClean="0">
+                <a:solidFill>
+                  <a:srgbClr val="008000"/>
+                </a:solidFill>
+                <a:latin typeface="Consolas" panose="020B0609020204030204" pitchFamily="49" charset="0"/>
+                <a:cs typeface="Consolas" panose="020B0609020204030204" pitchFamily="49" charset="0"/>
+              </a:rPr>
+              <a:t>Microsoft"</a:t>
+            </a:r>
+            <a:r>
+              <a:rPr lang="en-US" sz="1600" dirty="0" smtClean="0">
+                <a:solidFill>
+                  <a:srgbClr val="333333"/>
+                </a:solidFill>
+                <a:latin typeface="Consolas" panose="020B0609020204030204" pitchFamily="49" charset="0"/>
+                <a:cs typeface="Consolas" panose="020B0609020204030204" pitchFamily="49" charset="0"/>
+              </a:rPr>
+              <a:t>, </a:t>
+            </a:r>
+            <a:r>
+              <a:rPr lang="en-US" sz="1600" dirty="0">
+                <a:latin typeface="Consolas" panose="020B0609020204030204" pitchFamily="49" charset="0"/>
+                <a:cs typeface="Consolas" panose="020B0609020204030204" pitchFamily="49" charset="0"/>
+              </a:rPr>
+              <a:t/>
+            </a:r>
+            <a:br>
+              <a:rPr lang="en-US" sz="1600" dirty="0">
+                <a:latin typeface="Consolas" panose="020B0609020204030204" pitchFamily="49" charset="0"/>
+                <a:cs typeface="Consolas" panose="020B0609020204030204" pitchFamily="49" charset="0"/>
+              </a:rPr>
+            </a:br>
+            <a:r>
+              <a:rPr lang="en-US" sz="1600" dirty="0">
+                <a:solidFill>
+                  <a:srgbClr val="333333"/>
+                </a:solidFill>
+                <a:latin typeface="Consolas" panose="020B0609020204030204" pitchFamily="49" charset="0"/>
+                <a:cs typeface="Consolas" panose="020B0609020204030204" pitchFamily="49" charset="0"/>
+              </a:rPr>
+              <a:t>  "work": [</a:t>
+            </a:r>
+            <a:r>
+              <a:rPr lang="en-US" sz="1600" dirty="0">
+                <a:latin typeface="Consolas" panose="020B0609020204030204" pitchFamily="49" charset="0"/>
+                <a:cs typeface="Consolas" panose="020B0609020204030204" pitchFamily="49" charset="0"/>
+              </a:rPr>
+              <a:t/>
+            </a:r>
+            <a:br>
+              <a:rPr lang="en-US" sz="1600" dirty="0">
+                <a:latin typeface="Consolas" panose="020B0609020204030204" pitchFamily="49" charset="0"/>
+                <a:cs typeface="Consolas" panose="020B0609020204030204" pitchFamily="49" charset="0"/>
+              </a:rPr>
+            </a:br>
+            <a:r>
+              <a:rPr lang="en-US" sz="1600" dirty="0">
+                <a:solidFill>
+                  <a:srgbClr val="333333"/>
+                </a:solidFill>
+                <a:latin typeface="Consolas" panose="020B0609020204030204" pitchFamily="49" charset="0"/>
+                <a:cs typeface="Consolas" panose="020B0609020204030204" pitchFamily="49" charset="0"/>
+              </a:rPr>
+              <a:t>    {</a:t>
+            </a:r>
+            <a:r>
+              <a:rPr lang="en-US" sz="1600" dirty="0">
+                <a:latin typeface="Consolas" panose="020B0609020204030204" pitchFamily="49" charset="0"/>
+                <a:cs typeface="Consolas" panose="020B0609020204030204" pitchFamily="49" charset="0"/>
+              </a:rPr>
+              <a:t/>
+            </a:r>
+            <a:br>
+              <a:rPr lang="en-US" sz="1600" dirty="0">
+                <a:latin typeface="Consolas" panose="020B0609020204030204" pitchFamily="49" charset="0"/>
+                <a:cs typeface="Consolas" panose="020B0609020204030204" pitchFamily="49" charset="0"/>
+              </a:rPr>
+            </a:br>
+            <a:r>
+              <a:rPr lang="en-US" sz="1600" dirty="0">
+                <a:solidFill>
+                  <a:srgbClr val="333333"/>
+                </a:solidFill>
+                <a:latin typeface="Consolas" panose="020B0609020204030204" pitchFamily="49" charset="0"/>
+                <a:cs typeface="Consolas" panose="020B0609020204030204" pitchFamily="49" charset="0"/>
+              </a:rPr>
+              <a:t>      "employer": {</a:t>
+            </a:r>
+            <a:r>
+              <a:rPr lang="en-US" sz="1600" dirty="0">
+                <a:latin typeface="Consolas" panose="020B0609020204030204" pitchFamily="49" charset="0"/>
+                <a:cs typeface="Consolas" panose="020B0609020204030204" pitchFamily="49" charset="0"/>
+              </a:rPr>
+              <a:t/>
+            </a:r>
+            <a:br>
+              <a:rPr lang="en-US" sz="1600" dirty="0">
+                <a:latin typeface="Consolas" panose="020B0609020204030204" pitchFamily="49" charset="0"/>
+                <a:cs typeface="Consolas" panose="020B0609020204030204" pitchFamily="49" charset="0"/>
+              </a:rPr>
+            </a:br>
+            <a:r>
+              <a:rPr lang="en-US" sz="1600" dirty="0">
+                <a:solidFill>
+                  <a:srgbClr val="333333"/>
+                </a:solidFill>
+                <a:latin typeface="Consolas" panose="020B0609020204030204" pitchFamily="49" charset="0"/>
+                <a:cs typeface="Consolas" panose="020B0609020204030204" pitchFamily="49" charset="0"/>
+              </a:rPr>
+              <a:t>        "id": </a:t>
+            </a:r>
+            <a:r>
+              <a:rPr lang="en-US" sz="1600" dirty="0">
+                <a:solidFill>
+                  <a:srgbClr val="008000"/>
+                </a:solidFill>
+                <a:latin typeface="Consolas" panose="020B0609020204030204" pitchFamily="49" charset="0"/>
+                <a:cs typeface="Consolas" panose="020B0609020204030204" pitchFamily="49" charset="0"/>
+              </a:rPr>
+              <a:t>"</a:t>
+            </a:r>
+            <a:r>
+              <a:rPr lang="en-US" sz="1600" dirty="0">
+                <a:solidFill>
+                  <a:srgbClr val="3B5998"/>
+                </a:solidFill>
+                <a:latin typeface="Consolas" panose="020B0609020204030204" pitchFamily="49" charset="0"/>
+                <a:cs typeface="Consolas" panose="020B0609020204030204" pitchFamily="49" charset="0"/>
+                <a:hlinkClick r:id="rId8"/>
+              </a:rPr>
+              <a:t>20528438720</a:t>
+            </a:r>
+            <a:r>
+              <a:rPr lang="en-US" sz="1600" dirty="0">
+                <a:solidFill>
+                  <a:srgbClr val="008000"/>
+                </a:solidFill>
+                <a:latin typeface="Consolas" panose="020B0609020204030204" pitchFamily="49" charset="0"/>
+                <a:cs typeface="Consolas" panose="020B0609020204030204" pitchFamily="49" charset="0"/>
+              </a:rPr>
+              <a:t>"</a:t>
+            </a:r>
+            <a:r>
+              <a:rPr lang="en-US" sz="1600" dirty="0">
+                <a:solidFill>
+                  <a:srgbClr val="333333"/>
+                </a:solidFill>
+                <a:latin typeface="Consolas" panose="020B0609020204030204" pitchFamily="49" charset="0"/>
+                <a:cs typeface="Consolas" panose="020B0609020204030204" pitchFamily="49" charset="0"/>
+              </a:rPr>
+              <a:t>, </a:t>
+            </a:r>
+            <a:r>
+              <a:rPr lang="en-US" sz="1600" dirty="0">
+                <a:latin typeface="Consolas" panose="020B0609020204030204" pitchFamily="49" charset="0"/>
+                <a:cs typeface="Consolas" panose="020B0609020204030204" pitchFamily="49" charset="0"/>
+              </a:rPr>
+              <a:t/>
+            </a:r>
+            <a:br>
+              <a:rPr lang="en-US" sz="1600" dirty="0">
+                <a:latin typeface="Consolas" panose="020B0609020204030204" pitchFamily="49" charset="0"/>
+                <a:cs typeface="Consolas" panose="020B0609020204030204" pitchFamily="49" charset="0"/>
+              </a:rPr>
+            </a:br>
+            <a:r>
+              <a:rPr lang="en-US" sz="1600" dirty="0">
+                <a:solidFill>
+                  <a:srgbClr val="333333"/>
+                </a:solidFill>
+                <a:latin typeface="Consolas" panose="020B0609020204030204" pitchFamily="49" charset="0"/>
+                <a:cs typeface="Consolas" panose="020B0609020204030204" pitchFamily="49" charset="0"/>
+              </a:rPr>
+              <a:t>        "name": </a:t>
+            </a:r>
+            <a:r>
+              <a:rPr lang="en-US" sz="1600" dirty="0">
+                <a:solidFill>
+                  <a:srgbClr val="008000"/>
+                </a:solidFill>
+                <a:latin typeface="Consolas" panose="020B0609020204030204" pitchFamily="49" charset="0"/>
+                <a:cs typeface="Consolas" panose="020B0609020204030204" pitchFamily="49" charset="0"/>
+              </a:rPr>
+              <a:t>"Microsoft"</a:t>
+            </a:r>
+            <a:r>
+              <a:rPr lang="en-US" sz="1600" dirty="0">
+                <a:latin typeface="Consolas" panose="020B0609020204030204" pitchFamily="49" charset="0"/>
+                <a:cs typeface="Consolas" panose="020B0609020204030204" pitchFamily="49" charset="0"/>
+              </a:rPr>
+              <a:t/>
+            </a:r>
+            <a:br>
+              <a:rPr lang="en-US" sz="1600" dirty="0">
+                <a:latin typeface="Consolas" panose="020B0609020204030204" pitchFamily="49" charset="0"/>
+                <a:cs typeface="Consolas" panose="020B0609020204030204" pitchFamily="49" charset="0"/>
+              </a:rPr>
+            </a:br>
+            <a:r>
+              <a:rPr lang="en-US" sz="1600" dirty="0">
+                <a:solidFill>
+                  <a:srgbClr val="333333"/>
+                </a:solidFill>
+                <a:latin typeface="Consolas" panose="020B0609020204030204" pitchFamily="49" charset="0"/>
+                <a:cs typeface="Consolas" panose="020B0609020204030204" pitchFamily="49" charset="0"/>
+              </a:rPr>
+              <a:t>      }, </a:t>
+            </a:r>
+            <a:endParaRPr lang="en-US" sz="1600" dirty="0">
+              <a:latin typeface="Consolas" panose="020B0609020204030204" pitchFamily="49" charset="0"/>
+              <a:cs typeface="Consolas" panose="020B0609020204030204" pitchFamily="49" charset="0"/>
+            </a:endParaRPr>
           </a:p>
         </p:txBody>
       </p:sp>
     </p:spTree>
     <p:extLst>
       <p:ext uri="{BB962C8B-B14F-4D97-AF65-F5344CB8AC3E}">
-        <p14:creationId xmlns:p14="http://schemas.microsoft.com/office/powerpoint/2010/main" val="2442958162"/>
+        <p14:creationId xmlns:p14="http://schemas.microsoft.com/office/powerpoint/2010/main" val="2929996954"/>
       </p:ext>
     </p:extLst>
   </p:cSld>
@@ -18938,7 +19313,7 @@
             <a:spLocks noGrp="1"/>
           </p:cNvSpPr>
           <p:nvPr>
-            <p:ph type="title"/>
+            <p:ph type="ctrTitle"/>
           </p:nvPr>
         </p:nvSpPr>
         <p:spPr/>
@@ -18948,7 +19323,7 @@
           <a:p>
             <a:r>
               <a:rPr lang="en-US" dirty="0" smtClean="0"/>
-              <a:t>Facebook C# SDK</a:t>
+              <a:t>demo</a:t>
             </a:r>
             <a:endParaRPr lang="en-US" dirty="0"/>
           </a:p>
@@ -18956,7 +19331,7 @@
       </p:sp>
       <p:sp>
         <p:nvSpPr>
-          <p:cNvPr id="5" name="Text Placeholder 4"/>
+          <p:cNvPr id="6" name="Text Placeholder 5"/>
           <p:cNvSpPr>
             <a:spLocks noGrp="1"/>
           </p:cNvSpPr>
@@ -18964,85 +19339,23 @@
             <p:ph type="body" sz="quarter" idx="10"/>
           </p:nvPr>
         </p:nvSpPr>
-        <p:spPr>
-          <a:xfrm>
-            <a:off x="519112" y="1447799"/>
-            <a:ext cx="11149013" cy="3901068"/>
-          </a:xfrm>
-        </p:spPr>
+        <p:spPr/>
         <p:txBody>
           <a:bodyPr/>
           <a:lstStyle/>
           <a:p>
             <a:r>
               <a:rPr lang="en-US" dirty="0" smtClean="0"/>
-              <a:t>Graph API</a:t>
-            </a:r>
-          </a:p>
-          <a:p>
-            <a:r>
-              <a:rPr lang="en-US" dirty="0" smtClean="0"/>
-              <a:t>Authentication</a:t>
-            </a:r>
-          </a:p>
-          <a:p>
-            <a:r>
-              <a:rPr lang="en-US" dirty="0" smtClean="0"/>
-              <a:t>All Major Microsoft Frameworks &amp; Platforms:</a:t>
-            </a:r>
-          </a:p>
-          <a:p>
-            <a:r>
-              <a:rPr lang="en-US" dirty="0"/>
-              <a:t>	</a:t>
-            </a:r>
-            <a:r>
-              <a:rPr lang="en-US" dirty="0" err="1" smtClean="0"/>
-              <a:t>.Net</a:t>
-            </a:r>
-            <a:r>
-              <a:rPr lang="en-US" dirty="0" smtClean="0"/>
-              <a:t> 3.5, </a:t>
-            </a:r>
-            <a:r>
-              <a:rPr lang="en-US" dirty="0" err="1" smtClean="0"/>
-              <a:t>.Net</a:t>
-            </a:r>
-            <a:r>
-              <a:rPr lang="en-US" dirty="0" smtClean="0"/>
-              <a:t> 4.0, and </a:t>
-            </a:r>
-            <a:r>
-              <a:rPr lang="en-US" dirty="0" err="1" smtClean="0"/>
-              <a:t>.Net</a:t>
-            </a:r>
-            <a:r>
-              <a:rPr lang="en-US" dirty="0" smtClean="0"/>
-              <a:t> 4.5</a:t>
-            </a:r>
-          </a:p>
-          <a:p>
-            <a:r>
-              <a:rPr lang="en-US" dirty="0"/>
-              <a:t>	</a:t>
-            </a:r>
-            <a:r>
-              <a:rPr lang="en-US" dirty="0" smtClean="0"/>
-              <a:t>Windows Phone 7.1 and 8</a:t>
-            </a:r>
-          </a:p>
-          <a:p>
-            <a:r>
-              <a:rPr lang="en-US" dirty="0" smtClean="0"/>
-              <a:t>	Windows Store Apps</a:t>
-            </a:r>
+              <a:t>Facebook Graph API</a:t>
+            </a:r>
+            <a:endParaRPr lang="en-US" dirty="0"/>
           </a:p>
         </p:txBody>
       </p:sp>
     </p:spTree>
     <p:extLst>
       <p:ext uri="{BB962C8B-B14F-4D97-AF65-F5344CB8AC3E}">
-        <p14:creationId xmlns:p14="http://schemas.microsoft.com/office/powerpoint/2010/main" val="1496276647"/>
+        <p14:creationId xmlns:p14="http://schemas.microsoft.com/office/powerpoint/2010/main" val="2442958162"/>
       </p:ext>
     </p:extLst>
   </p:cSld>
@@ -19096,7 +19409,7 @@
           <a:p>
             <a:r>
               <a:rPr lang="en-US" dirty="0" smtClean="0"/>
-              <a:t>Flexible API: Dynamic Objects</a:t>
+              <a:t>Facebook C# SDK</a:t>
             </a:r>
             <a:endParaRPr lang="en-US" dirty="0"/>
           </a:p>
@@ -19112,563 +19425,85 @@
             <p:ph type="body" sz="quarter" idx="10"/>
           </p:nvPr>
         </p:nvSpPr>
-        <p:spPr/>
+        <p:spPr>
+          <a:xfrm>
+            <a:off x="519112" y="1447799"/>
+            <a:ext cx="11149013" cy="3901068"/>
+          </a:xfrm>
+        </p:spPr>
         <p:txBody>
           <a:bodyPr/>
           <a:lstStyle/>
           <a:p>
             <a:r>
-              <a:rPr lang="en-US" dirty="0" err="1" smtClean="0">
-                <a:solidFill>
-                  <a:srgbClr val="0000FF"/>
-                </a:solidFill>
-                <a:highlight>
-                  <a:srgbClr val="FFFFFF"/>
-                </a:highlight>
-              </a:rPr>
-              <a:t>var</a:t>
-            </a:r>
-            <a:r>
-              <a:rPr lang="en-US" dirty="0" smtClean="0">
-                <a:solidFill>
-                  <a:srgbClr val="000000"/>
-                </a:solidFill>
-                <a:highlight>
-                  <a:srgbClr val="FFFFFF"/>
-                </a:highlight>
-              </a:rPr>
-              <a:t> </a:t>
-            </a:r>
-            <a:r>
-              <a:rPr lang="en-US" dirty="0">
-                <a:solidFill>
-                  <a:srgbClr val="000000"/>
-                </a:solidFill>
-                <a:highlight>
-                  <a:srgbClr val="FFFFFF"/>
-                </a:highlight>
-              </a:rPr>
-              <a:t>client = </a:t>
-            </a:r>
-            <a:r>
-              <a:rPr lang="en-US" dirty="0">
-                <a:solidFill>
-                  <a:srgbClr val="0000FF"/>
-                </a:solidFill>
-                <a:highlight>
-                  <a:srgbClr val="FFFFFF"/>
-                </a:highlight>
-              </a:rPr>
-              <a:t>new</a:t>
-            </a:r>
-            <a:r>
-              <a:rPr lang="en-US" dirty="0">
-                <a:solidFill>
-                  <a:srgbClr val="000000"/>
-                </a:solidFill>
-                <a:highlight>
-                  <a:srgbClr val="FFFFFF"/>
-                </a:highlight>
-              </a:rPr>
-              <a:t> </a:t>
-            </a:r>
-            <a:r>
-              <a:rPr lang="en-US" dirty="0" err="1">
-                <a:solidFill>
-                  <a:srgbClr val="2B91AF"/>
-                </a:solidFill>
-                <a:highlight>
-                  <a:srgbClr val="FFFFFF"/>
-                </a:highlight>
-              </a:rPr>
-              <a:t>FacebookClient</a:t>
-            </a:r>
-            <a:r>
-              <a:rPr lang="en-US" dirty="0">
-                <a:solidFill>
-                  <a:srgbClr val="000000"/>
-                </a:solidFill>
-                <a:highlight>
-                  <a:srgbClr val="FFFFFF"/>
-                </a:highlight>
-              </a:rPr>
-              <a:t>(</a:t>
-            </a:r>
-            <a:r>
-              <a:rPr lang="en-US" dirty="0">
-                <a:solidFill>
-                  <a:srgbClr val="A31515"/>
-                </a:solidFill>
-                <a:highlight>
-                  <a:srgbClr val="FFFFFF"/>
-                </a:highlight>
-              </a:rPr>
-              <a:t>"</a:t>
-            </a:r>
-            <a:r>
-              <a:rPr lang="en-US" dirty="0" err="1">
-                <a:solidFill>
-                  <a:srgbClr val="A31515"/>
-                </a:solidFill>
-                <a:highlight>
-                  <a:srgbClr val="FFFFFF"/>
-                </a:highlight>
-              </a:rPr>
-              <a:t>access_token</a:t>
-            </a:r>
-            <a:r>
-              <a:rPr lang="en-US" dirty="0">
-                <a:solidFill>
-                  <a:srgbClr val="A31515"/>
-                </a:solidFill>
-                <a:highlight>
-                  <a:srgbClr val="FFFFFF"/>
-                </a:highlight>
-              </a:rPr>
-              <a:t>"</a:t>
-            </a:r>
-            <a:r>
-              <a:rPr lang="en-US" dirty="0">
-                <a:solidFill>
-                  <a:srgbClr val="000000"/>
-                </a:solidFill>
-                <a:highlight>
-                  <a:srgbClr val="FFFFFF"/>
-                </a:highlight>
-              </a:rPr>
-              <a:t>);</a:t>
+              <a:rPr lang="en-US" dirty="0" smtClean="0"/>
+              <a:t>Graph API</a:t>
             </a:r>
           </a:p>
           <a:p>
             <a:r>
-              <a:rPr lang="en-US" dirty="0">
-                <a:solidFill>
-                  <a:srgbClr val="000000"/>
-                </a:solidFill>
-                <a:highlight>
-                  <a:srgbClr val="FFFFFF"/>
-                </a:highlight>
-              </a:rPr>
-              <a:t>           </a:t>
+              <a:rPr lang="en-US" dirty="0" smtClean="0"/>
+              <a:t>Authentication</a:t>
             </a:r>
           </a:p>
           <a:p>
             <a:r>
-              <a:rPr lang="en-US" dirty="0">
-                <a:solidFill>
-                  <a:srgbClr val="008000"/>
-                </a:solidFill>
-                <a:highlight>
-                  <a:srgbClr val="FFFFFF"/>
-                </a:highlight>
-              </a:rPr>
-              <a:t>// Get current </a:t>
-            </a:r>
-            <a:r>
-              <a:rPr lang="en-US" dirty="0" smtClean="0">
-                <a:solidFill>
-                  <a:srgbClr val="008000"/>
-                </a:solidFill>
-                <a:highlight>
-                  <a:srgbClr val="FFFFFF"/>
-                </a:highlight>
-              </a:rPr>
-              <a:t>user’s basic information</a:t>
-            </a:r>
-            <a:endParaRPr lang="en-US" dirty="0">
-              <a:solidFill>
-                <a:srgbClr val="000000"/>
-              </a:solidFill>
-              <a:highlight>
-                <a:srgbClr val="FFFFFF"/>
-              </a:highlight>
-            </a:endParaRPr>
+              <a:rPr lang="en-US" dirty="0" smtClean="0"/>
+              <a:t>All Major Microsoft Frameworks &amp; Platforms:</a:t>
+            </a:r>
           </a:p>
           <a:p>
             <a:r>
-              <a:rPr lang="en-US" dirty="0">
-                <a:solidFill>
-                  <a:srgbClr val="0000FF"/>
-                </a:solidFill>
-                <a:highlight>
-                  <a:srgbClr val="FFFFFF"/>
-                </a:highlight>
-              </a:rPr>
-              <a:t>dynamic</a:t>
-            </a:r>
-            <a:r>
-              <a:rPr lang="en-US" dirty="0">
-                <a:solidFill>
-                  <a:srgbClr val="000000"/>
-                </a:solidFill>
-                <a:highlight>
-                  <a:srgbClr val="FFFFFF"/>
-                </a:highlight>
-              </a:rPr>
-              <a:t> me = </a:t>
-            </a:r>
-            <a:r>
-              <a:rPr lang="en-US" dirty="0">
-                <a:solidFill>
-                  <a:srgbClr val="0000FF"/>
-                </a:solidFill>
-                <a:highlight>
-                  <a:srgbClr val="FFFFFF"/>
-                </a:highlight>
-              </a:rPr>
-              <a:t>await</a:t>
-            </a:r>
-            <a:r>
-              <a:rPr lang="en-US" dirty="0">
-                <a:solidFill>
-                  <a:srgbClr val="000000"/>
-                </a:solidFill>
-                <a:highlight>
-                  <a:srgbClr val="FFFFFF"/>
-                </a:highlight>
-              </a:rPr>
-              <a:t> </a:t>
-            </a:r>
-            <a:r>
-              <a:rPr lang="en-US" dirty="0" err="1">
-                <a:solidFill>
-                  <a:srgbClr val="000000"/>
-                </a:solidFill>
-                <a:highlight>
-                  <a:srgbClr val="FFFFFF"/>
-                </a:highlight>
-              </a:rPr>
-              <a:t>client.GetTaskAsync</a:t>
-            </a:r>
-            <a:r>
-              <a:rPr lang="en-US" dirty="0" smtClean="0">
-                <a:solidFill>
-                  <a:srgbClr val="000000"/>
-                </a:solidFill>
-                <a:highlight>
-                  <a:srgbClr val="FFFFFF"/>
-                </a:highlight>
-              </a:rPr>
-              <a:t>(</a:t>
-            </a:r>
-            <a:r>
-              <a:rPr lang="en-US" dirty="0" smtClean="0">
-                <a:solidFill>
-                  <a:srgbClr val="A31515"/>
-                </a:solidFill>
-                <a:highlight>
-                  <a:srgbClr val="FFFFFF"/>
-                </a:highlight>
-              </a:rPr>
-              <a:t>"me"</a:t>
-            </a:r>
-            <a:r>
-              <a:rPr lang="en-US" dirty="0" smtClean="0">
-                <a:solidFill>
-                  <a:srgbClr val="000000"/>
-                </a:solidFill>
-                <a:highlight>
-                  <a:srgbClr val="FFFFFF"/>
-                </a:highlight>
-              </a:rPr>
-              <a:t>);</a:t>
-            </a:r>
-            <a:endParaRPr lang="en-US" dirty="0">
-              <a:solidFill>
-                <a:srgbClr val="000000"/>
-              </a:solidFill>
-              <a:highlight>
-                <a:srgbClr val="FFFFFF"/>
-              </a:highlight>
-            </a:endParaRPr>
+              <a:rPr lang="en-US" dirty="0"/>
+              <a:t>	</a:t>
+            </a:r>
+            <a:r>
+              <a:rPr lang="en-US" dirty="0" err="1" smtClean="0"/>
+              <a:t>.Net</a:t>
+            </a:r>
+            <a:r>
+              <a:rPr lang="en-US" dirty="0" smtClean="0"/>
+              <a:t> 3.5, </a:t>
+            </a:r>
+            <a:r>
+              <a:rPr lang="en-US" dirty="0" err="1" smtClean="0"/>
+              <a:t>.Net</a:t>
+            </a:r>
+            <a:r>
+              <a:rPr lang="en-US" dirty="0" smtClean="0"/>
+              <a:t> 4.0, and </a:t>
+            </a:r>
+            <a:r>
+              <a:rPr lang="en-US" dirty="0" err="1" smtClean="0"/>
+              <a:t>.Net</a:t>
+            </a:r>
+            <a:r>
+              <a:rPr lang="en-US" dirty="0" smtClean="0"/>
+              <a:t> 4.5</a:t>
+            </a:r>
           </a:p>
           <a:p>
             <a:r>
-              <a:rPr lang="en-US" dirty="0">
-                <a:solidFill>
-                  <a:srgbClr val="0000FF"/>
-                </a:solidFill>
-                <a:highlight>
-                  <a:srgbClr val="FFFFFF"/>
-                </a:highlight>
-              </a:rPr>
-              <a:t>string</a:t>
-            </a:r>
-            <a:r>
-              <a:rPr lang="en-US" dirty="0">
-                <a:solidFill>
-                  <a:srgbClr val="000000"/>
-                </a:solidFill>
-                <a:highlight>
-                  <a:srgbClr val="FFFFFF"/>
-                </a:highlight>
-              </a:rPr>
-              <a:t> </a:t>
-            </a:r>
-            <a:r>
-              <a:rPr lang="en-US" dirty="0" err="1" smtClean="0">
-                <a:solidFill>
-                  <a:srgbClr val="000000"/>
-                </a:solidFill>
-                <a:highlight>
-                  <a:srgbClr val="FFFFFF"/>
-                </a:highlight>
-              </a:rPr>
-              <a:t>firstName</a:t>
-            </a:r>
-            <a:r>
-              <a:rPr lang="en-US" dirty="0" smtClean="0">
-                <a:solidFill>
-                  <a:srgbClr val="000000"/>
-                </a:solidFill>
-                <a:highlight>
-                  <a:srgbClr val="FFFFFF"/>
-                </a:highlight>
-              </a:rPr>
-              <a:t> = </a:t>
-            </a:r>
-            <a:r>
-              <a:rPr lang="en-US" dirty="0" err="1" smtClean="0">
-                <a:solidFill>
-                  <a:srgbClr val="000000"/>
-                </a:solidFill>
-                <a:highlight>
-                  <a:srgbClr val="FFFFFF"/>
-                </a:highlight>
-              </a:rPr>
-              <a:t>me.first_name</a:t>
-            </a:r>
-            <a:r>
-              <a:rPr lang="en-US" dirty="0">
-                <a:solidFill>
-                  <a:srgbClr val="000000"/>
-                </a:solidFill>
-                <a:highlight>
-                  <a:srgbClr val="FFFFFF"/>
-                </a:highlight>
-              </a:rPr>
-              <a:t>;</a:t>
+              <a:rPr lang="en-US" dirty="0"/>
+              <a:t>	</a:t>
+            </a:r>
+            <a:r>
+              <a:rPr lang="en-US" dirty="0" smtClean="0"/>
+              <a:t>Windows Phone 7.1 and 8</a:t>
             </a:r>
           </a:p>
           <a:p>
-            <a:endParaRPr lang="en-US" dirty="0">
-              <a:solidFill>
-                <a:srgbClr val="000000"/>
-              </a:solidFill>
-              <a:highlight>
-                <a:srgbClr val="FFFFFF"/>
-              </a:highlight>
-            </a:endParaRPr>
-          </a:p>
-          <a:p>
-            <a:r>
-              <a:rPr lang="en-US" dirty="0">
-                <a:solidFill>
-                  <a:srgbClr val="008000"/>
-                </a:solidFill>
-                <a:highlight>
-                  <a:srgbClr val="FFFFFF"/>
-                </a:highlight>
-              </a:rPr>
-              <a:t>// Post a message to the current user's wall</a:t>
-            </a:r>
-            <a:endParaRPr lang="en-US" dirty="0">
-              <a:solidFill>
-                <a:srgbClr val="000000"/>
-              </a:solidFill>
-              <a:highlight>
-                <a:srgbClr val="FFFFFF"/>
-              </a:highlight>
-            </a:endParaRPr>
-          </a:p>
-          <a:p>
-            <a:r>
-              <a:rPr lang="en-US" dirty="0" err="1">
-                <a:solidFill>
-                  <a:srgbClr val="0000FF"/>
-                </a:solidFill>
-                <a:highlight>
-                  <a:srgbClr val="FFFFFF"/>
-                </a:highlight>
-              </a:rPr>
-              <a:t>var</a:t>
-            </a:r>
-            <a:r>
-              <a:rPr lang="en-US" dirty="0">
-                <a:solidFill>
-                  <a:srgbClr val="000000"/>
-                </a:solidFill>
-                <a:highlight>
-                  <a:srgbClr val="FFFFFF"/>
-                </a:highlight>
-              </a:rPr>
-              <a:t> post = </a:t>
-            </a:r>
-            <a:r>
-              <a:rPr lang="en-US" dirty="0">
-                <a:solidFill>
-                  <a:srgbClr val="0000FF"/>
-                </a:solidFill>
-                <a:highlight>
-                  <a:srgbClr val="FFFFFF"/>
-                </a:highlight>
-              </a:rPr>
-              <a:t>new</a:t>
-            </a:r>
-            <a:r>
-              <a:rPr lang="en-US" dirty="0">
-                <a:solidFill>
-                  <a:srgbClr val="000000"/>
-                </a:solidFill>
-                <a:highlight>
-                  <a:srgbClr val="FFFFFF"/>
-                </a:highlight>
-              </a:rPr>
-              <a:t> {</a:t>
-            </a:r>
-          </a:p>
-          <a:p>
-            <a:r>
-              <a:rPr lang="en-US" dirty="0">
-                <a:solidFill>
-                  <a:srgbClr val="000000"/>
-                </a:solidFill>
-                <a:highlight>
-                  <a:srgbClr val="FFFFFF"/>
-                </a:highlight>
-              </a:rPr>
-              <a:t>    message = </a:t>
-            </a:r>
-            <a:r>
-              <a:rPr lang="en-US" dirty="0">
-                <a:solidFill>
-                  <a:srgbClr val="A31515"/>
-                </a:solidFill>
-                <a:highlight>
-                  <a:srgbClr val="FFFFFF"/>
-                </a:highlight>
-              </a:rPr>
-              <a:t>"This is a wall post!"</a:t>
-            </a:r>
-            <a:endParaRPr lang="en-US" dirty="0">
-              <a:solidFill>
-                <a:srgbClr val="000000"/>
-              </a:solidFill>
-              <a:highlight>
-                <a:srgbClr val="FFFFFF"/>
-              </a:highlight>
-            </a:endParaRPr>
-          </a:p>
-          <a:p>
-            <a:r>
-              <a:rPr lang="en-US" dirty="0">
-                <a:solidFill>
-                  <a:srgbClr val="000000"/>
-                </a:solidFill>
-                <a:highlight>
-                  <a:srgbClr val="FFFFFF"/>
-                </a:highlight>
-              </a:rPr>
-              <a:t>};</a:t>
-            </a:r>
-          </a:p>
-          <a:p>
-            <a:r>
-              <a:rPr lang="en-US" dirty="0">
-                <a:solidFill>
-                  <a:srgbClr val="0000FF"/>
-                </a:solidFill>
-                <a:highlight>
-                  <a:srgbClr val="FFFFFF"/>
-                </a:highlight>
-              </a:rPr>
-              <a:t>dynamic</a:t>
-            </a:r>
-            <a:r>
-              <a:rPr lang="en-US" dirty="0">
-                <a:solidFill>
-                  <a:srgbClr val="000000"/>
-                </a:solidFill>
-                <a:highlight>
-                  <a:srgbClr val="FFFFFF"/>
-                </a:highlight>
-              </a:rPr>
-              <a:t> result = </a:t>
-            </a:r>
-            <a:r>
-              <a:rPr lang="en-US" dirty="0">
-                <a:solidFill>
-                  <a:srgbClr val="0000FF"/>
-                </a:solidFill>
-                <a:highlight>
-                  <a:srgbClr val="FFFFFF"/>
-                </a:highlight>
-              </a:rPr>
-              <a:t>await</a:t>
-            </a:r>
-            <a:r>
-              <a:rPr lang="en-US" dirty="0">
-                <a:solidFill>
-                  <a:srgbClr val="000000"/>
-                </a:solidFill>
-                <a:highlight>
-                  <a:srgbClr val="FFFFFF"/>
-                </a:highlight>
-              </a:rPr>
-              <a:t> </a:t>
-            </a:r>
-            <a:r>
-              <a:rPr lang="en-US" dirty="0" err="1">
-                <a:solidFill>
-                  <a:srgbClr val="000000"/>
-                </a:solidFill>
-                <a:highlight>
-                  <a:srgbClr val="FFFFFF"/>
-                </a:highlight>
-              </a:rPr>
-              <a:t>client.PostTaskAsync</a:t>
-            </a:r>
-            <a:r>
-              <a:rPr lang="en-US" dirty="0">
-                <a:solidFill>
-                  <a:srgbClr val="000000"/>
-                </a:solidFill>
-                <a:highlight>
-                  <a:srgbClr val="FFFFFF"/>
-                </a:highlight>
-              </a:rPr>
-              <a:t>(</a:t>
-            </a:r>
-            <a:r>
-              <a:rPr lang="en-US" dirty="0">
-                <a:solidFill>
-                  <a:srgbClr val="A31515"/>
-                </a:solidFill>
-                <a:highlight>
-                  <a:srgbClr val="FFFFFF"/>
-                </a:highlight>
-              </a:rPr>
-              <a:t>"me/feed"</a:t>
-            </a:r>
-            <a:r>
-              <a:rPr lang="en-US" dirty="0">
-                <a:solidFill>
-                  <a:srgbClr val="000000"/>
-                </a:solidFill>
-                <a:highlight>
-                  <a:srgbClr val="FFFFFF"/>
-                </a:highlight>
-              </a:rPr>
-              <a:t>, post);</a:t>
-            </a:r>
-            <a:endParaRPr lang="en-US" dirty="0"/>
+            <a:r>
+              <a:rPr lang="en-US" dirty="0" smtClean="0"/>
+              <a:t>	Windows Store Apps</a:t>
+            </a:r>
           </a:p>
         </p:txBody>
       </p:sp>
     </p:spTree>
     <p:extLst>
       <p:ext uri="{BB962C8B-B14F-4D97-AF65-F5344CB8AC3E}">
-        <p14:creationId xmlns:p14="http://schemas.microsoft.com/office/powerpoint/2010/main" val="538028369"/>
+        <p14:creationId xmlns:p14="http://schemas.microsoft.com/office/powerpoint/2010/main" val="1496276647"/>
       </p:ext>
     </p:extLst>
   </p:cSld>
@@ -19678,6 +19513,13 @@
   <p:transition>
     <p:fade/>
   </p:transition>
+  <p:timing>
+    <p:tnLst>
+      <p:par>
+        <p:cTn id="1" dur="indefinite" restart="never" nodeType="tmRoot"/>
+      </p:par>
+    </p:tnLst>
+  </p:timing>
 </p:sld>
 </file>
 
@@ -19715,7 +19557,7 @@
           <a:p>
             <a:r>
               <a:rPr lang="en-US" dirty="0" smtClean="0"/>
-              <a:t>Facebook Template</a:t>
+              <a:t>Flexible API: Dynamic Objects</a:t>
             </a:r>
             <a:endParaRPr lang="en-US" dirty="0"/>
           </a:p>
@@ -19731,57 +19573,554 @@
             <p:ph type="body" sz="quarter" idx="10"/>
           </p:nvPr>
         </p:nvSpPr>
-        <p:spPr>
-          <a:xfrm>
-            <a:off x="519112" y="1447799"/>
-            <a:ext cx="11149013" cy="3901068"/>
-          </a:xfrm>
-        </p:spPr>
+        <p:spPr/>
         <p:txBody>
           <a:bodyPr/>
           <a:lstStyle/>
           <a:p>
             <a:r>
-              <a:rPr lang="en-US" dirty="0" smtClean="0"/>
-              <a:t>ASP.NET MVC 4 Template (</a:t>
-            </a:r>
-            <a:r>
-              <a:rPr lang="en-US" dirty="0" err="1" smtClean="0"/>
-              <a:t>.Net</a:t>
-            </a:r>
-            <a:r>
-              <a:rPr lang="en-US" dirty="0" smtClean="0"/>
-              <a:t> 4.5 Only)</a:t>
+              <a:rPr lang="en-US" dirty="0" err="1" smtClean="0">
+                <a:solidFill>
+                  <a:srgbClr val="0000FF"/>
+                </a:solidFill>
+                <a:highlight>
+                  <a:srgbClr val="FFFFFF"/>
+                </a:highlight>
+              </a:rPr>
+              <a:t>var</a:t>
+            </a:r>
+            <a:r>
+              <a:rPr lang="en-US" dirty="0" smtClean="0">
+                <a:solidFill>
+                  <a:srgbClr val="000000"/>
+                </a:solidFill>
+                <a:highlight>
+                  <a:srgbClr val="FFFFFF"/>
+                </a:highlight>
+              </a:rPr>
+              <a:t> </a:t>
+            </a:r>
+            <a:r>
+              <a:rPr lang="en-US" dirty="0">
+                <a:solidFill>
+                  <a:srgbClr val="000000"/>
+                </a:solidFill>
+                <a:highlight>
+                  <a:srgbClr val="FFFFFF"/>
+                </a:highlight>
+              </a:rPr>
+              <a:t>client = </a:t>
+            </a:r>
+            <a:r>
+              <a:rPr lang="en-US" dirty="0">
+                <a:solidFill>
+                  <a:srgbClr val="0000FF"/>
+                </a:solidFill>
+                <a:highlight>
+                  <a:srgbClr val="FFFFFF"/>
+                </a:highlight>
+              </a:rPr>
+              <a:t>new</a:t>
+            </a:r>
+            <a:r>
+              <a:rPr lang="en-US" dirty="0">
+                <a:solidFill>
+                  <a:srgbClr val="000000"/>
+                </a:solidFill>
+                <a:highlight>
+                  <a:srgbClr val="FFFFFF"/>
+                </a:highlight>
+              </a:rPr>
+              <a:t> </a:t>
+            </a:r>
+            <a:r>
+              <a:rPr lang="en-US" dirty="0" err="1">
+                <a:solidFill>
+                  <a:srgbClr val="2B91AF"/>
+                </a:solidFill>
+                <a:highlight>
+                  <a:srgbClr val="FFFFFF"/>
+                </a:highlight>
+              </a:rPr>
+              <a:t>FacebookClient</a:t>
+            </a:r>
+            <a:r>
+              <a:rPr lang="en-US" dirty="0">
+                <a:solidFill>
+                  <a:srgbClr val="000000"/>
+                </a:solidFill>
+                <a:highlight>
+                  <a:srgbClr val="FFFFFF"/>
+                </a:highlight>
+              </a:rPr>
+              <a:t>(</a:t>
+            </a:r>
+            <a:r>
+              <a:rPr lang="en-US" dirty="0">
+                <a:solidFill>
+                  <a:srgbClr val="A31515"/>
+                </a:solidFill>
+                <a:highlight>
+                  <a:srgbClr val="FFFFFF"/>
+                </a:highlight>
+              </a:rPr>
+              <a:t>"</a:t>
+            </a:r>
+            <a:r>
+              <a:rPr lang="en-US" dirty="0" err="1">
+                <a:solidFill>
+                  <a:srgbClr val="A31515"/>
+                </a:solidFill>
+                <a:highlight>
+                  <a:srgbClr val="FFFFFF"/>
+                </a:highlight>
+              </a:rPr>
+              <a:t>access_token</a:t>
+            </a:r>
+            <a:r>
+              <a:rPr lang="en-US" dirty="0">
+                <a:solidFill>
+                  <a:srgbClr val="A31515"/>
+                </a:solidFill>
+                <a:highlight>
+                  <a:srgbClr val="FFFFFF"/>
+                </a:highlight>
+              </a:rPr>
+              <a:t>"</a:t>
+            </a:r>
+            <a:r>
+              <a:rPr lang="en-US" dirty="0">
+                <a:solidFill>
+                  <a:srgbClr val="000000"/>
+                </a:solidFill>
+                <a:highlight>
+                  <a:srgbClr val="FFFFFF"/>
+                </a:highlight>
+              </a:rPr>
+              <a:t>);</a:t>
             </a:r>
           </a:p>
           <a:p>
             <a:r>
-              <a:rPr lang="en-US" dirty="0" smtClean="0"/>
-              <a:t>Includes the Facebook C# SDK</a:t>
+              <a:rPr lang="en-US" dirty="0">
+                <a:solidFill>
+                  <a:srgbClr val="000000"/>
+                </a:solidFill>
+                <a:highlight>
+                  <a:srgbClr val="FFFFFF"/>
+                </a:highlight>
+              </a:rPr>
+              <a:t>           </a:t>
             </a:r>
           </a:p>
           <a:p>
             <a:r>
-              <a:rPr lang="en-US" dirty="0" smtClean="0"/>
-              <a:t>Authentication and Permissions</a:t>
-            </a:r>
+              <a:rPr lang="en-US" dirty="0">
+                <a:solidFill>
+                  <a:srgbClr val="008000"/>
+                </a:solidFill>
+                <a:highlight>
+                  <a:srgbClr val="FFFFFF"/>
+                </a:highlight>
+              </a:rPr>
+              <a:t>// Get current </a:t>
+            </a:r>
+            <a:r>
+              <a:rPr lang="en-US" dirty="0" smtClean="0">
+                <a:solidFill>
+                  <a:srgbClr val="008000"/>
+                </a:solidFill>
+                <a:highlight>
+                  <a:srgbClr val="FFFFFF"/>
+                </a:highlight>
+              </a:rPr>
+              <a:t>user’s basic information</a:t>
+            </a:r>
+            <a:endParaRPr lang="en-US" dirty="0">
+              <a:solidFill>
+                <a:srgbClr val="000000"/>
+              </a:solidFill>
+              <a:highlight>
+                <a:srgbClr val="FFFFFF"/>
+              </a:highlight>
+            </a:endParaRPr>
           </a:p>
           <a:p>
             <a:r>
-              <a:rPr lang="en-US" dirty="0" smtClean="0"/>
-              <a:t>Storing and Caching Facebook Data</a:t>
-            </a:r>
+              <a:rPr lang="en-US" dirty="0">
+                <a:solidFill>
+                  <a:srgbClr val="0000FF"/>
+                </a:solidFill>
+                <a:highlight>
+                  <a:srgbClr val="FFFFFF"/>
+                </a:highlight>
+              </a:rPr>
+              <a:t>dynamic</a:t>
+            </a:r>
+            <a:r>
+              <a:rPr lang="en-US" dirty="0">
+                <a:solidFill>
+                  <a:srgbClr val="000000"/>
+                </a:solidFill>
+                <a:highlight>
+                  <a:srgbClr val="FFFFFF"/>
+                </a:highlight>
+              </a:rPr>
+              <a:t> me = </a:t>
+            </a:r>
+            <a:r>
+              <a:rPr lang="en-US" dirty="0">
+                <a:solidFill>
+                  <a:srgbClr val="0000FF"/>
+                </a:solidFill>
+                <a:highlight>
+                  <a:srgbClr val="FFFFFF"/>
+                </a:highlight>
+              </a:rPr>
+              <a:t>await</a:t>
+            </a:r>
+            <a:r>
+              <a:rPr lang="en-US" dirty="0">
+                <a:solidFill>
+                  <a:srgbClr val="000000"/>
+                </a:solidFill>
+                <a:highlight>
+                  <a:srgbClr val="FFFFFF"/>
+                </a:highlight>
+              </a:rPr>
+              <a:t> </a:t>
+            </a:r>
+            <a:r>
+              <a:rPr lang="en-US" dirty="0" err="1">
+                <a:solidFill>
+                  <a:srgbClr val="000000"/>
+                </a:solidFill>
+                <a:highlight>
+                  <a:srgbClr val="FFFFFF"/>
+                </a:highlight>
+              </a:rPr>
+              <a:t>client.GetTaskAsync</a:t>
+            </a:r>
+            <a:r>
+              <a:rPr lang="en-US" dirty="0" smtClean="0">
+                <a:solidFill>
+                  <a:srgbClr val="000000"/>
+                </a:solidFill>
+                <a:highlight>
+                  <a:srgbClr val="FFFFFF"/>
+                </a:highlight>
+              </a:rPr>
+              <a:t>(</a:t>
+            </a:r>
+            <a:r>
+              <a:rPr lang="en-US" dirty="0" smtClean="0">
+                <a:solidFill>
+                  <a:srgbClr val="A31515"/>
+                </a:solidFill>
+                <a:highlight>
+                  <a:srgbClr val="FFFFFF"/>
+                </a:highlight>
+              </a:rPr>
+              <a:t>"me"</a:t>
+            </a:r>
+            <a:r>
+              <a:rPr lang="en-US" dirty="0" smtClean="0">
+                <a:solidFill>
+                  <a:srgbClr val="000000"/>
+                </a:solidFill>
+                <a:highlight>
+                  <a:srgbClr val="FFFFFF"/>
+                </a:highlight>
+              </a:rPr>
+              <a:t>);</a:t>
+            </a:r>
+            <a:endParaRPr lang="en-US" dirty="0">
+              <a:solidFill>
+                <a:srgbClr val="000000"/>
+              </a:solidFill>
+              <a:highlight>
+                <a:srgbClr val="FFFFFF"/>
+              </a:highlight>
+            </a:endParaRPr>
           </a:p>
           <a:p>
             <a:r>
-              <a:rPr lang="en-US" dirty="0" smtClean="0"/>
-              <a:t>Graph API</a:t>
+              <a:rPr lang="en-US" dirty="0">
+                <a:solidFill>
+                  <a:srgbClr val="0000FF"/>
+                </a:solidFill>
+                <a:highlight>
+                  <a:srgbClr val="FFFFFF"/>
+                </a:highlight>
+              </a:rPr>
+              <a:t>string</a:t>
+            </a:r>
+            <a:r>
+              <a:rPr lang="en-US" dirty="0">
+                <a:solidFill>
+                  <a:srgbClr val="000000"/>
+                </a:solidFill>
+                <a:highlight>
+                  <a:srgbClr val="FFFFFF"/>
+                </a:highlight>
+              </a:rPr>
+              <a:t> </a:t>
+            </a:r>
+            <a:r>
+              <a:rPr lang="en-US" dirty="0" err="1" smtClean="0">
+                <a:solidFill>
+                  <a:srgbClr val="000000"/>
+                </a:solidFill>
+                <a:highlight>
+                  <a:srgbClr val="FFFFFF"/>
+                </a:highlight>
+              </a:rPr>
+              <a:t>firstName</a:t>
+            </a:r>
+            <a:r>
+              <a:rPr lang="en-US" dirty="0" smtClean="0">
+                <a:solidFill>
+                  <a:srgbClr val="000000"/>
+                </a:solidFill>
+                <a:highlight>
+                  <a:srgbClr val="FFFFFF"/>
+                </a:highlight>
+              </a:rPr>
+              <a:t> = </a:t>
+            </a:r>
+            <a:r>
+              <a:rPr lang="en-US" dirty="0" err="1" smtClean="0">
+                <a:solidFill>
+                  <a:srgbClr val="000000"/>
+                </a:solidFill>
+                <a:highlight>
+                  <a:srgbClr val="FFFFFF"/>
+                </a:highlight>
+              </a:rPr>
+              <a:t>me.first_name</a:t>
+            </a:r>
+            <a:r>
+              <a:rPr lang="en-US" dirty="0">
+                <a:solidFill>
+                  <a:srgbClr val="000000"/>
+                </a:solidFill>
+                <a:highlight>
+                  <a:srgbClr val="FFFFFF"/>
+                </a:highlight>
+              </a:rPr>
+              <a:t>;</a:t>
             </a:r>
           </a:p>
           <a:p>
-            <a:r>
-              <a:rPr lang="en-US" dirty="0" smtClean="0"/>
-              <a:t>Real-Time Updates</a:t>
+            <a:endParaRPr lang="en-US" dirty="0">
+              <a:solidFill>
+                <a:srgbClr val="000000"/>
+              </a:solidFill>
+              <a:highlight>
+                <a:srgbClr val="FFFFFF"/>
+              </a:highlight>
+            </a:endParaRPr>
+          </a:p>
+          <a:p>
+            <a:r>
+              <a:rPr lang="en-US" dirty="0">
+                <a:solidFill>
+                  <a:srgbClr val="008000"/>
+                </a:solidFill>
+                <a:highlight>
+                  <a:srgbClr val="FFFFFF"/>
+                </a:highlight>
+              </a:rPr>
+              <a:t>// Post a message to the current user's wall</a:t>
+            </a:r>
+            <a:endParaRPr lang="en-US" dirty="0">
+              <a:solidFill>
+                <a:srgbClr val="000000"/>
+              </a:solidFill>
+              <a:highlight>
+                <a:srgbClr val="FFFFFF"/>
+              </a:highlight>
+            </a:endParaRPr>
+          </a:p>
+          <a:p>
+            <a:r>
+              <a:rPr lang="en-US" dirty="0" err="1">
+                <a:solidFill>
+                  <a:srgbClr val="0000FF"/>
+                </a:solidFill>
+                <a:highlight>
+                  <a:srgbClr val="FFFFFF"/>
+                </a:highlight>
+              </a:rPr>
+              <a:t>var</a:t>
+            </a:r>
+            <a:r>
+              <a:rPr lang="en-US" dirty="0">
+                <a:solidFill>
+                  <a:srgbClr val="000000"/>
+                </a:solidFill>
+                <a:highlight>
+                  <a:srgbClr val="FFFFFF"/>
+                </a:highlight>
+              </a:rPr>
+              <a:t> post = </a:t>
+            </a:r>
+            <a:r>
+              <a:rPr lang="en-US" dirty="0">
+                <a:solidFill>
+                  <a:srgbClr val="0000FF"/>
+                </a:solidFill>
+                <a:highlight>
+                  <a:srgbClr val="FFFFFF"/>
+                </a:highlight>
+              </a:rPr>
+              <a:t>new</a:t>
+            </a:r>
+            <a:r>
+              <a:rPr lang="en-US" dirty="0">
+                <a:solidFill>
+                  <a:srgbClr val="000000"/>
+                </a:solidFill>
+                <a:highlight>
+                  <a:srgbClr val="FFFFFF"/>
+                </a:highlight>
+              </a:rPr>
+              <a:t> {</a:t>
+            </a:r>
+          </a:p>
+          <a:p>
+            <a:r>
+              <a:rPr lang="en-US" dirty="0">
+                <a:solidFill>
+                  <a:srgbClr val="000000"/>
+                </a:solidFill>
+                <a:highlight>
+                  <a:srgbClr val="FFFFFF"/>
+                </a:highlight>
+              </a:rPr>
+              <a:t>    message = </a:t>
+            </a:r>
+            <a:r>
+              <a:rPr lang="en-US" dirty="0">
+                <a:solidFill>
+                  <a:srgbClr val="A31515"/>
+                </a:solidFill>
+                <a:highlight>
+                  <a:srgbClr val="FFFFFF"/>
+                </a:highlight>
+              </a:rPr>
+              <a:t>"This is a wall post!"</a:t>
+            </a:r>
+            <a:endParaRPr lang="en-US" dirty="0">
+              <a:solidFill>
+                <a:srgbClr val="000000"/>
+              </a:solidFill>
+              <a:highlight>
+                <a:srgbClr val="FFFFFF"/>
+              </a:highlight>
+            </a:endParaRPr>
+          </a:p>
+          <a:p>
+            <a:r>
+              <a:rPr lang="en-US" dirty="0">
+                <a:solidFill>
+                  <a:srgbClr val="000000"/>
+                </a:solidFill>
+                <a:highlight>
+                  <a:srgbClr val="FFFFFF"/>
+                </a:highlight>
+              </a:rPr>
+              <a:t>};</a:t>
+            </a:r>
+          </a:p>
+          <a:p>
+            <a:r>
+              <a:rPr lang="en-US" dirty="0">
+                <a:solidFill>
+                  <a:srgbClr val="0000FF"/>
+                </a:solidFill>
+                <a:highlight>
+                  <a:srgbClr val="FFFFFF"/>
+                </a:highlight>
+              </a:rPr>
+              <a:t>dynamic</a:t>
+            </a:r>
+            <a:r>
+              <a:rPr lang="en-US" dirty="0">
+                <a:solidFill>
+                  <a:srgbClr val="000000"/>
+                </a:solidFill>
+                <a:highlight>
+                  <a:srgbClr val="FFFFFF"/>
+                </a:highlight>
+              </a:rPr>
+              <a:t> result = </a:t>
+            </a:r>
+            <a:r>
+              <a:rPr lang="en-US" dirty="0">
+                <a:solidFill>
+                  <a:srgbClr val="0000FF"/>
+                </a:solidFill>
+                <a:highlight>
+                  <a:srgbClr val="FFFFFF"/>
+                </a:highlight>
+              </a:rPr>
+              <a:t>await</a:t>
+            </a:r>
+            <a:r>
+              <a:rPr lang="en-US" dirty="0">
+                <a:solidFill>
+                  <a:srgbClr val="000000"/>
+                </a:solidFill>
+                <a:highlight>
+                  <a:srgbClr val="FFFFFF"/>
+                </a:highlight>
+              </a:rPr>
+              <a:t> </a:t>
+            </a:r>
+            <a:r>
+              <a:rPr lang="en-US" dirty="0" err="1">
+                <a:solidFill>
+                  <a:srgbClr val="000000"/>
+                </a:solidFill>
+                <a:highlight>
+                  <a:srgbClr val="FFFFFF"/>
+                </a:highlight>
+              </a:rPr>
+              <a:t>client.PostTaskAsync</a:t>
+            </a:r>
+            <a:r>
+              <a:rPr lang="en-US" dirty="0">
+                <a:solidFill>
+                  <a:srgbClr val="000000"/>
+                </a:solidFill>
+                <a:highlight>
+                  <a:srgbClr val="FFFFFF"/>
+                </a:highlight>
+              </a:rPr>
+              <a:t>(</a:t>
+            </a:r>
+            <a:r>
+              <a:rPr lang="en-US" dirty="0">
+                <a:solidFill>
+                  <a:srgbClr val="A31515"/>
+                </a:solidFill>
+                <a:highlight>
+                  <a:srgbClr val="FFFFFF"/>
+                </a:highlight>
+              </a:rPr>
+              <a:t>"me/feed"</a:t>
+            </a:r>
+            <a:r>
+              <a:rPr lang="en-US" dirty="0">
+                <a:solidFill>
+                  <a:srgbClr val="000000"/>
+                </a:solidFill>
+                <a:highlight>
+                  <a:srgbClr val="FFFFFF"/>
+                </a:highlight>
+              </a:rPr>
+              <a:t>, post);</a:t>
             </a:r>
             <a:endParaRPr lang="en-US" dirty="0"/>
           </a:p>
@@ -19790,7 +20129,7 @@
     </p:spTree>
     <p:extLst>
       <p:ext uri="{BB962C8B-B14F-4D97-AF65-F5344CB8AC3E}">
-        <p14:creationId xmlns:p14="http://schemas.microsoft.com/office/powerpoint/2010/main" val="210046918"/>
+        <p14:creationId xmlns:p14="http://schemas.microsoft.com/office/powerpoint/2010/main" val="538028369"/>
       </p:ext>
     </p:extLst>
   </p:cSld>
@@ -19827,6 +20166,292 @@
             <a:spLocks noGrp="1"/>
           </p:cNvSpPr>
           <p:nvPr>
+            <p:ph type="title"/>
+          </p:nvPr>
+        </p:nvSpPr>
+        <p:spPr/>
+        <p:txBody>
+          <a:bodyPr/>
+          <a:lstStyle/>
+          <a:p>
+            <a:r>
+              <a:rPr lang="en-US" dirty="0" smtClean="0"/>
+              <a:t>Facebook Template</a:t>
+            </a:r>
+            <a:endParaRPr lang="en-US" dirty="0"/>
+          </a:p>
+        </p:txBody>
+      </p:sp>
+      <p:sp>
+        <p:nvSpPr>
+          <p:cNvPr id="5" name="Text Placeholder 4"/>
+          <p:cNvSpPr>
+            <a:spLocks noGrp="1"/>
+          </p:cNvSpPr>
+          <p:nvPr>
+            <p:ph type="body" sz="quarter" idx="10"/>
+          </p:nvPr>
+        </p:nvSpPr>
+        <p:spPr>
+          <a:xfrm>
+            <a:off x="519112" y="1447799"/>
+            <a:ext cx="11149013" cy="3901068"/>
+          </a:xfrm>
+        </p:spPr>
+        <p:txBody>
+          <a:bodyPr/>
+          <a:lstStyle/>
+          <a:p>
+            <a:r>
+              <a:rPr lang="en-US" dirty="0" smtClean="0"/>
+              <a:t>ASP.NET MVC 4 Template (.NET 4.5 Only)</a:t>
+            </a:r>
+          </a:p>
+          <a:p>
+            <a:r>
+              <a:rPr lang="en-US" dirty="0" smtClean="0"/>
+              <a:t>Includes the Facebook C# SDK</a:t>
+            </a:r>
+          </a:p>
+          <a:p>
+            <a:r>
+              <a:rPr lang="en-US" dirty="0" smtClean="0"/>
+              <a:t>Authentication and Permissions</a:t>
+            </a:r>
+          </a:p>
+          <a:p>
+            <a:r>
+              <a:rPr lang="en-US" dirty="0" smtClean="0"/>
+              <a:t>Storing and Caching Facebook Data</a:t>
+            </a:r>
+          </a:p>
+          <a:p>
+            <a:r>
+              <a:rPr lang="en-US" dirty="0" smtClean="0"/>
+              <a:t>Graph API</a:t>
+            </a:r>
+          </a:p>
+          <a:p>
+            <a:r>
+              <a:rPr lang="en-US" dirty="0" smtClean="0"/>
+              <a:t>Real-Time Updates</a:t>
+            </a:r>
+            <a:endParaRPr lang="en-US" dirty="0"/>
+          </a:p>
+        </p:txBody>
+      </p:sp>
+    </p:spTree>
+    <p:extLst>
+      <p:ext uri="{BB962C8B-B14F-4D97-AF65-F5344CB8AC3E}">
+        <p14:creationId xmlns:p14="http://schemas.microsoft.com/office/powerpoint/2010/main" val="210046918"/>
+      </p:ext>
+    </p:extLst>
+  </p:cSld>
+  <p:clrMapOvr>
+    <a:masterClrMapping/>
+  </p:clrMapOvr>
+  <p:transition>
+    <p:fade/>
+  </p:transition>
+</p:sld>
+</file>
+
+<file path=ppt/slides/slide16.xml><?xml version="1.0" encoding="utf-8"?>
+<p:sld xmlns:a="http://schemas.openxmlformats.org/drawingml/2006/main" xmlns:r="http://schemas.openxmlformats.org/officeDocument/2006/relationships" xmlns:p="http://schemas.openxmlformats.org/presentationml/2006/main">
+  <p:cSld>
+    <p:spTree>
+      <p:nvGrpSpPr>
+        <p:cNvPr id="1" name=""/>
+        <p:cNvGrpSpPr/>
+        <p:nvPr/>
+      </p:nvGrpSpPr>
+      <p:grpSpPr>
+        <a:xfrm>
+          <a:off x="0" y="0"/>
+          <a:ext cx="0" cy="0"/>
+          <a:chOff x="0" y="0"/>
+          <a:chExt cx="0" cy="0"/>
+        </a:xfrm>
+      </p:grpSpPr>
+      <p:sp>
+        <p:nvSpPr>
+          <p:cNvPr id="4" name="Title 3"/>
+          <p:cNvSpPr>
+            <a:spLocks noGrp="1"/>
+          </p:cNvSpPr>
+          <p:nvPr>
+            <p:ph type="ctrTitle"/>
+          </p:nvPr>
+        </p:nvSpPr>
+        <p:spPr/>
+        <p:txBody>
+          <a:bodyPr/>
+          <a:lstStyle/>
+          <a:p>
+            <a:r>
+              <a:rPr lang="en-US" dirty="0" smtClean="0"/>
+              <a:t>demo</a:t>
+            </a:r>
+            <a:endParaRPr lang="en-US" dirty="0"/>
+          </a:p>
+        </p:txBody>
+      </p:sp>
+      <p:sp>
+        <p:nvSpPr>
+          <p:cNvPr id="6" name="Text Placeholder 5"/>
+          <p:cNvSpPr>
+            <a:spLocks noGrp="1"/>
+          </p:cNvSpPr>
+          <p:nvPr>
+            <p:ph type="body" sz="quarter" idx="10"/>
+          </p:nvPr>
+        </p:nvSpPr>
+        <p:spPr/>
+        <p:txBody>
+          <a:bodyPr/>
+          <a:lstStyle/>
+          <a:p>
+            <a:r>
+              <a:rPr lang="en-US" smtClean="0"/>
+              <a:t>Facebook Template</a:t>
+            </a:r>
+            <a:endParaRPr lang="en-US" dirty="0"/>
+          </a:p>
+        </p:txBody>
+      </p:sp>
+    </p:spTree>
+    <p:extLst>
+      <p:ext uri="{BB962C8B-B14F-4D97-AF65-F5344CB8AC3E}">
+        <p14:creationId xmlns:p14="http://schemas.microsoft.com/office/powerpoint/2010/main" val="2891147974"/>
+      </p:ext>
+    </p:extLst>
+  </p:cSld>
+  <p:clrMapOvr>
+    <a:masterClrMapping/>
+  </p:clrMapOvr>
+  <p:transition>
+    <p:fade/>
+  </p:transition>
+  <p:timing>
+    <p:tnLst>
+      <p:par>
+        <p:cTn id="1" dur="indefinite" restart="never" nodeType="tmRoot"/>
+      </p:par>
+    </p:tnLst>
+  </p:timing>
+</p:sld>
+</file>
+
+<file path=ppt/slides/slide17.xml><?xml version="1.0" encoding="utf-8"?>
+<p:sld xmlns:a="http://schemas.openxmlformats.org/drawingml/2006/main" xmlns:r="http://schemas.openxmlformats.org/officeDocument/2006/relationships" xmlns:p="http://schemas.openxmlformats.org/presentationml/2006/main">
+  <p:cSld>
+    <p:spTree>
+      <p:nvGrpSpPr>
+        <p:cNvPr id="1" name=""/>
+        <p:cNvGrpSpPr/>
+        <p:nvPr/>
+      </p:nvGrpSpPr>
+      <p:grpSpPr>
+        <a:xfrm>
+          <a:off x="0" y="0"/>
+          <a:ext cx="0" cy="0"/>
+          <a:chOff x="0" y="0"/>
+          <a:chExt cx="0" cy="0"/>
+        </a:xfrm>
+      </p:grpSpPr>
+      <p:sp>
+        <p:nvSpPr>
+          <p:cNvPr id="4" name="Title 3"/>
+          <p:cNvSpPr>
+            <a:spLocks noGrp="1"/>
+          </p:cNvSpPr>
+          <p:nvPr>
+            <p:ph type="ctrTitle"/>
+          </p:nvPr>
+        </p:nvSpPr>
+        <p:spPr/>
+        <p:txBody>
+          <a:bodyPr/>
+          <a:lstStyle/>
+          <a:p>
+            <a:r>
+              <a:rPr lang="en-US" dirty="0" smtClean="0"/>
+              <a:t>demo</a:t>
+            </a:r>
+            <a:endParaRPr lang="en-US" dirty="0"/>
+          </a:p>
+        </p:txBody>
+      </p:sp>
+      <p:sp>
+        <p:nvSpPr>
+          <p:cNvPr id="6" name="Text Placeholder 5"/>
+          <p:cNvSpPr>
+            <a:spLocks noGrp="1"/>
+          </p:cNvSpPr>
+          <p:nvPr>
+            <p:ph type="body" sz="quarter" idx="10"/>
+          </p:nvPr>
+        </p:nvSpPr>
+        <p:spPr/>
+        <p:txBody>
+          <a:bodyPr/>
+          <a:lstStyle/>
+          <a:p>
+            <a:r>
+              <a:rPr lang="en-US" dirty="0" smtClean="0"/>
+              <a:t>Birthday Manager</a:t>
+            </a:r>
+            <a:endParaRPr lang="en-US" dirty="0"/>
+          </a:p>
+        </p:txBody>
+      </p:sp>
+    </p:spTree>
+    <p:extLst>
+      <p:ext uri="{BB962C8B-B14F-4D97-AF65-F5344CB8AC3E}">
+        <p14:creationId xmlns:p14="http://schemas.microsoft.com/office/powerpoint/2010/main" val="3012482057"/>
+      </p:ext>
+    </p:extLst>
+  </p:cSld>
+  <p:clrMapOvr>
+    <a:masterClrMapping/>
+  </p:clrMapOvr>
+  <p:transition>
+    <p:fade/>
+  </p:transition>
+  <p:timing>
+    <p:tnLst>
+      <p:par>
+        <p:cTn id="1" dur="indefinite" restart="never" nodeType="tmRoot"/>
+      </p:par>
+    </p:tnLst>
+  </p:timing>
+</p:sld>
+</file>
+
+<file path=ppt/slides/slide18.xml><?xml version="1.0" encoding="utf-8"?>
+<p:sld xmlns:a="http://schemas.openxmlformats.org/drawingml/2006/main" xmlns:r="http://schemas.openxmlformats.org/officeDocument/2006/relationships" xmlns:p="http://schemas.openxmlformats.org/presentationml/2006/main">
+  <p:cSld>
+    <p:spTree>
+      <p:nvGrpSpPr>
+        <p:cNvPr id="1" name=""/>
+        <p:cNvGrpSpPr/>
+        <p:nvPr/>
+      </p:nvGrpSpPr>
+      <p:grpSpPr>
+        <a:xfrm>
+          <a:off x="0" y="0"/>
+          <a:ext cx="0" cy="0"/>
+          <a:chOff x="0" y="0"/>
+          <a:chExt cx="0" cy="0"/>
+        </a:xfrm>
+      </p:grpSpPr>
+      <p:sp>
+        <p:nvSpPr>
+          <p:cNvPr id="4" name="Title 3"/>
+          <p:cNvSpPr>
+            <a:spLocks noGrp="1"/>
+          </p:cNvSpPr>
+          <p:nvPr>
             <p:ph type="ctrTitle"/>
           </p:nvPr>
         </p:nvSpPr>
@@ -19889,7 +20514,7 @@
 </p:sld>
 </file>
 
-<file path=ppt/slides/slide16.xml><?xml version="1.0" encoding="utf-8"?>
+<file path=ppt/slides/slide19.xml><?xml version="1.0" encoding="utf-8"?>
 <p:sld xmlns:a="http://schemas.openxmlformats.org/drawingml/2006/main" xmlns:r="http://schemas.openxmlformats.org/officeDocument/2006/relationships" xmlns:p="http://schemas.openxmlformats.org/presentationml/2006/main">
   <p:cSld>
     <p:spTree>
@@ -19931,7 +20556,7 @@
           <a:graphicData uri="http://schemas.openxmlformats.org/presentationml/2006/ole">
             <mc:AlternateContent xmlns:mc="http://schemas.openxmlformats.org/markup-compatibility/2006">
               <mc:Choice xmlns:v="urn:schemas-microsoft-com:vml" Requires="v">
-                <p:oleObj spid="_x0000_s58477" name="think-cell Slide" r:id="rId4" imgW="270" imgH="270" progId="TCLayout.ActiveDocument.1">
+                <p:oleObj spid="_x0000_s58483" name="think-cell Slide" r:id="rId4" imgW="270" imgH="270" progId="TCLayout.ActiveDocument.1">
                   <p:embed/>
                 </p:oleObj>
               </mc:Choice>
@@ -20040,7 +20665,7 @@
           <a:graphicData uri="http://schemas.openxmlformats.org/presentationml/2006/ole">
             <mc:AlternateContent xmlns:mc="http://schemas.openxmlformats.org/markup-compatibility/2006">
               <mc:Choice xmlns:v="urn:schemas-microsoft-com:vml" Requires="v">
-                <p:oleObj spid="_x0000_s59497" name="think-cell Slide" r:id="rId4" imgW="270" imgH="270" progId="TCLayout.ActiveDocument.1">
+                <p:oleObj spid="_x0000_s59503" name="think-cell Slide" r:id="rId4" imgW="270" imgH="270" progId="TCLayout.ActiveDocument.1">
                   <p:embed/>
                 </p:oleObj>
               </mc:Choice>
@@ -20119,20 +20744,22 @@
           <a:lstStyle/>
           <a:p>
             <a:r>
-              <a:rPr lang="en-US" smtClean="0"/>
+              <a:rPr lang="en-US" dirty="0" smtClean="0"/>
               <a:t>Name</a:t>
             </a:r>
+            <a:endParaRPr lang="en-US" dirty="0" smtClean="0"/>
           </a:p>
           <a:p>
             <a:r>
-              <a:rPr lang="en-US" smtClean="0"/>
+              <a:rPr lang="en-US" dirty="0" smtClean="0"/>
               <a:t>Title</a:t>
             </a:r>
+            <a:endParaRPr lang="en-US" dirty="0" smtClean="0"/>
           </a:p>
           <a:p>
             <a:r>
-              <a:rPr lang="en-US" smtClean="0"/>
-              <a:t>Microsoft Corporation</a:t>
+              <a:rPr lang="en-US" dirty="0" smtClean="0"/>
+              <a:t>Company</a:t>
             </a:r>
             <a:endParaRPr lang="en-US" dirty="0"/>
           </a:p>
@@ -20212,7 +20839,7 @@
           <a:graphicData uri="http://schemas.openxmlformats.org/presentationml/2006/ole">
             <mc:AlternateContent xmlns:mc="http://schemas.openxmlformats.org/markup-compatibility/2006">
               <mc:Choice xmlns:v="urn:schemas-microsoft-com:vml" Requires="v">
-                <p:oleObj spid="_x0000_s23665" name="think-cell Slide" r:id="rId6" imgW="270" imgH="270" progId="TCLayout.ActiveDocument.1">
+                <p:oleObj spid="_x0000_s23671" name="think-cell Slide" r:id="rId6" imgW="270" imgH="270" progId="TCLayout.ActiveDocument.1">
                   <p:embed/>
                 </p:oleObj>
               </mc:Choice>
@@ -20358,33 +20985,6 @@
           <a:chExt cx="0" cy="0"/>
         </a:xfrm>
       </p:grpSpPr>
-      <p:sp>
-        <p:nvSpPr>
-          <p:cNvPr id="2" name="Title 1"/>
-          <p:cNvSpPr>
-            <a:spLocks noGrp="1"/>
-          </p:cNvSpPr>
-          <p:nvPr>
-            <p:ph type="title"/>
-          </p:nvPr>
-        </p:nvSpPr>
-        <p:spPr/>
-        <p:txBody>
-          <a:bodyPr/>
-          <a:lstStyle/>
-          <a:p>
-            <a:r>
-              <a:rPr lang="en-US" dirty="0" err="1" smtClean="0"/>
-              <a:t>OAuth</a:t>
-            </a:r>
-            <a:r>
-              <a:rPr lang="en-US" dirty="0" smtClean="0"/>
-              <a:t> Providers</a:t>
-            </a:r>
-            <a:endParaRPr lang="en-US" dirty="0"/>
-          </a:p>
-        </p:txBody>
-      </p:sp>
       <p:pic>
         <p:nvPicPr>
           <p:cNvPr id="4" name="Picture 3"/>
@@ -20769,6 +21369,25 @@
           </a:extLst>
         </p:spPr>
       </p:pic>
+      <p:sp>
+        <p:nvSpPr>
+          <p:cNvPr id="3" name="Title 2"/>
+          <p:cNvSpPr>
+            <a:spLocks noGrp="1"/>
+          </p:cNvSpPr>
+          <p:nvPr>
+            <p:ph type="title"/>
+          </p:nvPr>
+        </p:nvSpPr>
+        <p:spPr/>
+        <p:txBody>
+          <a:bodyPr/>
+          <a:lstStyle/>
+          <a:p>
+            <a:endParaRPr lang="en-US"/>
+          </a:p>
+        </p:txBody>
+      </p:sp>
     </p:spTree>
     <p:extLst>
       <p:ext uri="{BB962C8B-B14F-4D97-AF65-F5344CB8AC3E}">
@@ -22651,60 +23270,99 @@
           <a:chExt cx="0" cy="0"/>
         </a:xfrm>
       </p:grpSpPr>
+      <p:pic>
+        <p:nvPicPr>
+          <p:cNvPr id="2" name="Picture 1" descr="Add Application - Windows Live - Windows Internet Explorer"/>
+          <p:cNvPicPr>
+            <a:picLocks noChangeAspect="1"/>
+          </p:cNvPicPr>
+          <p:nvPr/>
+        </p:nvPicPr>
+        <p:blipFill>
+          <a:blip r:embed="rId2">
+            <a:extLst>
+              <a:ext uri="{28A0092B-C50C-407E-A947-70E740481C1C}">
+                <a14:useLocalDpi xmlns:a14="http://schemas.microsoft.com/office/drawing/2010/main" val="0"/>
+              </a:ext>
+            </a:extLst>
+          </a:blip>
+          <a:stretch>
+            <a:fillRect/>
+          </a:stretch>
+        </p:blipFill>
+        <p:spPr>
+          <a:xfrm>
+            <a:off x="-258248" y="0"/>
+            <a:ext cx="12680285" cy="7279423"/>
+          </a:xfrm>
+          <a:prstGeom prst="rect">
+            <a:avLst/>
+          </a:prstGeom>
+        </p:spPr>
+      </p:pic>
       <p:sp>
         <p:nvSpPr>
-          <p:cNvPr id="4" name="Title 3"/>
-          <p:cNvSpPr>
-            <a:spLocks noGrp="1"/>
-          </p:cNvSpPr>
-          <p:nvPr>
-            <p:ph type="ctrTitle"/>
-          </p:nvPr>
+          <p:cNvPr id="3" name="TextBox 2"/>
+          <p:cNvSpPr txBox="1"/>
+          <p:nvPr/>
         </p:nvSpPr>
-        <p:spPr/>
+        <p:spPr>
+          <a:xfrm>
+            <a:off x="819781" y="6003985"/>
+            <a:ext cx="10524226" cy="498598"/>
+          </a:xfrm>
+          <a:prstGeom prst="rect">
+            <a:avLst/>
+          </a:prstGeom>
+          <a:noFill/>
+        </p:spPr>
         <p:txBody>
-          <a:bodyPr/>
+          <a:bodyPr wrap="square" lIns="0" tIns="0" rIns="0" bIns="0" rtlCol="0">
+            <a:spAutoFit/>
+          </a:bodyPr>
           <a:lstStyle/>
           <a:p>
-            <a:r>
-              <a:rPr lang="en-US" dirty="0" smtClean="0"/>
-              <a:t>demo</a:t>
-            </a:r>
-            <a:endParaRPr lang="en-US" dirty="0"/>
-          </a:p>
-        </p:txBody>
-      </p:sp>
-      <p:sp>
-        <p:nvSpPr>
-          <p:cNvPr id="6" name="Text Placeholder 5"/>
-          <p:cNvSpPr>
-            <a:spLocks noGrp="1"/>
-          </p:cNvSpPr>
-          <p:nvPr>
-            <p:ph type="body" sz="quarter" idx="10"/>
-          </p:nvPr>
-        </p:nvSpPr>
-        <p:spPr/>
-        <p:txBody>
-          <a:bodyPr/>
-          <a:lstStyle/>
-          <a:p>
-            <a:r>
-              <a:rPr lang="en-US" dirty="0" err="1" smtClean="0"/>
-              <a:t>OAuth</a:t>
-            </a:r>
-            <a:r>
-              <a:rPr lang="en-US" dirty="0" smtClean="0"/>
-              <a:t>  </a:t>
-            </a:r>
-            <a:endParaRPr lang="en-US" dirty="0"/>
+            <a:pPr>
+              <a:lnSpc>
+                <a:spcPct val="90000"/>
+              </a:lnSpc>
+              <a:spcBef>
+                <a:spcPct val="20000"/>
+              </a:spcBef>
+              <a:buSzPct val="80000"/>
+            </a:pPr>
+            <a:r>
+              <a:rPr lang="en-US" sz="3600" dirty="0">
+                <a:hlinkClick r:id="rId3"/>
+              </a:rPr>
+              <a:t>https://manage.dev.live.com/Applications/Index</a:t>
+            </a:r>
+            <a:endParaRPr lang="en-US" sz="3600" dirty="0">
+              <a:gradFill>
+                <a:gsLst>
+                  <a:gs pos="0">
+                    <a:srgbClr val="292929">
+                      <a:lumMod val="90000"/>
+                      <a:lumOff val="10000"/>
+                    </a:srgbClr>
+                  </a:gs>
+                  <a:gs pos="86000">
+                    <a:srgbClr val="292929">
+                      <a:lumMod val="90000"/>
+                      <a:lumOff val="10000"/>
+                    </a:srgbClr>
+                  </a:gs>
+                </a:gsLst>
+                <a:lin ang="5400000" scaled="0"/>
+              </a:gradFill>
+            </a:endParaRPr>
           </a:p>
         </p:txBody>
       </p:sp>
     </p:spTree>
     <p:extLst>
       <p:ext uri="{BB962C8B-B14F-4D97-AF65-F5344CB8AC3E}">
-        <p14:creationId xmlns:p14="http://schemas.microsoft.com/office/powerpoint/2010/main" val="3888141839"/>
+        <p14:creationId xmlns:p14="http://schemas.microsoft.com/office/powerpoint/2010/main" val="546026719"/>
       </p:ext>
     </p:extLst>
   </p:cSld>
@@ -22714,13 +23372,6 @@
   <p:transition>
     <p:fade/>
   </p:transition>
-  <p:timing>
-    <p:tnLst>
-      <p:par>
-        <p:cTn id="1" dur="indefinite" restart="never" nodeType="tmRoot"/>
-      </p:par>
-    </p:tnLst>
-  </p:timing>
 </p:sld>
 </file>
 
@@ -22743,12 +23394,12 @@
       </p:grpSpPr>
       <p:sp>
         <p:nvSpPr>
-          <p:cNvPr id="5" name="Title 4"/>
+          <p:cNvPr id="4" name="Title 3"/>
           <p:cNvSpPr>
             <a:spLocks noGrp="1"/>
           </p:cNvSpPr>
           <p:nvPr>
-            <p:ph type="title"/>
+            <p:ph type="ctrTitle"/>
           </p:nvPr>
         </p:nvSpPr>
         <p:spPr/>
@@ -22758,38 +23409,55 @@
           <a:p>
             <a:r>
               <a:rPr lang="en-US" dirty="0" smtClean="0"/>
-              <a:t>Facebook Applications</a:t>
+              <a:t>demo</a:t>
             </a:r>
             <a:endParaRPr lang="en-US" dirty="0"/>
           </a:p>
         </p:txBody>
       </p:sp>
-      <p:graphicFrame>
-        <p:nvGraphicFramePr>
-          <p:cNvPr id="2" name="Diagram 1"/>
-          <p:cNvGraphicFramePr/>
+      <p:sp>
+        <p:nvSpPr>
+          <p:cNvPr id="6" name="Text Placeholder 5"/>
+          <p:cNvSpPr>
+            <a:spLocks noGrp="1"/>
+          </p:cNvSpPr>
           <p:nvPr>
-            <p:extLst>
-              <p:ext uri="{D42A27DB-BD31-4B8C-83A1-F6EECF244321}">
-                <p14:modId xmlns:p14="http://schemas.microsoft.com/office/powerpoint/2010/main" val="3618401384"/>
-              </p:ext>
-            </p:extLst>
+            <p:ph type="body" sz="quarter" idx="10"/>
           </p:nvPr>
-        </p:nvGraphicFramePr>
-        <p:xfrm>
-          <a:off x="519112" y="1215342"/>
-          <a:ext cx="11149013" cy="4664597"/>
-        </p:xfrm>
-        <a:graphic>
-          <a:graphicData uri="http://schemas.openxmlformats.org/drawingml/2006/diagram">
-            <dgm:relIds xmlns:dgm="http://schemas.openxmlformats.org/drawingml/2006/diagram" xmlns:r="http://schemas.openxmlformats.org/officeDocument/2006/relationships" r:dm="rId2" r:lo="rId3" r:qs="rId4" r:cs="rId5"/>
-          </a:graphicData>
-        </a:graphic>
-      </p:graphicFrame>
+        </p:nvSpPr>
+        <p:spPr/>
+        <p:txBody>
+          <a:bodyPr/>
+          <a:lstStyle/>
+          <a:p>
+            <a:r>
+              <a:rPr lang="en-US" dirty="0" err="1" smtClean="0"/>
+              <a:t>OAuth</a:t>
+            </a:r>
+            <a:r>
+              <a:rPr lang="en-US" dirty="0" smtClean="0"/>
+              <a:t> </a:t>
+            </a:r>
+            <a:r>
+              <a:rPr lang="en-US" dirty="0" smtClean="0"/>
+              <a:t>&amp; </a:t>
+            </a:r>
+            <a:r>
+              <a:rPr lang="en-US" dirty="0" err="1" smtClean="0"/>
+              <a:t>OpenID</a:t>
+            </a:r>
+            <a:r>
+              <a:rPr lang="en-US" dirty="0" smtClean="0"/>
+              <a:t>  </a:t>
+            </a:r>
+            <a:endParaRPr lang="en-US" dirty="0"/>
+          </a:p>
+        </p:txBody>
+      </p:sp>
     </p:spTree>
     <p:extLst>
       <p:ext uri="{BB962C8B-B14F-4D97-AF65-F5344CB8AC3E}">
-        <p14:creationId xmlns:p14="http://schemas.microsoft.com/office/powerpoint/2010/main" val="380773201"/>
+        <p14:creationId xmlns:p14="http://schemas.microsoft.com/office/powerpoint/2010/main" val="3888141839"/>
       </p:ext>
     </p:extLst>
   </p:cSld>
@@ -22828,7 +23496,7 @@
       </p:grpSpPr>
       <p:sp>
         <p:nvSpPr>
-          <p:cNvPr id="2" name="Title 1"/>
+          <p:cNvPr id="5" name="Title 4"/>
           <p:cNvSpPr>
             <a:spLocks noGrp="1"/>
           </p:cNvSpPr>
@@ -22843,325 +23511,38 @@
           <a:p>
             <a:r>
               <a:rPr lang="en-US" dirty="0" smtClean="0"/>
-              <a:t>Open Graph</a:t>
+              <a:t>Facebook Applications</a:t>
             </a:r>
             <a:endParaRPr lang="en-US" dirty="0"/>
           </a:p>
         </p:txBody>
       </p:sp>
-      <p:sp>
-        <p:nvSpPr>
-          <p:cNvPr id="6" name="Freeform 5"/>
-          <p:cNvSpPr/>
-          <p:nvPr/>
-        </p:nvSpPr>
-        <p:spPr>
-          <a:xfrm>
-            <a:off x="519112" y="2465388"/>
-            <a:ext cx="3344703" cy="2000250"/>
-          </a:xfrm>
-          <a:custGeom>
-            <a:avLst/>
-            <a:gdLst>
-              <a:gd name="connsiteX0" fmla="*/ 0 w 3344703"/>
-              <a:gd name="connsiteY0" fmla="*/ 0 h 2000250"/>
-              <a:gd name="connsiteX1" fmla="*/ 3344703 w 3344703"/>
-              <a:gd name="connsiteY1" fmla="*/ 0 h 2000250"/>
-              <a:gd name="connsiteX2" fmla="*/ 3344703 w 3344703"/>
-              <a:gd name="connsiteY2" fmla="*/ 2000250 h 2000250"/>
-              <a:gd name="connsiteX3" fmla="*/ 0 w 3344703"/>
-              <a:gd name="connsiteY3" fmla="*/ 2000250 h 2000250"/>
-              <a:gd name="connsiteX4" fmla="*/ 0 w 3344703"/>
-              <a:gd name="connsiteY4" fmla="*/ 0 h 2000250"/>
-            </a:gdLst>
-            <a:ahLst/>
-            <a:cxnLst>
-              <a:cxn ang="0">
-                <a:pos x="connsiteX0" y="connsiteY0"/>
-              </a:cxn>
-              <a:cxn ang="0">
-                <a:pos x="connsiteX1" y="connsiteY1"/>
-              </a:cxn>
-              <a:cxn ang="0">
-                <a:pos x="connsiteX2" y="connsiteY2"/>
-              </a:cxn>
-              <a:cxn ang="0">
-                <a:pos x="connsiteX3" y="connsiteY3"/>
-              </a:cxn>
-              <a:cxn ang="0">
-                <a:pos x="connsiteX4" y="connsiteY4"/>
-              </a:cxn>
-            </a:cxnLst>
-            <a:rect l="l" t="t" r="r" b="b"/>
-            <a:pathLst>
-              <a:path w="3344703" h="2000250">
-                <a:moveTo>
-                  <a:pt x="0" y="0"/>
-                </a:moveTo>
-                <a:lnTo>
-                  <a:pt x="3344703" y="0"/>
-                </a:lnTo>
-                <a:lnTo>
-                  <a:pt x="3344703" y="2000250"/>
-                </a:lnTo>
-                <a:lnTo>
-                  <a:pt x="0" y="2000250"/>
-                </a:lnTo>
-                <a:lnTo>
-                  <a:pt x="0" y="0"/>
-                </a:lnTo>
-                <a:close/>
-              </a:path>
-            </a:pathLst>
-          </a:custGeom>
-          <a:solidFill>
-            <a:schemeClr val="tx2"/>
-          </a:solidFill>
-        </p:spPr>
-        <p:style>
-          <a:lnRef idx="2">
-            <a:schemeClr val="lt1">
-              <a:hueOff val="0"/>
-              <a:satOff val="0"/>
-              <a:lumOff val="0"/>
-              <a:alphaOff val="0"/>
-            </a:schemeClr>
-          </a:lnRef>
-          <a:fillRef idx="1">
-            <a:scrgbClr r="0" g="0" b="0"/>
-          </a:fillRef>
-          <a:effectRef idx="0">
-            <a:schemeClr val="accent2">
-              <a:shade val="80000"/>
-              <a:hueOff val="0"/>
-              <a:satOff val="0"/>
-              <a:lumOff val="0"/>
-              <a:alphaOff val="0"/>
-            </a:schemeClr>
-          </a:effectRef>
-          <a:fontRef idx="minor">
-            <a:schemeClr val="lt1"/>
-          </a:fontRef>
-        </p:style>
-        <p:txBody>
-          <a:bodyPr spcFirstLastPara="0" vert="horz" wrap="square" lIns="133350" tIns="133350" rIns="133350" bIns="133350" numCol="1" spcCol="1270" anchor="ctr" anchorCtr="0">
-            <a:noAutofit/>
-          </a:bodyPr>
-          <a:lstStyle/>
-          <a:p>
-            <a:pPr lvl="0" algn="ctr" defTabSz="1555750">
-              <a:lnSpc>
-                <a:spcPct val="90000"/>
-              </a:lnSpc>
-              <a:spcBef>
-                <a:spcPct val="0"/>
-              </a:spcBef>
-              <a:spcAft>
-                <a:spcPct val="35000"/>
-              </a:spcAft>
-            </a:pPr>
-            <a:r>
-              <a:rPr lang="en-US" sz="3500" kern="1200" dirty="0" smtClean="0"/>
-              <a:t>User</a:t>
-            </a:r>
-            <a:endParaRPr lang="en-US" sz="3500" kern="1200" dirty="0"/>
-          </a:p>
-        </p:txBody>
-      </p:sp>
-      <p:sp>
-        <p:nvSpPr>
-          <p:cNvPr id="7" name="Right Arrow 6"/>
-          <p:cNvSpPr/>
-          <p:nvPr/>
-        </p:nvSpPr>
-        <p:spPr>
-          <a:xfrm>
-            <a:off x="4421266" y="2443251"/>
-            <a:ext cx="3344703" cy="2003336"/>
-          </a:xfrm>
-          <a:prstGeom prst="rightArrow">
-            <a:avLst/>
-          </a:prstGeom>
-        </p:spPr>
-        <p:style>
-          <a:lnRef idx="2">
-            <a:schemeClr val="lt1">
-              <a:hueOff val="0"/>
-              <a:satOff val="0"/>
-              <a:lumOff val="0"/>
-              <a:alphaOff val="0"/>
-            </a:schemeClr>
-          </a:lnRef>
-          <a:fillRef idx="1">
-            <a:schemeClr val="accent2">
-              <a:shade val="80000"/>
-              <a:hueOff val="285527"/>
-              <a:satOff val="-9433"/>
-              <a:lumOff val="17283"/>
-              <a:alphaOff val="0"/>
-            </a:schemeClr>
-          </a:fillRef>
-          <a:effectRef idx="0">
-            <a:schemeClr val="accent2">
-              <a:shade val="80000"/>
-              <a:hueOff val="285527"/>
-              <a:satOff val="-9433"/>
-              <a:lumOff val="17283"/>
-              <a:alphaOff val="0"/>
-            </a:schemeClr>
-          </a:effectRef>
-          <a:fontRef idx="minor">
-            <a:schemeClr val="lt1"/>
-          </a:fontRef>
-        </p:style>
-        <p:txBody>
-          <a:bodyPr spcFirstLastPara="0" vert="horz" wrap="square" lIns="133350" tIns="133350" rIns="133350" bIns="133350" numCol="1" spcCol="1270" anchor="ctr" anchorCtr="0">
-            <a:noAutofit/>
-          </a:bodyPr>
-          <a:lstStyle/>
-          <a:p>
-            <a:pPr lvl="0" algn="ctr" defTabSz="1555750">
-              <a:lnSpc>
-                <a:spcPct val="90000"/>
-              </a:lnSpc>
-              <a:spcBef>
-                <a:spcPct val="0"/>
-              </a:spcBef>
-              <a:spcAft>
-                <a:spcPct val="35000"/>
-              </a:spcAft>
-            </a:pPr>
-            <a:r>
-              <a:rPr lang="en-US" sz="3500" kern="1200" dirty="0" smtClean="0"/>
-              <a:t>Action</a:t>
-            </a:r>
-            <a:endParaRPr lang="en-US" sz="3500" kern="1200" dirty="0"/>
-          </a:p>
-        </p:txBody>
-      </p:sp>
-      <p:sp>
-        <p:nvSpPr>
-          <p:cNvPr id="8" name="Freeform 7"/>
-          <p:cNvSpPr/>
-          <p:nvPr/>
-        </p:nvSpPr>
-        <p:spPr>
-          <a:xfrm>
-            <a:off x="8323421" y="2484438"/>
-            <a:ext cx="3344703" cy="1962149"/>
-          </a:xfrm>
-          <a:custGeom>
-            <a:avLst/>
-            <a:gdLst>
-              <a:gd name="connsiteX0" fmla="*/ 0 w 3344703"/>
-              <a:gd name="connsiteY0" fmla="*/ 0 h 1962149"/>
-              <a:gd name="connsiteX1" fmla="*/ 3344703 w 3344703"/>
-              <a:gd name="connsiteY1" fmla="*/ 0 h 1962149"/>
-              <a:gd name="connsiteX2" fmla="*/ 3344703 w 3344703"/>
-              <a:gd name="connsiteY2" fmla="*/ 1962149 h 1962149"/>
-              <a:gd name="connsiteX3" fmla="*/ 0 w 3344703"/>
-              <a:gd name="connsiteY3" fmla="*/ 1962149 h 1962149"/>
-              <a:gd name="connsiteX4" fmla="*/ 0 w 3344703"/>
-              <a:gd name="connsiteY4" fmla="*/ 0 h 1962149"/>
-            </a:gdLst>
-            <a:ahLst/>
-            <a:cxnLst>
-              <a:cxn ang="0">
-                <a:pos x="connsiteX0" y="connsiteY0"/>
-              </a:cxn>
-              <a:cxn ang="0">
-                <a:pos x="connsiteX1" y="connsiteY1"/>
-              </a:cxn>
-              <a:cxn ang="0">
-                <a:pos x="connsiteX2" y="connsiteY2"/>
-              </a:cxn>
-              <a:cxn ang="0">
-                <a:pos x="connsiteX3" y="connsiteY3"/>
-              </a:cxn>
-              <a:cxn ang="0">
-                <a:pos x="connsiteX4" y="connsiteY4"/>
-              </a:cxn>
-            </a:cxnLst>
-            <a:rect l="l" t="t" r="r" b="b"/>
-            <a:pathLst>
-              <a:path w="3344703" h="1962149">
-                <a:moveTo>
-                  <a:pt x="0" y="0"/>
-                </a:moveTo>
-                <a:lnTo>
-                  <a:pt x="3344703" y="0"/>
-                </a:lnTo>
-                <a:lnTo>
-                  <a:pt x="3344703" y="1962149"/>
-                </a:lnTo>
-                <a:lnTo>
-                  <a:pt x="0" y="1962149"/>
-                </a:lnTo>
-                <a:lnTo>
-                  <a:pt x="0" y="0"/>
-                </a:lnTo>
-                <a:close/>
-              </a:path>
-            </a:pathLst>
-          </a:custGeom>
-          <a:solidFill>
-            <a:schemeClr val="accent4"/>
-          </a:solidFill>
-        </p:spPr>
-        <p:style>
-          <a:lnRef idx="2">
-            <a:schemeClr val="lt1">
-              <a:hueOff val="0"/>
-              <a:satOff val="0"/>
-              <a:lumOff val="0"/>
-              <a:alphaOff val="0"/>
-            </a:schemeClr>
-          </a:lnRef>
-          <a:fillRef idx="1">
-            <a:scrgbClr r="0" g="0" b="0"/>
-          </a:fillRef>
-          <a:effectRef idx="0">
-            <a:schemeClr val="accent2">
-              <a:shade val="80000"/>
-              <a:hueOff val="571054"/>
-              <a:satOff val="-18867"/>
-              <a:lumOff val="34566"/>
-              <a:alphaOff val="0"/>
-            </a:schemeClr>
-          </a:effectRef>
-          <a:fontRef idx="minor">
-            <a:schemeClr val="lt1"/>
-          </a:fontRef>
-        </p:style>
-        <p:txBody>
-          <a:bodyPr spcFirstLastPara="0" vert="horz" wrap="square" lIns="133350" tIns="133350" rIns="133350" bIns="133350" numCol="1" spcCol="1270" anchor="ctr" anchorCtr="0">
-            <a:noAutofit/>
-          </a:bodyPr>
-          <a:lstStyle/>
-          <a:p>
-            <a:pPr lvl="0" algn="ctr" defTabSz="1555750">
-              <a:lnSpc>
-                <a:spcPct val="90000"/>
-              </a:lnSpc>
-              <a:spcBef>
-                <a:spcPct val="0"/>
-              </a:spcBef>
-              <a:spcAft>
-                <a:spcPct val="35000"/>
-              </a:spcAft>
-            </a:pPr>
-            <a:r>
-              <a:rPr lang="en-US" sz="3500" kern="1200" dirty="0" smtClean="0"/>
-              <a:t>Object</a:t>
-            </a:r>
-            <a:endParaRPr lang="en-US" sz="3500" kern="1200" dirty="0"/>
-          </a:p>
-        </p:txBody>
-      </p:sp>
+      <p:graphicFrame>
+        <p:nvGraphicFramePr>
+          <p:cNvPr id="2" name="Diagram 1"/>
+          <p:cNvGraphicFramePr/>
+          <p:nvPr>
+            <p:extLst>
+              <p:ext uri="{D42A27DB-BD31-4B8C-83A1-F6EECF244321}">
+                <p14:modId xmlns:p14="http://schemas.microsoft.com/office/powerpoint/2010/main" val="3618401384"/>
+              </p:ext>
+            </p:extLst>
+          </p:nvPr>
+        </p:nvGraphicFramePr>
+        <p:xfrm>
+          <a:off x="519112" y="1215342"/>
+          <a:ext cx="11149013" cy="4664597"/>
+        </p:xfrm>
+        <a:graphic>
+          <a:graphicData uri="http://schemas.openxmlformats.org/drawingml/2006/diagram">
+            <dgm:relIds xmlns:dgm="http://schemas.openxmlformats.org/drawingml/2006/diagram" xmlns:r="http://schemas.openxmlformats.org/officeDocument/2006/relationships" r:dm="rId2" r:lo="rId3" r:qs="rId4" r:cs="rId5"/>
+          </a:graphicData>
+        </a:graphic>
+      </p:graphicFrame>
     </p:spTree>
     <p:extLst>
       <p:ext uri="{BB962C8B-B14F-4D97-AF65-F5344CB8AC3E}">
-        <p14:creationId xmlns:p14="http://schemas.microsoft.com/office/powerpoint/2010/main" val="1861639563"/>
+        <p14:creationId xmlns:p14="http://schemas.microsoft.com/office/powerpoint/2010/main" val="380773201"/>
       </p:ext>
     </p:extLst>
   </p:cSld>
@@ -24423,15 +24804,6 @@
 </file>
 
 <file path=customXml/item1.xml><?xml version="1.0" encoding="utf-8"?>
-<?mso-contentType ?>
-<FormTemplates xmlns="http://schemas.microsoft.com/sharepoint/v3/contenttype/forms">
-  <Display>DocumentLibraryForm</Display>
-  <Edit>DocumentLibraryForm</Edit>
-  <New>DocumentLibraryForm</New>
-</FormTemplates>
-</file>
-
-<file path=customXml/item2.xml><?xml version="1.0" encoding="utf-8"?>
 <ct:contentTypeSchema xmlns:ct="http://schemas.microsoft.com/office/2006/metadata/contentType" xmlns:ma="http://schemas.microsoft.com/office/2006/metadata/properties/metaAttributes" ct:_="" ma:_="" ma:contentTypeName="Document" ma:contentTypeID="0x010100CA05B43BE68FE54B90DD26FDFB72BB05" ma:contentTypeVersion="0" ma:contentTypeDescription="Create a new document." ma:contentTypeScope="" ma:versionID="6df1bece345c1749bd9b91e82fa4a03a">
   <xsd:schema xmlns:xsd="http://www.w3.org/2001/XMLSchema" xmlns:xs="http://www.w3.org/2001/XMLSchema" xmlns:p="http://schemas.microsoft.com/office/2006/metadata/properties" xmlns:ns2="230e9df3-be65-4c73-a93b-d1236ebd677e" targetNamespace="http://schemas.microsoft.com/office/2006/metadata/properties" ma:root="true" ma:fieldsID="e317b0b832c9845d3aae3abd1bb0954e" ns2:_="">
     <xsd:import namespace="230e9df3-be65-4c73-a93b-d1236ebd677e"/>
@@ -24583,7 +24955,7 @@
 </ct:contentTypeSchema>
 </file>
 
-<file path=customXml/item3.xml><?xml version="1.0" encoding="utf-8"?>
+<file path=customXml/item2.xml><?xml version="1.0" encoding="utf-8"?>
 <p:properties xmlns:p="http://schemas.microsoft.com/office/2006/metadata/properties" xmlns:xsi="http://www.w3.org/2001/XMLSchema-instance" xmlns:pc="http://schemas.microsoft.com/office/infopath/2007/PartnerControls">
   <documentManagement>
     <TaxKeywordTaxHTField xmlns="230e9df3-be65-4c73-a93b-d1236ebd677e">
@@ -24594,15 +24966,16 @@
 </p:properties>
 </file>
 
-<file path=customXml/itemProps1.xml><?xml version="1.0" encoding="utf-8"?>
-<ds:datastoreItem xmlns:ds="http://schemas.openxmlformats.org/officeDocument/2006/customXml" ds:itemID="{B882D8D6-9D38-4159-A398-AAC3689D3D7C}">
-  <ds:schemaRefs>
-    <ds:schemaRef ds:uri="http://schemas.microsoft.com/sharepoint/v3/contenttype/forms"/>
-  </ds:schemaRefs>
-</ds:datastoreItem>
+<file path=customXml/item3.xml><?xml version="1.0" encoding="utf-8"?>
+<?mso-contentType ?>
+<FormTemplates xmlns="http://schemas.microsoft.com/sharepoint/v3/contenttype/forms">
+  <Display>DocumentLibraryForm</Display>
+  <Edit>DocumentLibraryForm</Edit>
+  <New>DocumentLibraryForm</New>
+</FormTemplates>
 </file>
 
-<file path=customXml/itemProps2.xml><?xml version="1.0" encoding="utf-8"?>
+<file path=customXml/itemProps1.xml><?xml version="1.0" encoding="utf-8"?>
 <ds:datastoreItem xmlns:ds="http://schemas.openxmlformats.org/officeDocument/2006/customXml" ds:itemID="{8F590144-748D-417B-8B69-088F107B0F98}">
   <ds:schemaRefs>
     <ds:schemaRef ds:uri="http://schemas.microsoft.com/office/2006/metadata/contentType"/>
@@ -24620,7 +24993,7 @@
 </ds:datastoreItem>
 </file>
 
-<file path=customXml/itemProps3.xml><?xml version="1.0" encoding="utf-8"?>
+<file path=customXml/itemProps2.xml><?xml version="1.0" encoding="utf-8"?>
 <ds:datastoreItem xmlns:ds="http://schemas.openxmlformats.org/officeDocument/2006/customXml" ds:itemID="{69B2F97D-0457-4986-9734-D03EB073C5EA}">
   <ds:schemaRefs>
     <ds:schemaRef ds:uri="http://schemas.microsoft.com/office/infopath/2007/PartnerControls"/>
@@ -24634,4 +25007,12 @@
     <ds:schemaRef ds:uri="http://purl.org/dc/dcmitype/"/>
   </ds:schemaRefs>
 </ds:datastoreItem>
+</file>
+
+<file path=customXml/itemProps3.xml><?xml version="1.0" encoding="utf-8"?>
+<ds:datastoreItem xmlns:ds="http://schemas.openxmlformats.org/officeDocument/2006/customXml" ds:itemID="{B882D8D6-9D38-4159-A398-AAC3689D3D7C}">
+  <ds:schemaRefs>
+    <ds:schemaRef ds:uri="http://schemas.microsoft.com/sharepoint/v3/contenttype/forms"/>
+  </ds:schemaRefs>
+</ds:datastoreItem>
 </file>
--- a/BuildingSocialWebApps.pptx
+++ b/BuildingSocialWebApps.pptx
@@ -1291,354 +1291,6 @@
       <dsp:cNvGrpSpPr/>
     </dsp:nvGrpSpPr>
     <dsp:grpSpPr/>
-    <dsp:sp modelId="{6F5A64AC-776C-48AE-B17F-D5E5FFE9A60C}">
-      <dsp:nvSpPr>
-        <dsp:cNvPr id="0" name=""/>
-        <dsp:cNvSpPr/>
-      </dsp:nvSpPr>
-      <dsp:spPr>
-        <a:xfrm>
-          <a:off x="3242207" y="0"/>
-          <a:ext cx="4664597" cy="4664597"/>
-        </a:xfrm>
-        <a:prstGeom prst="diamond">
-          <a:avLst/>
-        </a:prstGeom>
-        <a:solidFill>
-          <a:schemeClr val="accent5">
-            <a:tint val="40000"/>
-            <a:hueOff val="0"/>
-            <a:satOff val="0"/>
-            <a:lumOff val="0"/>
-            <a:alphaOff val="0"/>
-          </a:schemeClr>
-        </a:solidFill>
-        <a:ln>
-          <a:noFill/>
-        </a:ln>
-        <a:effectLst/>
-      </dsp:spPr>
-      <dsp:style>
-        <a:lnRef idx="0">
-          <a:scrgbClr r="0" g="0" b="0"/>
-        </a:lnRef>
-        <a:fillRef idx="1">
-          <a:scrgbClr r="0" g="0" b="0"/>
-        </a:fillRef>
-        <a:effectRef idx="0">
-          <a:scrgbClr r="0" g="0" b="0"/>
-        </a:effectRef>
-        <a:fontRef idx="minor"/>
-      </dsp:style>
-    </dsp:sp>
-    <dsp:sp modelId="{E42255E6-60C7-4251-A943-BFF78A38CAA3}">
-      <dsp:nvSpPr>
-        <dsp:cNvPr id="0" name=""/>
-        <dsp:cNvSpPr/>
-      </dsp:nvSpPr>
-      <dsp:spPr>
-        <a:xfrm>
-          <a:off x="3685344" y="443136"/>
-          <a:ext cx="1819192" cy="1819192"/>
-        </a:xfrm>
-        <a:prstGeom prst="roundRect">
-          <a:avLst/>
-        </a:prstGeom>
-        <a:solidFill>
-          <a:schemeClr val="accent5">
-            <a:hueOff val="0"/>
-            <a:satOff val="0"/>
-            <a:lumOff val="0"/>
-            <a:alphaOff val="0"/>
-          </a:schemeClr>
-        </a:solidFill>
-        <a:ln w="25400" cap="flat" cmpd="sng" algn="ctr">
-          <a:solidFill>
-            <a:schemeClr val="lt1">
-              <a:hueOff val="0"/>
-              <a:satOff val="0"/>
-              <a:lumOff val="0"/>
-              <a:alphaOff val="0"/>
-            </a:schemeClr>
-          </a:solidFill>
-          <a:prstDash val="solid"/>
-        </a:ln>
-        <a:effectLst/>
-      </dsp:spPr>
-      <dsp:style>
-        <a:lnRef idx="2">
-          <a:scrgbClr r="0" g="0" b="0"/>
-        </a:lnRef>
-        <a:fillRef idx="1">
-          <a:scrgbClr r="0" g="0" b="0"/>
-        </a:fillRef>
-        <a:effectRef idx="0">
-          <a:scrgbClr r="0" g="0" b="0"/>
-        </a:effectRef>
-        <a:fontRef idx="minor">
-          <a:schemeClr val="lt1"/>
-        </a:fontRef>
-      </dsp:style>
-      <dsp:txBody>
-        <a:bodyPr spcFirstLastPara="0" vert="horz" wrap="square" lIns="87630" tIns="87630" rIns="87630" bIns="87630" numCol="1" spcCol="1270" anchor="ctr" anchorCtr="0">
-          <a:noAutofit/>
-        </a:bodyPr>
-        <a:lstStyle/>
-        <a:p>
-          <a:pPr lvl="0" algn="ctr" defTabSz="1022350" rtl="0">
-            <a:lnSpc>
-              <a:spcPct val="90000"/>
-            </a:lnSpc>
-            <a:spcBef>
-              <a:spcPct val="0"/>
-            </a:spcBef>
-            <a:spcAft>
-              <a:spcPct val="35000"/>
-            </a:spcAft>
-          </a:pPr>
-          <a:r>
-            <a:rPr lang="en-US" sz="2300" kern="1200" baseline="0" smtClean="0"/>
-            <a:t>Identity</a:t>
-          </a:r>
-          <a:endParaRPr lang="en-US" sz="2300" kern="1200"/>
-        </a:p>
-      </dsp:txBody>
-      <dsp:txXfrm>
-        <a:off x="3774150" y="531942"/>
-        <a:ext cx="1641580" cy="1641580"/>
-      </dsp:txXfrm>
-    </dsp:sp>
-    <dsp:sp modelId="{F5D71313-15B3-426D-A23A-FE2A6E3E945B}">
-      <dsp:nvSpPr>
-        <dsp:cNvPr id="0" name=""/>
-        <dsp:cNvSpPr/>
-      </dsp:nvSpPr>
-      <dsp:spPr>
-        <a:xfrm>
-          <a:off x="5644475" y="443136"/>
-          <a:ext cx="1819192" cy="1819192"/>
-        </a:xfrm>
-        <a:prstGeom prst="roundRect">
-          <a:avLst/>
-        </a:prstGeom>
-        <a:solidFill>
-          <a:schemeClr val="accent5">
-            <a:hueOff val="4078730"/>
-            <a:satOff val="0"/>
-            <a:lumOff val="-4379"/>
-            <a:alphaOff val="0"/>
-          </a:schemeClr>
-        </a:solidFill>
-        <a:ln w="25400" cap="flat" cmpd="sng" algn="ctr">
-          <a:solidFill>
-            <a:schemeClr val="lt1">
-              <a:hueOff val="0"/>
-              <a:satOff val="0"/>
-              <a:lumOff val="0"/>
-              <a:alphaOff val="0"/>
-            </a:schemeClr>
-          </a:solidFill>
-          <a:prstDash val="solid"/>
-        </a:ln>
-        <a:effectLst/>
-      </dsp:spPr>
-      <dsp:style>
-        <a:lnRef idx="2">
-          <a:scrgbClr r="0" g="0" b="0"/>
-        </a:lnRef>
-        <a:fillRef idx="1">
-          <a:scrgbClr r="0" g="0" b="0"/>
-        </a:fillRef>
-        <a:effectRef idx="0">
-          <a:scrgbClr r="0" g="0" b="0"/>
-        </a:effectRef>
-        <a:fontRef idx="minor">
-          <a:schemeClr val="lt1"/>
-        </a:fontRef>
-      </dsp:style>
-      <dsp:txBody>
-        <a:bodyPr spcFirstLastPara="0" vert="horz" wrap="square" lIns="87630" tIns="87630" rIns="87630" bIns="87630" numCol="1" spcCol="1270" anchor="ctr" anchorCtr="0">
-          <a:noAutofit/>
-        </a:bodyPr>
-        <a:lstStyle/>
-        <a:p>
-          <a:pPr lvl="0" algn="ctr" defTabSz="1022350" rtl="0">
-            <a:lnSpc>
-              <a:spcPct val="90000"/>
-            </a:lnSpc>
-            <a:spcBef>
-              <a:spcPct val="0"/>
-            </a:spcBef>
-            <a:spcAft>
-              <a:spcPct val="35000"/>
-            </a:spcAft>
-          </a:pPr>
-          <a:r>
-            <a:rPr lang="en-US" sz="2300" kern="1200" baseline="0" smtClean="0"/>
-            <a:t>Social Graph</a:t>
-          </a:r>
-          <a:endParaRPr lang="en-US" sz="2300" kern="1200"/>
-        </a:p>
-      </dsp:txBody>
-      <dsp:txXfrm>
-        <a:off x="5733281" y="531942"/>
-        <a:ext cx="1641580" cy="1641580"/>
-      </dsp:txXfrm>
-    </dsp:sp>
-    <dsp:sp modelId="{8C62473A-AAD8-4F17-8C01-8B8C743428AD}">
-      <dsp:nvSpPr>
-        <dsp:cNvPr id="0" name=""/>
-        <dsp:cNvSpPr/>
-      </dsp:nvSpPr>
-      <dsp:spPr>
-        <a:xfrm>
-          <a:off x="3685344" y="2402267"/>
-          <a:ext cx="1819192" cy="1819192"/>
-        </a:xfrm>
-        <a:prstGeom prst="roundRect">
-          <a:avLst/>
-        </a:prstGeom>
-        <a:solidFill>
-          <a:schemeClr val="accent5">
-            <a:hueOff val="8157460"/>
-            <a:satOff val="0"/>
-            <a:lumOff val="-8758"/>
-            <a:alphaOff val="0"/>
-          </a:schemeClr>
-        </a:solidFill>
-        <a:ln w="25400" cap="flat" cmpd="sng" algn="ctr">
-          <a:solidFill>
-            <a:schemeClr val="lt1">
-              <a:hueOff val="0"/>
-              <a:satOff val="0"/>
-              <a:lumOff val="0"/>
-              <a:alphaOff val="0"/>
-            </a:schemeClr>
-          </a:solidFill>
-          <a:prstDash val="solid"/>
-        </a:ln>
-        <a:effectLst/>
-      </dsp:spPr>
-      <dsp:style>
-        <a:lnRef idx="2">
-          <a:scrgbClr r="0" g="0" b="0"/>
-        </a:lnRef>
-        <a:fillRef idx="1">
-          <a:scrgbClr r="0" g="0" b="0"/>
-        </a:fillRef>
-        <a:effectRef idx="0">
-          <a:scrgbClr r="0" g="0" b="0"/>
-        </a:effectRef>
-        <a:fontRef idx="minor">
-          <a:schemeClr val="lt1"/>
-        </a:fontRef>
-      </dsp:style>
-      <dsp:txBody>
-        <a:bodyPr spcFirstLastPara="0" vert="horz" wrap="square" lIns="87630" tIns="87630" rIns="87630" bIns="87630" numCol="1" spcCol="1270" anchor="ctr" anchorCtr="0">
-          <a:noAutofit/>
-        </a:bodyPr>
-        <a:lstStyle/>
-        <a:p>
-          <a:pPr lvl="0" algn="ctr" defTabSz="1022350" rtl="0">
-            <a:lnSpc>
-              <a:spcPct val="90000"/>
-            </a:lnSpc>
-            <a:spcBef>
-              <a:spcPct val="0"/>
-            </a:spcBef>
-            <a:spcAft>
-              <a:spcPct val="35000"/>
-            </a:spcAft>
-          </a:pPr>
-          <a:r>
-            <a:rPr lang="en-US" sz="2300" kern="1200" baseline="0" smtClean="0"/>
-            <a:t>Application Integration</a:t>
-          </a:r>
-          <a:endParaRPr lang="en-US" sz="2300" kern="1200"/>
-        </a:p>
-      </dsp:txBody>
-      <dsp:txXfrm>
-        <a:off x="3774150" y="2491073"/>
-        <a:ext cx="1641580" cy="1641580"/>
-      </dsp:txXfrm>
-    </dsp:sp>
-    <dsp:sp modelId="{20877FC0-6897-422E-AB2D-CC6CF4267D7C}">
-      <dsp:nvSpPr>
-        <dsp:cNvPr id="0" name=""/>
-        <dsp:cNvSpPr/>
-      </dsp:nvSpPr>
-      <dsp:spPr>
-        <a:xfrm>
-          <a:off x="5644475" y="2402267"/>
-          <a:ext cx="1819192" cy="1819192"/>
-        </a:xfrm>
-        <a:prstGeom prst="roundRect">
-          <a:avLst/>
-        </a:prstGeom>
-        <a:solidFill>
-          <a:schemeClr val="accent5">
-            <a:hueOff val="12236190"/>
-            <a:satOff val="0"/>
-            <a:lumOff val="-13137"/>
-            <a:alphaOff val="0"/>
-          </a:schemeClr>
-        </a:solidFill>
-        <a:ln w="25400" cap="flat" cmpd="sng" algn="ctr">
-          <a:solidFill>
-            <a:schemeClr val="lt1">
-              <a:hueOff val="0"/>
-              <a:satOff val="0"/>
-              <a:lumOff val="0"/>
-              <a:alphaOff val="0"/>
-            </a:schemeClr>
-          </a:solidFill>
-          <a:prstDash val="solid"/>
-        </a:ln>
-        <a:effectLst/>
-      </dsp:spPr>
-      <dsp:style>
-        <a:lnRef idx="2">
-          <a:scrgbClr r="0" g="0" b="0"/>
-        </a:lnRef>
-        <a:fillRef idx="1">
-          <a:scrgbClr r="0" g="0" b="0"/>
-        </a:fillRef>
-        <a:effectRef idx="0">
-          <a:scrgbClr r="0" g="0" b="0"/>
-        </a:effectRef>
-        <a:fontRef idx="minor">
-          <a:schemeClr val="lt1"/>
-        </a:fontRef>
-      </dsp:style>
-      <dsp:txBody>
-        <a:bodyPr spcFirstLastPara="0" vert="horz" wrap="square" lIns="87630" tIns="87630" rIns="87630" bIns="87630" numCol="1" spcCol="1270" anchor="ctr" anchorCtr="0">
-          <a:noAutofit/>
-        </a:bodyPr>
-        <a:lstStyle/>
-        <a:p>
-          <a:pPr lvl="0" algn="ctr" defTabSz="1022350">
-            <a:lnSpc>
-              <a:spcPct val="90000"/>
-            </a:lnSpc>
-            <a:spcBef>
-              <a:spcPct val="0"/>
-            </a:spcBef>
-            <a:spcAft>
-              <a:spcPct val="35000"/>
-            </a:spcAft>
-          </a:pPr>
-          <a:r>
-            <a:rPr lang="en-US" sz="2300" kern="1200" dirty="0" smtClean="0"/>
-            <a:t>Real-Time Updates</a:t>
-          </a:r>
-          <a:endParaRPr lang="en-US" sz="2300" kern="1200" dirty="0"/>
-        </a:p>
-      </dsp:txBody>
-      <dsp:txXfrm>
-        <a:off x="5733281" y="2491073"/>
-        <a:ext cx="1641580" cy="1641580"/>
-      </dsp:txXfrm>
-    </dsp:sp>
   </dsp:spTree>
 </dsp:drawing>
 </file>
@@ -2988,7 +2640,7 @@
               <a:rPr lang="en-US" smtClean="0">
                 <a:latin typeface="Segoe UI" pitchFamily="34" charset="0"/>
               </a:rPr>
-              <a:t>12/7/2012</a:t>
+              <a:t>12/20/2012</a:t>
             </a:fld>
             <a:endParaRPr lang="en-US" dirty="0">
               <a:latin typeface="Segoe UI" pitchFamily="34" charset="0"/>
@@ -3170,7 +2822,7 @@
             <a:fld id="{CAE3F082-F902-42D8-A765-720E172C3194}" type="datetimeFigureOut">
               <a:rPr lang="en-US" smtClean="0"/>
               <a:pPr/>
-              <a:t>12/7/2012</a:t>
+              <a:t>12/20/2012</a:t>
             </a:fld>
             <a:endParaRPr lang="en-US" dirty="0"/>
           </a:p>
@@ -8192,40 +7844,6 @@
           <a:chExt cx="0" cy="0"/>
         </a:xfrm>
       </p:grpSpPr>
-      <p:pic>
-        <p:nvPicPr>
-          <p:cNvPr id="2" name="Picture 2"/>
-          <p:cNvPicPr>
-            <a:picLocks noChangeAspect="1" noChangeArrowheads="1"/>
-          </p:cNvPicPr>
-          <p:nvPr userDrawn="1"/>
-        </p:nvPicPr>
-        <p:blipFill>
-          <a:blip r:embed="rId3">
-            <a:extLst>
-              <a:ext uri="{28A0092B-C50C-407E-A947-70E740481C1C}">
-                <a14:useLocalDpi xmlns:a14="http://schemas.microsoft.com/office/drawing/2010/main" val="0"/>
-              </a:ext>
-            </a:extLst>
-          </a:blip>
-          <a:stretch>
-            <a:fillRect/>
-          </a:stretch>
-        </p:blipFill>
-        <p:spPr bwMode="black">
-          <a:xfrm>
-            <a:off x="4321174" y="3140274"/>
-            <a:ext cx="3546476" cy="577452"/>
-          </a:xfrm>
-          <a:prstGeom prst="rect">
-            <a:avLst/>
-          </a:prstGeom>
-          <a:noFill/>
-          <a:ln>
-            <a:noFill/>
-          </a:ln>
-        </p:spPr>
-      </p:pic>
       <p:sp>
         <p:nvSpPr>
           <p:cNvPr id="3" name="Text Box 3"/>
@@ -8339,6 +7957,36 @@
           </a:p>
         </p:txBody>
       </p:sp>
+      <p:pic>
+        <p:nvPicPr>
+          <p:cNvPr id="4" name="Picture 3"/>
+          <p:cNvPicPr>
+            <a:picLocks noChangeAspect="1"/>
+          </p:cNvPicPr>
+          <p:nvPr userDrawn="1"/>
+        </p:nvPicPr>
+        <p:blipFill>
+          <a:blip r:embed="rId3" cstate="print">
+            <a:extLst>
+              <a:ext uri="{28A0092B-C50C-407E-A947-70E740481C1C}">
+                <a14:useLocalDpi xmlns:a14="http://schemas.microsoft.com/office/drawing/2010/main" val="0"/>
+              </a:ext>
+            </a:extLst>
+          </a:blip>
+          <a:stretch>
+            <a:fillRect/>
+          </a:stretch>
+        </p:blipFill>
+        <p:spPr bwMode="invGray">
+          <a:xfrm>
+            <a:off x="4482902" y="3072036"/>
+            <a:ext cx="3223021" cy="690417"/>
+          </a:xfrm>
+          <a:prstGeom prst="rect">
+            <a:avLst/>
+          </a:prstGeom>
+        </p:spPr>
+      </p:pic>
     </p:spTree>
     <p:extLst>
       <p:ext uri="{BB962C8B-B14F-4D97-AF65-F5344CB8AC3E}">
@@ -9362,7 +9010,7 @@
           <a:p>
             <a:fld id="{3C05B25D-F090-4D40-A1CE-42B188CFF7D8}" type="datetimeFigureOut">
               <a:rPr lang="en-US" smtClean="0"/>
-              <a:t>12/7/2012</a:t>
+              <a:t>12/20/2012</a:t>
             </a:fld>
             <a:endParaRPr lang="en-US"/>
           </a:p>
@@ -16090,41 +15738,7 @@
                   </a:gradFill>
                   <a:latin typeface="Segoe UI Light" pitchFamily="34" charset="0"/>
                 </a:rPr>
-                <a:t>SPEAKERNAME </a:t>
-              </a:r>
-              <a:r>
-                <a:rPr lang="en-US" sz="2600" spc="-100" smtClean="0">
-                  <a:gradFill>
-                    <a:gsLst>
-                      <a:gs pos="0">
-                        <a:srgbClr val="595959"/>
-                      </a:gs>
-                      <a:gs pos="86000">
-                        <a:srgbClr val="595959"/>
-                      </a:gs>
-                    </a:gsLst>
-                    <a:lin ang="5400000" scaled="0"/>
-                  </a:gradFill>
-                  <a:latin typeface="Segoe UI Light" pitchFamily="34" charset="0"/>
-                </a:rPr>
-                <a:t>/ </a:t>
-              </a:r>
-              <a:r>
-                <a:rPr lang="en-US" sz="2600" spc="-100" smtClean="0">
-                  <a:gradFill>
-                    <a:gsLst>
-                      <a:gs pos="0">
-                        <a:srgbClr val="595959"/>
-                      </a:gs>
-                      <a:gs pos="86000">
-                        <a:srgbClr val="595959"/>
-                      </a:gs>
-                    </a:gsLst>
-                    <a:lin ang="5400000" scaled="0"/>
-                  </a:gradFill>
-                  <a:latin typeface="Segoe UI Light" pitchFamily="34" charset="0"/>
-                </a:rPr>
-                <a:t>@HANDLE</a:t>
+                <a:t>[Speaker] / [Twitter]</a:t>
               </a:r>
               <a:endParaRPr lang="en-US" sz="2600" spc="-100" dirty="0">
                 <a:gradFill>
@@ -20556,7 +20170,7 @@
           <a:graphicData uri="http://schemas.openxmlformats.org/presentationml/2006/ole">
             <mc:AlternateContent xmlns:mc="http://schemas.openxmlformats.org/markup-compatibility/2006">
               <mc:Choice xmlns:v="urn:schemas-microsoft-com:vml" Requires="v">
-                <p:oleObj spid="_x0000_s58483" name="think-cell Slide" r:id="rId4" imgW="270" imgH="270" progId="TCLayout.ActiveDocument.1">
+                <p:oleObj spid="_x0000_s58484" name="think-cell Slide" r:id="rId4" imgW="270" imgH="270" progId="TCLayout.ActiveDocument.1">
                   <p:embed/>
                 </p:oleObj>
               </mc:Choice>
@@ -20665,7 +20279,7 @@
           <a:graphicData uri="http://schemas.openxmlformats.org/presentationml/2006/ole">
             <mc:AlternateContent xmlns:mc="http://schemas.openxmlformats.org/markup-compatibility/2006">
               <mc:Choice xmlns:v="urn:schemas-microsoft-com:vml" Requires="v">
-                <p:oleObj spid="_x0000_s59503" name="think-cell Slide" r:id="rId4" imgW="270" imgH="270" progId="TCLayout.ActiveDocument.1">
+                <p:oleObj spid="_x0000_s59504" name="think-cell Slide" r:id="rId4" imgW="270" imgH="270" progId="TCLayout.ActiveDocument.1">
                   <p:embed/>
                 </p:oleObj>
               </mc:Choice>
@@ -20738,28 +20352,25 @@
             <p:ph type="body" sz="quarter" idx="11"/>
           </p:nvPr>
         </p:nvSpPr>
-        <p:spPr/>
+        <p:spPr>
+          <a:xfrm>
+            <a:off x="519113" y="5465781"/>
+            <a:ext cx="5454333" cy="738664"/>
+          </a:xfrm>
+        </p:spPr>
         <p:txBody>
           <a:bodyPr/>
           <a:lstStyle/>
           <a:p>
             <a:r>
               <a:rPr lang="en-US" dirty="0" smtClean="0"/>
-              <a:t>Name</a:t>
-            </a:r>
-            <a:endParaRPr lang="en-US" dirty="0" smtClean="0"/>
+              <a:t>[Speaker]</a:t>
+            </a:r>
           </a:p>
           <a:p>
             <a:r>
               <a:rPr lang="en-US" dirty="0" smtClean="0"/>
-              <a:t>Title</a:t>
-            </a:r>
-            <a:endParaRPr lang="en-US" dirty="0" smtClean="0"/>
-          </a:p>
-          <a:p>
-            <a:r>
-              <a:rPr lang="en-US" dirty="0" smtClean="0"/>
-              <a:t>Company</a:t>
+              <a:t>[Company]</a:t>
             </a:r>
             <a:endParaRPr lang="en-US" dirty="0"/>
           </a:p>
@@ -20839,7 +20450,7 @@
           <a:graphicData uri="http://schemas.openxmlformats.org/presentationml/2006/ole">
             <mc:AlternateContent xmlns:mc="http://schemas.openxmlformats.org/markup-compatibility/2006">
               <mc:Choice xmlns:v="urn:schemas-microsoft-com:vml" Requires="v">
-                <p:oleObj spid="_x0000_s23671" name="think-cell Slide" r:id="rId6" imgW="270" imgH="270" progId="TCLayout.ActiveDocument.1">
+                <p:oleObj spid="_x0000_s23672" name="think-cell Slide" r:id="rId6" imgW="270" imgH="270" progId="TCLayout.ActiveDocument.1">
                   <p:embed/>
                 </p:oleObj>
               </mc:Choice>
@@ -23436,11 +23047,7 @@
             </a:r>
             <a:r>
               <a:rPr lang="en-US" dirty="0" smtClean="0"/>
-              <a:t> </a:t>
-            </a:r>
-            <a:r>
-              <a:rPr lang="en-US" dirty="0" smtClean="0"/>
-              <a:t>&amp; </a:t>
+              <a:t> &amp; </a:t>
             </a:r>
             <a:r>
               <a:rPr lang="en-US" dirty="0" err="1" smtClean="0"/>
@@ -24956,6 +24563,15 @@
 </file>
 
 <file path=customXml/item2.xml><?xml version="1.0" encoding="utf-8"?>
+<?mso-contentType ?>
+<FormTemplates xmlns="http://schemas.microsoft.com/sharepoint/v3/contenttype/forms">
+  <Display>DocumentLibraryForm</Display>
+  <Edit>DocumentLibraryForm</Edit>
+  <New>DocumentLibraryForm</New>
+</FormTemplates>
+</file>
+
+<file path=customXml/item3.xml><?xml version="1.0" encoding="utf-8"?>
 <p:properties xmlns:p="http://schemas.microsoft.com/office/2006/metadata/properties" xmlns:xsi="http://www.w3.org/2001/XMLSchema-instance" xmlns:pc="http://schemas.microsoft.com/office/infopath/2007/PartnerControls">
   <documentManagement>
     <TaxKeywordTaxHTField xmlns="230e9df3-be65-4c73-a93b-d1236ebd677e">
@@ -24964,15 +24580,6 @@
     <TaxCatchAll xmlns="230e9df3-be65-4c73-a93b-d1236ebd677e"/>
   </documentManagement>
 </p:properties>
-</file>
-
-<file path=customXml/item3.xml><?xml version="1.0" encoding="utf-8"?>
-<?mso-contentType ?>
-<FormTemplates xmlns="http://schemas.microsoft.com/sharepoint/v3/contenttype/forms">
-  <Display>DocumentLibraryForm</Display>
-  <Edit>DocumentLibraryForm</Edit>
-  <New>DocumentLibraryForm</New>
-</FormTemplates>
 </file>
 
 <file path=customXml/itemProps1.xml><?xml version="1.0" encoding="utf-8"?>
@@ -24994,6 +24601,14 @@
 </file>
 
 <file path=customXml/itemProps2.xml><?xml version="1.0" encoding="utf-8"?>
+<ds:datastoreItem xmlns:ds="http://schemas.openxmlformats.org/officeDocument/2006/customXml" ds:itemID="{B882D8D6-9D38-4159-A398-AAC3689D3D7C}">
+  <ds:schemaRefs>
+    <ds:schemaRef ds:uri="http://schemas.microsoft.com/sharepoint/v3/contenttype/forms"/>
+  </ds:schemaRefs>
+</ds:datastoreItem>
+</file>
+
+<file path=customXml/itemProps3.xml><?xml version="1.0" encoding="utf-8"?>
 <ds:datastoreItem xmlns:ds="http://schemas.openxmlformats.org/officeDocument/2006/customXml" ds:itemID="{69B2F97D-0457-4986-9734-D03EB073C5EA}">
   <ds:schemaRefs>
     <ds:schemaRef ds:uri="http://schemas.microsoft.com/office/infopath/2007/PartnerControls"/>
@@ -25007,12 +24622,4 @@
     <ds:schemaRef ds:uri="http://purl.org/dc/dcmitype/"/>
   </ds:schemaRefs>
 </ds:datastoreItem>
-</file>
-
-<file path=customXml/itemProps3.xml><?xml version="1.0" encoding="utf-8"?>
-<ds:datastoreItem xmlns:ds="http://schemas.openxmlformats.org/officeDocument/2006/customXml" ds:itemID="{B882D8D6-9D38-4159-A398-AAC3689D3D7C}">
-  <ds:schemaRefs>
-    <ds:schemaRef ds:uri="http://schemas.microsoft.com/sharepoint/v3/contenttype/forms"/>
-  </ds:schemaRefs>
-</ds:datastoreItem>
 </file>